--- a/Hack To The Future.pptx
+++ b/Hack To The Future.pptx
@@ -6,7 +6,7 @@
     <p:sldMasterId id="2147483660" r:id="rId5"/>
   </p:sldMasterIdLst>
   <p:notesMasterIdLst>
-    <p:notesMasterId r:id="rId19"/>
+    <p:notesMasterId r:id="rId21"/>
   </p:notesMasterIdLst>
   <p:sldIdLst>
     <p:sldId id="284" r:id="rId6"/>
@@ -14,31 +14,33 @@
     <p:sldId id="288" r:id="rId8"/>
     <p:sldId id="263" r:id="rId9"/>
     <p:sldId id="294" r:id="rId10"/>
-    <p:sldId id="302" r:id="rId11"/>
-    <p:sldId id="303" r:id="rId12"/>
-    <p:sldId id="304" r:id="rId13"/>
-    <p:sldId id="305" r:id="rId14"/>
-    <p:sldId id="306" r:id="rId15"/>
-    <p:sldId id="307" r:id="rId16"/>
-    <p:sldId id="309" r:id="rId17"/>
-    <p:sldId id="310" r:id="rId18"/>
+    <p:sldId id="311" r:id="rId11"/>
+    <p:sldId id="302" r:id="rId12"/>
+    <p:sldId id="313" r:id="rId13"/>
+    <p:sldId id="301" r:id="rId14"/>
+    <p:sldId id="304" r:id="rId15"/>
+    <p:sldId id="305" r:id="rId16"/>
+    <p:sldId id="306" r:id="rId17"/>
+    <p:sldId id="307" r:id="rId18"/>
+    <p:sldId id="309" r:id="rId19"/>
+    <p:sldId id="310" r:id="rId20"/>
   </p:sldIdLst>
   <p:sldSz cx="12192000" cy="6858000"/>
   <p:notesSz cx="6858000" cy="9144000"/>
   <p:embeddedFontLst>
     <p:embeddedFont>
       <p:font typeface="Century Gothic" panose="020B0502020202020204" pitchFamily="34" charset="0"/>
-      <p:regular r:id="rId20"/>
-      <p:bold r:id="rId21"/>
-      <p:italic r:id="rId22"/>
-      <p:boldItalic r:id="rId23"/>
+      <p:regular r:id="rId22"/>
+      <p:bold r:id="rId23"/>
+      <p:italic r:id="rId24"/>
+      <p:boldItalic r:id="rId25"/>
     </p:embeddedFont>
     <p:embeddedFont>
       <p:font typeface="Segoe UI" panose="020B0502040204020203" pitchFamily="34" charset="0"/>
-      <p:regular r:id="rId24"/>
-      <p:bold r:id="rId25"/>
-      <p:italic r:id="rId26"/>
-      <p:boldItalic r:id="rId27"/>
+      <p:regular r:id="rId26"/>
+      <p:bold r:id="rId27"/>
+      <p:italic r:id="rId28"/>
+      <p:boldItalic r:id="rId29"/>
     </p:embeddedFont>
   </p:embeddedFontLst>
   <p:defaultTextStyle>
@@ -275,7 +277,7 @@
       <p15:sldGuideLst xmlns:p15="http://schemas.microsoft.com/office/powerpoint/2012/main"/>
     </p:ext>
     <p:ext uri="GoogleSlidesCustomDataVersion2">
-      <go:slidesCustomData xmlns:go="http://customooxmlschemas.google.com/" xmlns:ahyp="http://schemas.microsoft.com/office/drawing/2018/hyperlinkcolor" xmlns:p15="http://schemas.microsoft.com/office/powerpoint/2012/main" xmlns:p14="http://schemas.microsoft.com/office/powerpoint/2010/main" xmlns:com="http://schemas.openxmlformats.org/drawingml/2006/compatibility" xmlns:pvml="urn:schemas-microsoft-com:office:powerpoint" xmlns:v="urn:schemas-microsoft-com:vml" xmlns:o="urn:schemas-microsoft-com:office:office" xmlns:dgm="http://schemas.openxmlformats.org/drawingml/2006/diagram" xmlns:c="http://schemas.openxmlformats.org/drawingml/2006/chart" xmlns:mv="urn:schemas-microsoft-com:mac:vml" xmlns:mc="http://schemas.openxmlformats.org/markup-compatibility/2006" xmlns="" r:id="rId44" roundtripDataSignature="AMtx7mh8OeTGBFLtoXmS5M9yIph6qlAIvg=="/>
+      <go:slidesCustomData xmlns="" xmlns:mc="http://schemas.openxmlformats.org/markup-compatibility/2006" xmlns:mv="urn:schemas-microsoft-com:mac:vml" xmlns:c="http://schemas.openxmlformats.org/drawingml/2006/chart" xmlns:dgm="http://schemas.openxmlformats.org/drawingml/2006/diagram" xmlns:o="urn:schemas-microsoft-com:office:office" xmlns:v="urn:schemas-microsoft-com:vml" xmlns:pvml="urn:schemas-microsoft-com:office:powerpoint" xmlns:com="http://schemas.openxmlformats.org/drawingml/2006/compatibility" xmlns:p14="http://schemas.microsoft.com/office/powerpoint/2010/main" xmlns:p15="http://schemas.microsoft.com/office/powerpoint/2012/main" xmlns:ahyp="http://schemas.microsoft.com/office/drawing/2018/hyperlinkcolor" xmlns:go="http://customooxmlschemas.google.com/" r:id="rId44" roundtripDataSignature="AMtx7mh8OeTGBFLtoXmS5M9yIph6qlAIvg=="/>
     </p:ext>
   </p:extLst>
 </p:presentation>
@@ -2113,6 +2115,128 @@
 </p:notes>
 </file>
 
+<file path=ppt/notesSlides/notesSlide5.xml><?xml version="1.0" encoding="utf-8"?>
+<p:notes xmlns:a="http://schemas.openxmlformats.org/drawingml/2006/main" xmlns:r="http://schemas.openxmlformats.org/officeDocument/2006/relationships" xmlns:p="http://schemas.openxmlformats.org/presentationml/2006/main" showMasterSp="0" showMasterPhAnim="0">
+  <p:cSld>
+    <p:spTree>
+      <p:nvGrpSpPr>
+        <p:cNvPr id="1" name="Shape 163"/>
+        <p:cNvGrpSpPr/>
+        <p:nvPr/>
+      </p:nvGrpSpPr>
+      <p:grpSpPr>
+        <a:xfrm>
+          <a:off x="0" y="0"/>
+          <a:ext cx="0" cy="0"/>
+          <a:chOff x="0" y="0"/>
+          <a:chExt cx="0" cy="0"/>
+        </a:xfrm>
+      </p:grpSpPr>
+      <p:sp>
+        <p:nvSpPr>
+          <p:cNvPr id="164" name="Google Shape;164;g2eff4141143_0_0:notes"/>
+          <p:cNvSpPr txBox="1">
+            <a:spLocks noGrp="1"/>
+          </p:cNvSpPr>
+          <p:nvPr>
+            <p:ph type="body" idx="1"/>
+          </p:nvPr>
+        </p:nvSpPr>
+        <p:spPr>
+          <a:xfrm>
+            <a:off x="685800" y="4400550"/>
+            <a:ext cx="5486400" cy="3600600"/>
+          </a:xfrm>
+          <a:prstGeom prst="rect">
+            <a:avLst/>
+          </a:prstGeom>
+          <a:noFill/>
+          <a:ln>
+            <a:noFill/>
+          </a:ln>
+        </p:spPr>
+        <p:txBody>
+          <a:bodyPr spcFirstLastPara="1" wrap="square" lIns="91425" tIns="45700" rIns="91425" bIns="45700" anchor="t" anchorCtr="0">
+            <a:noAutofit/>
+          </a:bodyPr>
+          <a:lstStyle/>
+          <a:p>
+            <a:pPr marL="0" lvl="0" indent="0" algn="l" rtl="0">
+              <a:lnSpc>
+                <a:spcPct val="100000"/>
+              </a:lnSpc>
+              <a:spcBef>
+                <a:spcPts val="0"/>
+              </a:spcBef>
+              <a:spcAft>
+                <a:spcPts val="0"/>
+              </a:spcAft>
+              <a:buSzPts val="1400"/>
+              <a:buNone/>
+            </a:pPr>
+            <a:endParaRPr/>
+          </a:p>
+        </p:txBody>
+      </p:sp>
+      <p:sp>
+        <p:nvSpPr>
+          <p:cNvPr id="165" name="Google Shape;165;g2eff4141143_0_0:notes"/>
+          <p:cNvSpPr>
+            <a:spLocks noGrp="1" noRot="1" noChangeAspect="1"/>
+          </p:cNvSpPr>
+          <p:nvPr>
+            <p:ph type="sldImg" idx="2"/>
+          </p:nvPr>
+        </p:nvSpPr>
+        <p:spPr>
+          <a:xfrm>
+            <a:off x="685800" y="1143000"/>
+            <a:ext cx="5486400" cy="3086100"/>
+          </a:xfrm>
+          <a:custGeom>
+            <a:avLst/>
+            <a:gdLst/>
+            <a:ahLst/>
+            <a:cxnLst/>
+            <a:rect l="l" t="t" r="r" b="b"/>
+            <a:pathLst>
+              <a:path w="120000" h="120000" extrusionOk="0">
+                <a:moveTo>
+                  <a:pt x="0" y="0"/>
+                </a:moveTo>
+                <a:lnTo>
+                  <a:pt x="120000" y="0"/>
+                </a:lnTo>
+                <a:lnTo>
+                  <a:pt x="120000" y="120000"/>
+                </a:lnTo>
+                <a:lnTo>
+                  <a:pt x="0" y="120000"/>
+                </a:lnTo>
+                <a:close/>
+              </a:path>
+            </a:pathLst>
+          </a:custGeom>
+          <a:noFill/>
+          <a:ln w="12700" cap="flat" cmpd="sng">
+            <a:solidFill>
+              <a:srgbClr val="000000"/>
+            </a:solidFill>
+            <a:prstDash val="solid"/>
+            <a:round/>
+            <a:headEnd type="none" w="sm" len="sm"/>
+            <a:tailEnd type="none" w="sm" len="sm"/>
+          </a:ln>
+        </p:spPr>
+      </p:sp>
+    </p:spTree>
+  </p:cSld>
+  <p:clrMapOvr>
+    <a:masterClrMapping/>
+  </p:clrMapOvr>
+</p:notes>
+</file>
+
 <file path=ppt/slideLayouts/slideLayout1.xml><?xml version="1.0" encoding="utf-8"?>
 <p:sldLayout xmlns:a="http://schemas.openxmlformats.org/drawingml/2006/main" xmlns:r="http://schemas.openxmlformats.org/officeDocument/2006/relationships" xmlns:p="http://schemas.openxmlformats.org/presentationml/2006/main" matchingName="Title Slide" type="title">
   <p:cSld name="TITLE">
@@ -3091,1108 +3215,6 @@
 </file>
 
 <file path=ppt/slideLayouts/slideLayout10.xml><?xml version="1.0" encoding="utf-8"?>
-<p:sldLayout xmlns:a="http://schemas.openxmlformats.org/drawingml/2006/main" xmlns:r="http://schemas.openxmlformats.org/officeDocument/2006/relationships" xmlns:p="http://schemas.openxmlformats.org/presentationml/2006/main" matchingName="Vertical Title and Text" type="vertTitleAndTx">
-  <p:cSld name="VERTICAL_TITLE_AND_VERTICAL_TEXT">
-    <p:spTree>
-      <p:nvGrpSpPr>
-        <p:cNvPr id="1" name="Shape 78"/>
-        <p:cNvGrpSpPr/>
-        <p:nvPr/>
-      </p:nvGrpSpPr>
-      <p:grpSpPr>
-        <a:xfrm>
-          <a:off x="0" y="0"/>
-          <a:ext cx="0" cy="0"/>
-          <a:chOff x="0" y="0"/>
-          <a:chExt cx="0" cy="0"/>
-        </a:xfrm>
-      </p:grpSpPr>
-      <p:sp>
-        <p:nvSpPr>
-          <p:cNvPr id="79" name="Google Shape;79;p26"/>
-          <p:cNvSpPr txBox="1">
-            <a:spLocks noGrp="1"/>
-          </p:cNvSpPr>
-          <p:nvPr>
-            <p:ph type="title"/>
-          </p:nvPr>
-        </p:nvSpPr>
-        <p:spPr>
-          <a:xfrm rot="5400000">
-            <a:off x="7133431" y="1956594"/>
-            <a:ext cx="5811838" cy="2628900"/>
-          </a:xfrm>
-          <a:prstGeom prst="rect">
-            <a:avLst/>
-          </a:prstGeom>
-          <a:noFill/>
-          <a:ln>
-            <a:noFill/>
-          </a:ln>
-        </p:spPr>
-        <p:txBody>
-          <a:bodyPr spcFirstLastPara="1" wrap="square" lIns="91425" tIns="45700" rIns="91425" bIns="45700" anchor="ctr" anchorCtr="0">
-            <a:normAutofit/>
-          </a:bodyPr>
-          <a:lstStyle>
-            <a:lvl1pPr lvl="0" algn="l">
-              <a:lnSpc>
-                <a:spcPct val="90000"/>
-              </a:lnSpc>
-              <a:spcBef>
-                <a:spcPts val="0"/>
-              </a:spcBef>
-              <a:spcAft>
-                <a:spcPts val="0"/>
-              </a:spcAft>
-              <a:buClr>
-                <a:schemeClr val="dk1"/>
-              </a:buClr>
-              <a:buSzPts val="1800"/>
-              <a:buNone/>
-              <a:defRPr/>
-            </a:lvl1pPr>
-            <a:lvl2pPr lvl="1" algn="l">
-              <a:lnSpc>
-                <a:spcPct val="100000"/>
-              </a:lnSpc>
-              <a:spcBef>
-                <a:spcPts val="0"/>
-              </a:spcBef>
-              <a:spcAft>
-                <a:spcPts val="0"/>
-              </a:spcAft>
-              <a:buSzPts val="1400"/>
-              <a:buNone/>
-              <a:defRPr/>
-            </a:lvl2pPr>
-            <a:lvl3pPr lvl="2" algn="l">
-              <a:lnSpc>
-                <a:spcPct val="100000"/>
-              </a:lnSpc>
-              <a:spcBef>
-                <a:spcPts val="0"/>
-              </a:spcBef>
-              <a:spcAft>
-                <a:spcPts val="0"/>
-              </a:spcAft>
-              <a:buSzPts val="1400"/>
-              <a:buNone/>
-              <a:defRPr/>
-            </a:lvl3pPr>
-            <a:lvl4pPr lvl="3" algn="l">
-              <a:lnSpc>
-                <a:spcPct val="100000"/>
-              </a:lnSpc>
-              <a:spcBef>
-                <a:spcPts val="0"/>
-              </a:spcBef>
-              <a:spcAft>
-                <a:spcPts val="0"/>
-              </a:spcAft>
-              <a:buSzPts val="1400"/>
-              <a:buNone/>
-              <a:defRPr/>
-            </a:lvl4pPr>
-            <a:lvl5pPr lvl="4" algn="l">
-              <a:lnSpc>
-                <a:spcPct val="100000"/>
-              </a:lnSpc>
-              <a:spcBef>
-                <a:spcPts val="0"/>
-              </a:spcBef>
-              <a:spcAft>
-                <a:spcPts val="0"/>
-              </a:spcAft>
-              <a:buSzPts val="1400"/>
-              <a:buNone/>
-              <a:defRPr/>
-            </a:lvl5pPr>
-            <a:lvl6pPr lvl="5" algn="l">
-              <a:lnSpc>
-                <a:spcPct val="100000"/>
-              </a:lnSpc>
-              <a:spcBef>
-                <a:spcPts val="0"/>
-              </a:spcBef>
-              <a:spcAft>
-                <a:spcPts val="0"/>
-              </a:spcAft>
-              <a:buSzPts val="1400"/>
-              <a:buNone/>
-              <a:defRPr/>
-            </a:lvl6pPr>
-            <a:lvl7pPr lvl="6" algn="l">
-              <a:lnSpc>
-                <a:spcPct val="100000"/>
-              </a:lnSpc>
-              <a:spcBef>
-                <a:spcPts val="0"/>
-              </a:spcBef>
-              <a:spcAft>
-                <a:spcPts val="0"/>
-              </a:spcAft>
-              <a:buSzPts val="1400"/>
-              <a:buNone/>
-              <a:defRPr/>
-            </a:lvl7pPr>
-            <a:lvl8pPr lvl="7" algn="l">
-              <a:lnSpc>
-                <a:spcPct val="100000"/>
-              </a:lnSpc>
-              <a:spcBef>
-                <a:spcPts val="0"/>
-              </a:spcBef>
-              <a:spcAft>
-                <a:spcPts val="0"/>
-              </a:spcAft>
-              <a:buSzPts val="1400"/>
-              <a:buNone/>
-              <a:defRPr/>
-            </a:lvl8pPr>
-            <a:lvl9pPr lvl="8" algn="l">
-              <a:lnSpc>
-                <a:spcPct val="100000"/>
-              </a:lnSpc>
-              <a:spcBef>
-                <a:spcPts val="0"/>
-              </a:spcBef>
-              <a:spcAft>
-                <a:spcPts val="0"/>
-              </a:spcAft>
-              <a:buSzPts val="1400"/>
-              <a:buNone/>
-              <a:defRPr/>
-            </a:lvl9pPr>
-          </a:lstStyle>
-          <a:p>
-            <a:endParaRPr/>
-          </a:p>
-        </p:txBody>
-      </p:sp>
-      <p:sp>
-        <p:nvSpPr>
-          <p:cNvPr id="80" name="Google Shape;80;p26"/>
-          <p:cNvSpPr txBox="1">
-            <a:spLocks noGrp="1"/>
-          </p:cNvSpPr>
-          <p:nvPr>
-            <p:ph type="body" idx="1"/>
-          </p:nvPr>
-        </p:nvSpPr>
-        <p:spPr>
-          <a:xfrm rot="5400000">
-            <a:off x="1799431" y="-596106"/>
-            <a:ext cx="5811838" cy="7734300"/>
-          </a:xfrm>
-          <a:prstGeom prst="rect">
-            <a:avLst/>
-          </a:prstGeom>
-          <a:noFill/>
-          <a:ln>
-            <a:noFill/>
-          </a:ln>
-        </p:spPr>
-        <p:txBody>
-          <a:bodyPr spcFirstLastPara="1" wrap="square" lIns="91425" tIns="45700" rIns="91425" bIns="45700" anchor="t" anchorCtr="0">
-            <a:normAutofit/>
-          </a:bodyPr>
-          <a:lstStyle>
-            <a:lvl1pPr marL="457200" lvl="0" indent="-342900" algn="l">
-              <a:lnSpc>
-                <a:spcPct val="90000"/>
-              </a:lnSpc>
-              <a:spcBef>
-                <a:spcPts val="1000"/>
-              </a:spcBef>
-              <a:spcAft>
-                <a:spcPts val="0"/>
-              </a:spcAft>
-              <a:buClr>
-                <a:schemeClr val="dk1"/>
-              </a:buClr>
-              <a:buSzPts val="1800"/>
-              <a:buChar char="•"/>
-              <a:defRPr/>
-            </a:lvl1pPr>
-            <a:lvl2pPr marL="914400" lvl="1" indent="-342900" algn="l">
-              <a:lnSpc>
-                <a:spcPct val="90000"/>
-              </a:lnSpc>
-              <a:spcBef>
-                <a:spcPts val="500"/>
-              </a:spcBef>
-              <a:spcAft>
-                <a:spcPts val="0"/>
-              </a:spcAft>
-              <a:buClr>
-                <a:schemeClr val="dk1"/>
-              </a:buClr>
-              <a:buSzPts val="1800"/>
-              <a:buChar char="•"/>
-              <a:defRPr/>
-            </a:lvl2pPr>
-            <a:lvl3pPr marL="1371600" lvl="2" indent="-342900" algn="l">
-              <a:lnSpc>
-                <a:spcPct val="90000"/>
-              </a:lnSpc>
-              <a:spcBef>
-                <a:spcPts val="500"/>
-              </a:spcBef>
-              <a:spcAft>
-                <a:spcPts val="0"/>
-              </a:spcAft>
-              <a:buClr>
-                <a:schemeClr val="dk1"/>
-              </a:buClr>
-              <a:buSzPts val="1800"/>
-              <a:buChar char="•"/>
-              <a:defRPr/>
-            </a:lvl3pPr>
-            <a:lvl4pPr marL="1828800" lvl="3" indent="-342900" algn="l">
-              <a:lnSpc>
-                <a:spcPct val="90000"/>
-              </a:lnSpc>
-              <a:spcBef>
-                <a:spcPts val="500"/>
-              </a:spcBef>
-              <a:spcAft>
-                <a:spcPts val="0"/>
-              </a:spcAft>
-              <a:buClr>
-                <a:schemeClr val="dk1"/>
-              </a:buClr>
-              <a:buSzPts val="1800"/>
-              <a:buChar char="•"/>
-              <a:defRPr/>
-            </a:lvl4pPr>
-            <a:lvl5pPr marL="2286000" lvl="4" indent="-342900" algn="l">
-              <a:lnSpc>
-                <a:spcPct val="90000"/>
-              </a:lnSpc>
-              <a:spcBef>
-                <a:spcPts val="500"/>
-              </a:spcBef>
-              <a:spcAft>
-                <a:spcPts val="0"/>
-              </a:spcAft>
-              <a:buClr>
-                <a:schemeClr val="dk1"/>
-              </a:buClr>
-              <a:buSzPts val="1800"/>
-              <a:buChar char="•"/>
-              <a:defRPr/>
-            </a:lvl5pPr>
-            <a:lvl6pPr marL="2743200" lvl="5" indent="-342900" algn="l">
-              <a:lnSpc>
-                <a:spcPct val="90000"/>
-              </a:lnSpc>
-              <a:spcBef>
-                <a:spcPts val="500"/>
-              </a:spcBef>
-              <a:spcAft>
-                <a:spcPts val="0"/>
-              </a:spcAft>
-              <a:buClr>
-                <a:schemeClr val="dk1"/>
-              </a:buClr>
-              <a:buSzPts val="1800"/>
-              <a:buChar char="•"/>
-              <a:defRPr/>
-            </a:lvl6pPr>
-            <a:lvl7pPr marL="3200400" lvl="6" indent="-342900" algn="l">
-              <a:lnSpc>
-                <a:spcPct val="90000"/>
-              </a:lnSpc>
-              <a:spcBef>
-                <a:spcPts val="500"/>
-              </a:spcBef>
-              <a:spcAft>
-                <a:spcPts val="0"/>
-              </a:spcAft>
-              <a:buClr>
-                <a:schemeClr val="dk1"/>
-              </a:buClr>
-              <a:buSzPts val="1800"/>
-              <a:buChar char="•"/>
-              <a:defRPr/>
-            </a:lvl7pPr>
-            <a:lvl8pPr marL="3657600" lvl="7" indent="-342900" algn="l">
-              <a:lnSpc>
-                <a:spcPct val="90000"/>
-              </a:lnSpc>
-              <a:spcBef>
-                <a:spcPts val="500"/>
-              </a:spcBef>
-              <a:spcAft>
-                <a:spcPts val="0"/>
-              </a:spcAft>
-              <a:buClr>
-                <a:schemeClr val="dk1"/>
-              </a:buClr>
-              <a:buSzPts val="1800"/>
-              <a:buChar char="•"/>
-              <a:defRPr/>
-            </a:lvl8pPr>
-            <a:lvl9pPr marL="4114800" lvl="8" indent="-342900" algn="l">
-              <a:lnSpc>
-                <a:spcPct val="90000"/>
-              </a:lnSpc>
-              <a:spcBef>
-                <a:spcPts val="500"/>
-              </a:spcBef>
-              <a:spcAft>
-                <a:spcPts val="0"/>
-              </a:spcAft>
-              <a:buClr>
-                <a:schemeClr val="dk1"/>
-              </a:buClr>
-              <a:buSzPts val="1800"/>
-              <a:buChar char="•"/>
-              <a:defRPr/>
-            </a:lvl9pPr>
-          </a:lstStyle>
-          <a:p>
-            <a:endParaRPr/>
-          </a:p>
-        </p:txBody>
-      </p:sp>
-      <p:sp>
-        <p:nvSpPr>
-          <p:cNvPr id="81" name="Google Shape;81;p26"/>
-          <p:cNvSpPr txBox="1">
-            <a:spLocks noGrp="1"/>
-          </p:cNvSpPr>
-          <p:nvPr>
-            <p:ph type="dt" idx="10"/>
-          </p:nvPr>
-        </p:nvSpPr>
-        <p:spPr>
-          <a:xfrm>
-            <a:off x="838200" y="6356350"/>
-            <a:ext cx="2743200" cy="365125"/>
-          </a:xfrm>
-          <a:prstGeom prst="rect">
-            <a:avLst/>
-          </a:prstGeom>
-          <a:noFill/>
-          <a:ln>
-            <a:noFill/>
-          </a:ln>
-        </p:spPr>
-        <p:txBody>
-          <a:bodyPr spcFirstLastPara="1" wrap="square" lIns="91425" tIns="45700" rIns="91425" bIns="45700" anchor="ctr" anchorCtr="0">
-            <a:noAutofit/>
-          </a:bodyPr>
-          <a:lstStyle>
-            <a:lvl1pPr lvl="0" algn="l">
-              <a:lnSpc>
-                <a:spcPct val="100000"/>
-              </a:lnSpc>
-              <a:spcBef>
-                <a:spcPts val="0"/>
-              </a:spcBef>
-              <a:spcAft>
-                <a:spcPts val="0"/>
-              </a:spcAft>
-              <a:buSzPts val="1400"/>
-              <a:buNone/>
-              <a:defRPr/>
-            </a:lvl1pPr>
-            <a:lvl2pPr lvl="1" algn="l">
-              <a:lnSpc>
-                <a:spcPct val="100000"/>
-              </a:lnSpc>
-              <a:spcBef>
-                <a:spcPts val="0"/>
-              </a:spcBef>
-              <a:spcAft>
-                <a:spcPts val="0"/>
-              </a:spcAft>
-              <a:buSzPts val="1400"/>
-              <a:buNone/>
-              <a:defRPr/>
-            </a:lvl2pPr>
-            <a:lvl3pPr lvl="2" algn="l">
-              <a:lnSpc>
-                <a:spcPct val="100000"/>
-              </a:lnSpc>
-              <a:spcBef>
-                <a:spcPts val="0"/>
-              </a:spcBef>
-              <a:spcAft>
-                <a:spcPts val="0"/>
-              </a:spcAft>
-              <a:buSzPts val="1400"/>
-              <a:buNone/>
-              <a:defRPr/>
-            </a:lvl3pPr>
-            <a:lvl4pPr lvl="3" algn="l">
-              <a:lnSpc>
-                <a:spcPct val="100000"/>
-              </a:lnSpc>
-              <a:spcBef>
-                <a:spcPts val="0"/>
-              </a:spcBef>
-              <a:spcAft>
-                <a:spcPts val="0"/>
-              </a:spcAft>
-              <a:buSzPts val="1400"/>
-              <a:buNone/>
-              <a:defRPr/>
-            </a:lvl4pPr>
-            <a:lvl5pPr lvl="4" algn="l">
-              <a:lnSpc>
-                <a:spcPct val="100000"/>
-              </a:lnSpc>
-              <a:spcBef>
-                <a:spcPts val="0"/>
-              </a:spcBef>
-              <a:spcAft>
-                <a:spcPts val="0"/>
-              </a:spcAft>
-              <a:buSzPts val="1400"/>
-              <a:buNone/>
-              <a:defRPr/>
-            </a:lvl5pPr>
-            <a:lvl6pPr lvl="5" algn="l">
-              <a:lnSpc>
-                <a:spcPct val="100000"/>
-              </a:lnSpc>
-              <a:spcBef>
-                <a:spcPts val="0"/>
-              </a:spcBef>
-              <a:spcAft>
-                <a:spcPts val="0"/>
-              </a:spcAft>
-              <a:buSzPts val="1400"/>
-              <a:buNone/>
-              <a:defRPr/>
-            </a:lvl6pPr>
-            <a:lvl7pPr lvl="6" algn="l">
-              <a:lnSpc>
-                <a:spcPct val="100000"/>
-              </a:lnSpc>
-              <a:spcBef>
-                <a:spcPts val="0"/>
-              </a:spcBef>
-              <a:spcAft>
-                <a:spcPts val="0"/>
-              </a:spcAft>
-              <a:buSzPts val="1400"/>
-              <a:buNone/>
-              <a:defRPr/>
-            </a:lvl7pPr>
-            <a:lvl8pPr lvl="7" algn="l">
-              <a:lnSpc>
-                <a:spcPct val="100000"/>
-              </a:lnSpc>
-              <a:spcBef>
-                <a:spcPts val="0"/>
-              </a:spcBef>
-              <a:spcAft>
-                <a:spcPts val="0"/>
-              </a:spcAft>
-              <a:buSzPts val="1400"/>
-              <a:buNone/>
-              <a:defRPr/>
-            </a:lvl8pPr>
-            <a:lvl9pPr lvl="8" algn="l">
-              <a:lnSpc>
-                <a:spcPct val="100000"/>
-              </a:lnSpc>
-              <a:spcBef>
-                <a:spcPts val="0"/>
-              </a:spcBef>
-              <a:spcAft>
-                <a:spcPts val="0"/>
-              </a:spcAft>
-              <a:buSzPts val="1400"/>
-              <a:buNone/>
-              <a:defRPr/>
-            </a:lvl9pPr>
-          </a:lstStyle>
-          <a:p>
-            <a:endParaRPr/>
-          </a:p>
-        </p:txBody>
-      </p:sp>
-      <p:sp>
-        <p:nvSpPr>
-          <p:cNvPr id="82" name="Google Shape;82;p26"/>
-          <p:cNvSpPr txBox="1">
-            <a:spLocks noGrp="1"/>
-          </p:cNvSpPr>
-          <p:nvPr>
-            <p:ph type="ftr" idx="11"/>
-          </p:nvPr>
-        </p:nvSpPr>
-        <p:spPr>
-          <a:xfrm>
-            <a:off x="4038600" y="6356350"/>
-            <a:ext cx="4114800" cy="365125"/>
-          </a:xfrm>
-          <a:prstGeom prst="rect">
-            <a:avLst/>
-          </a:prstGeom>
-          <a:noFill/>
-          <a:ln>
-            <a:noFill/>
-          </a:ln>
-        </p:spPr>
-        <p:txBody>
-          <a:bodyPr spcFirstLastPara="1" wrap="square" lIns="91425" tIns="45700" rIns="91425" bIns="45700" anchor="ctr" anchorCtr="0">
-            <a:noAutofit/>
-          </a:bodyPr>
-          <a:lstStyle>
-            <a:lvl1pPr lvl="0" algn="ctr">
-              <a:lnSpc>
-                <a:spcPct val="100000"/>
-              </a:lnSpc>
-              <a:spcBef>
-                <a:spcPts val="0"/>
-              </a:spcBef>
-              <a:spcAft>
-                <a:spcPts val="0"/>
-              </a:spcAft>
-              <a:buSzPts val="1400"/>
-              <a:buNone/>
-              <a:defRPr/>
-            </a:lvl1pPr>
-            <a:lvl2pPr lvl="1" algn="l">
-              <a:lnSpc>
-                <a:spcPct val="100000"/>
-              </a:lnSpc>
-              <a:spcBef>
-                <a:spcPts val="0"/>
-              </a:spcBef>
-              <a:spcAft>
-                <a:spcPts val="0"/>
-              </a:spcAft>
-              <a:buSzPts val="1400"/>
-              <a:buNone/>
-              <a:defRPr/>
-            </a:lvl2pPr>
-            <a:lvl3pPr lvl="2" algn="l">
-              <a:lnSpc>
-                <a:spcPct val="100000"/>
-              </a:lnSpc>
-              <a:spcBef>
-                <a:spcPts val="0"/>
-              </a:spcBef>
-              <a:spcAft>
-                <a:spcPts val="0"/>
-              </a:spcAft>
-              <a:buSzPts val="1400"/>
-              <a:buNone/>
-              <a:defRPr/>
-            </a:lvl3pPr>
-            <a:lvl4pPr lvl="3" algn="l">
-              <a:lnSpc>
-                <a:spcPct val="100000"/>
-              </a:lnSpc>
-              <a:spcBef>
-                <a:spcPts val="0"/>
-              </a:spcBef>
-              <a:spcAft>
-                <a:spcPts val="0"/>
-              </a:spcAft>
-              <a:buSzPts val="1400"/>
-              <a:buNone/>
-              <a:defRPr/>
-            </a:lvl4pPr>
-            <a:lvl5pPr lvl="4" algn="l">
-              <a:lnSpc>
-                <a:spcPct val="100000"/>
-              </a:lnSpc>
-              <a:spcBef>
-                <a:spcPts val="0"/>
-              </a:spcBef>
-              <a:spcAft>
-                <a:spcPts val="0"/>
-              </a:spcAft>
-              <a:buSzPts val="1400"/>
-              <a:buNone/>
-              <a:defRPr/>
-            </a:lvl5pPr>
-            <a:lvl6pPr lvl="5" algn="l">
-              <a:lnSpc>
-                <a:spcPct val="100000"/>
-              </a:lnSpc>
-              <a:spcBef>
-                <a:spcPts val="0"/>
-              </a:spcBef>
-              <a:spcAft>
-                <a:spcPts val="0"/>
-              </a:spcAft>
-              <a:buSzPts val="1400"/>
-              <a:buNone/>
-              <a:defRPr/>
-            </a:lvl6pPr>
-            <a:lvl7pPr lvl="6" algn="l">
-              <a:lnSpc>
-                <a:spcPct val="100000"/>
-              </a:lnSpc>
-              <a:spcBef>
-                <a:spcPts val="0"/>
-              </a:spcBef>
-              <a:spcAft>
-                <a:spcPts val="0"/>
-              </a:spcAft>
-              <a:buSzPts val="1400"/>
-              <a:buNone/>
-              <a:defRPr/>
-            </a:lvl7pPr>
-            <a:lvl8pPr lvl="7" algn="l">
-              <a:lnSpc>
-                <a:spcPct val="100000"/>
-              </a:lnSpc>
-              <a:spcBef>
-                <a:spcPts val="0"/>
-              </a:spcBef>
-              <a:spcAft>
-                <a:spcPts val="0"/>
-              </a:spcAft>
-              <a:buSzPts val="1400"/>
-              <a:buNone/>
-              <a:defRPr/>
-            </a:lvl8pPr>
-            <a:lvl9pPr lvl="8" algn="l">
-              <a:lnSpc>
-                <a:spcPct val="100000"/>
-              </a:lnSpc>
-              <a:spcBef>
-                <a:spcPts val="0"/>
-              </a:spcBef>
-              <a:spcAft>
-                <a:spcPts val="0"/>
-              </a:spcAft>
-              <a:buSzPts val="1400"/>
-              <a:buNone/>
-              <a:defRPr/>
-            </a:lvl9pPr>
-          </a:lstStyle>
-          <a:p>
-            <a:endParaRPr/>
-          </a:p>
-        </p:txBody>
-      </p:sp>
-      <p:sp>
-        <p:nvSpPr>
-          <p:cNvPr id="83" name="Google Shape;83;p26"/>
-          <p:cNvSpPr txBox="1">
-            <a:spLocks noGrp="1"/>
-          </p:cNvSpPr>
-          <p:nvPr>
-            <p:ph type="sldNum" idx="12"/>
-          </p:nvPr>
-        </p:nvSpPr>
-        <p:spPr>
-          <a:xfrm>
-            <a:off x="8610600" y="6356350"/>
-            <a:ext cx="2743200" cy="365125"/>
-          </a:xfrm>
-          <a:prstGeom prst="rect">
-            <a:avLst/>
-          </a:prstGeom>
-          <a:noFill/>
-          <a:ln>
-            <a:noFill/>
-          </a:ln>
-        </p:spPr>
-        <p:txBody>
-          <a:bodyPr spcFirstLastPara="1" wrap="square" lIns="91425" tIns="45700" rIns="91425" bIns="45700" anchor="ctr" anchorCtr="0">
-            <a:noAutofit/>
-          </a:bodyPr>
-          <a:lstStyle>
-            <a:lvl1pPr marL="0" marR="0" lvl="0" indent="0" algn="r">
-              <a:lnSpc>
-                <a:spcPct val="100000"/>
-              </a:lnSpc>
-              <a:spcBef>
-                <a:spcPts val="0"/>
-              </a:spcBef>
-              <a:spcAft>
-                <a:spcPts val="0"/>
-              </a:spcAft>
-              <a:buClr>
-                <a:srgbClr val="000000"/>
-              </a:buClr>
-              <a:buSzPts val="1200"/>
-              <a:buFont typeface="Arial"/>
-              <a:buNone/>
-              <a:defRPr sz="1200" b="0" i="0" u="none" strike="noStrike" cap="none">
-                <a:solidFill>
-                  <a:srgbClr val="888888"/>
-                </a:solidFill>
-                <a:latin typeface="Calibri"/>
-                <a:ea typeface="Calibri"/>
-                <a:cs typeface="Calibri"/>
-                <a:sym typeface="Calibri"/>
-              </a:defRPr>
-            </a:lvl1pPr>
-            <a:lvl2pPr marL="0" marR="0" lvl="1" indent="0" algn="r">
-              <a:lnSpc>
-                <a:spcPct val="100000"/>
-              </a:lnSpc>
-              <a:spcBef>
-                <a:spcPts val="0"/>
-              </a:spcBef>
-              <a:spcAft>
-                <a:spcPts val="0"/>
-              </a:spcAft>
-              <a:buClr>
-                <a:srgbClr val="000000"/>
-              </a:buClr>
-              <a:buSzPts val="1200"/>
-              <a:buFont typeface="Arial"/>
-              <a:buNone/>
-              <a:defRPr sz="1200" b="0" i="0" u="none" strike="noStrike" cap="none">
-                <a:solidFill>
-                  <a:srgbClr val="888888"/>
-                </a:solidFill>
-                <a:latin typeface="Calibri"/>
-                <a:ea typeface="Calibri"/>
-                <a:cs typeface="Calibri"/>
-                <a:sym typeface="Calibri"/>
-              </a:defRPr>
-            </a:lvl2pPr>
-            <a:lvl3pPr marL="0" marR="0" lvl="2" indent="0" algn="r">
-              <a:lnSpc>
-                <a:spcPct val="100000"/>
-              </a:lnSpc>
-              <a:spcBef>
-                <a:spcPts val="0"/>
-              </a:spcBef>
-              <a:spcAft>
-                <a:spcPts val="0"/>
-              </a:spcAft>
-              <a:buClr>
-                <a:srgbClr val="000000"/>
-              </a:buClr>
-              <a:buSzPts val="1200"/>
-              <a:buFont typeface="Arial"/>
-              <a:buNone/>
-              <a:defRPr sz="1200" b="0" i="0" u="none" strike="noStrike" cap="none">
-                <a:solidFill>
-                  <a:srgbClr val="888888"/>
-                </a:solidFill>
-                <a:latin typeface="Calibri"/>
-                <a:ea typeface="Calibri"/>
-                <a:cs typeface="Calibri"/>
-                <a:sym typeface="Calibri"/>
-              </a:defRPr>
-            </a:lvl3pPr>
-            <a:lvl4pPr marL="0" marR="0" lvl="3" indent="0" algn="r">
-              <a:lnSpc>
-                <a:spcPct val="100000"/>
-              </a:lnSpc>
-              <a:spcBef>
-                <a:spcPts val="0"/>
-              </a:spcBef>
-              <a:spcAft>
-                <a:spcPts val="0"/>
-              </a:spcAft>
-              <a:buClr>
-                <a:srgbClr val="000000"/>
-              </a:buClr>
-              <a:buSzPts val="1200"/>
-              <a:buFont typeface="Arial"/>
-              <a:buNone/>
-              <a:defRPr sz="1200" b="0" i="0" u="none" strike="noStrike" cap="none">
-                <a:solidFill>
-                  <a:srgbClr val="888888"/>
-                </a:solidFill>
-                <a:latin typeface="Calibri"/>
-                <a:ea typeface="Calibri"/>
-                <a:cs typeface="Calibri"/>
-                <a:sym typeface="Calibri"/>
-              </a:defRPr>
-            </a:lvl4pPr>
-            <a:lvl5pPr marL="0" marR="0" lvl="4" indent="0" algn="r">
-              <a:lnSpc>
-                <a:spcPct val="100000"/>
-              </a:lnSpc>
-              <a:spcBef>
-                <a:spcPts val="0"/>
-              </a:spcBef>
-              <a:spcAft>
-                <a:spcPts val="0"/>
-              </a:spcAft>
-              <a:buClr>
-                <a:srgbClr val="000000"/>
-              </a:buClr>
-              <a:buSzPts val="1200"/>
-              <a:buFont typeface="Arial"/>
-              <a:buNone/>
-              <a:defRPr sz="1200" b="0" i="0" u="none" strike="noStrike" cap="none">
-                <a:solidFill>
-                  <a:srgbClr val="888888"/>
-                </a:solidFill>
-                <a:latin typeface="Calibri"/>
-                <a:ea typeface="Calibri"/>
-                <a:cs typeface="Calibri"/>
-                <a:sym typeface="Calibri"/>
-              </a:defRPr>
-            </a:lvl5pPr>
-            <a:lvl6pPr marL="0" marR="0" lvl="5" indent="0" algn="r">
-              <a:lnSpc>
-                <a:spcPct val="100000"/>
-              </a:lnSpc>
-              <a:spcBef>
-                <a:spcPts val="0"/>
-              </a:spcBef>
-              <a:spcAft>
-                <a:spcPts val="0"/>
-              </a:spcAft>
-              <a:buClr>
-                <a:srgbClr val="000000"/>
-              </a:buClr>
-              <a:buSzPts val="1200"/>
-              <a:buFont typeface="Arial"/>
-              <a:buNone/>
-              <a:defRPr sz="1200" b="0" i="0" u="none" strike="noStrike" cap="none">
-                <a:solidFill>
-                  <a:srgbClr val="888888"/>
-                </a:solidFill>
-                <a:latin typeface="Calibri"/>
-                <a:ea typeface="Calibri"/>
-                <a:cs typeface="Calibri"/>
-                <a:sym typeface="Calibri"/>
-              </a:defRPr>
-            </a:lvl6pPr>
-            <a:lvl7pPr marL="0" marR="0" lvl="6" indent="0" algn="r">
-              <a:lnSpc>
-                <a:spcPct val="100000"/>
-              </a:lnSpc>
-              <a:spcBef>
-                <a:spcPts val="0"/>
-              </a:spcBef>
-              <a:spcAft>
-                <a:spcPts val="0"/>
-              </a:spcAft>
-              <a:buClr>
-                <a:srgbClr val="000000"/>
-              </a:buClr>
-              <a:buSzPts val="1200"/>
-              <a:buFont typeface="Arial"/>
-              <a:buNone/>
-              <a:defRPr sz="1200" b="0" i="0" u="none" strike="noStrike" cap="none">
-                <a:solidFill>
-                  <a:srgbClr val="888888"/>
-                </a:solidFill>
-                <a:latin typeface="Calibri"/>
-                <a:ea typeface="Calibri"/>
-                <a:cs typeface="Calibri"/>
-                <a:sym typeface="Calibri"/>
-              </a:defRPr>
-            </a:lvl7pPr>
-            <a:lvl8pPr marL="0" marR="0" lvl="7" indent="0" algn="r">
-              <a:lnSpc>
-                <a:spcPct val="100000"/>
-              </a:lnSpc>
-              <a:spcBef>
-                <a:spcPts val="0"/>
-              </a:spcBef>
-              <a:spcAft>
-                <a:spcPts val="0"/>
-              </a:spcAft>
-              <a:buClr>
-                <a:srgbClr val="000000"/>
-              </a:buClr>
-              <a:buSzPts val="1200"/>
-              <a:buFont typeface="Arial"/>
-              <a:buNone/>
-              <a:defRPr sz="1200" b="0" i="0" u="none" strike="noStrike" cap="none">
-                <a:solidFill>
-                  <a:srgbClr val="888888"/>
-                </a:solidFill>
-                <a:latin typeface="Calibri"/>
-                <a:ea typeface="Calibri"/>
-                <a:cs typeface="Calibri"/>
-                <a:sym typeface="Calibri"/>
-              </a:defRPr>
-            </a:lvl8pPr>
-            <a:lvl9pPr marL="0" marR="0" lvl="8" indent="0" algn="r">
-              <a:lnSpc>
-                <a:spcPct val="100000"/>
-              </a:lnSpc>
-              <a:spcBef>
-                <a:spcPts val="0"/>
-              </a:spcBef>
-              <a:spcAft>
-                <a:spcPts val="0"/>
-              </a:spcAft>
-              <a:buClr>
-                <a:srgbClr val="000000"/>
-              </a:buClr>
-              <a:buSzPts val="1200"/>
-              <a:buFont typeface="Arial"/>
-              <a:buNone/>
-              <a:defRPr sz="1200" b="0" i="0" u="none" strike="noStrike" cap="none">
-                <a:solidFill>
-                  <a:srgbClr val="888888"/>
-                </a:solidFill>
-                <a:latin typeface="Calibri"/>
-                <a:ea typeface="Calibri"/>
-                <a:cs typeface="Calibri"/>
-                <a:sym typeface="Calibri"/>
-              </a:defRPr>
-            </a:lvl9pPr>
-          </a:lstStyle>
-          <a:p>
-            <a:pPr marL="0" lvl="0" indent="0" algn="r" rtl="0">
-              <a:spcBef>
-                <a:spcPts val="0"/>
-              </a:spcBef>
-              <a:spcAft>
-                <a:spcPts val="0"/>
-              </a:spcAft>
-              <a:buNone/>
-            </a:pPr>
-            <a:fld id="{00000000-1234-1234-1234-123412341234}" type="slidenum">
-              <a:rPr lang="en-ZA"/>
-              <a:t>‹#›</a:t>
-            </a:fld>
-            <a:endParaRPr/>
-          </a:p>
-        </p:txBody>
-      </p:sp>
-    </p:spTree>
-  </p:cSld>
-  <p:clrMapOvr>
-    <a:masterClrMapping/>
-  </p:clrMapOvr>
-</p:sldLayout>
-</file>
-
-<file path=ppt/slideLayouts/slideLayout11.xml><?xml version="1.0" encoding="utf-8"?>
-<p:sldLayout xmlns:a="http://schemas.openxmlformats.org/drawingml/2006/main" xmlns:r="http://schemas.openxmlformats.org/officeDocument/2006/relationships" xmlns:p="http://schemas.openxmlformats.org/presentationml/2006/main" userDrawn="1">
-  <p:cSld name="11_Title and Content">
-    <p:spTree>
-      <p:nvGrpSpPr>
-        <p:cNvPr id="1" name=""/>
-        <p:cNvGrpSpPr/>
-        <p:nvPr/>
-      </p:nvGrpSpPr>
-      <p:grpSpPr>
-        <a:xfrm>
-          <a:off x="0" y="0"/>
-          <a:ext cx="0" cy="0"/>
-          <a:chOff x="0" y="0"/>
-          <a:chExt cx="0" cy="0"/>
-        </a:xfrm>
-      </p:grpSpPr>
-      <p:pic>
-        <p:nvPicPr>
-          <p:cNvPr id="6" name="Picture 5">
-            <a:extLst>
-              <a:ext uri="{FF2B5EF4-FFF2-40B4-BE49-F238E27FC236}">
-                <a16:creationId xmlns:a16="http://schemas.microsoft.com/office/drawing/2014/main" id="{4CA23188-0269-2A48-93A7-B93FE12312FA}"/>
-              </a:ext>
-            </a:extLst>
-          </p:cNvPr>
-          <p:cNvPicPr>
-            <a:picLocks noChangeAspect="1"/>
-          </p:cNvPicPr>
-          <p:nvPr userDrawn="1"/>
-        </p:nvPicPr>
-        <p:blipFill>
-          <a:blip r:embed="rId2"/>
-          <a:srcRect/>
-          <a:stretch/>
-        </p:blipFill>
-        <p:spPr>
-          <a:xfrm>
-            <a:off x="-2" y="2358"/>
-            <a:ext cx="12199715" cy="6862340"/>
-          </a:xfrm>
-          <a:prstGeom prst="rect">
-            <a:avLst/>
-          </a:prstGeom>
-        </p:spPr>
-      </p:pic>
-      <p:sp>
-        <p:nvSpPr>
-          <p:cNvPr id="4" name="Title 1">
-            <a:extLst>
-              <a:ext uri="{FF2B5EF4-FFF2-40B4-BE49-F238E27FC236}">
-                <a16:creationId xmlns:a16="http://schemas.microsoft.com/office/drawing/2014/main" id="{16D7ABEF-CFB2-654D-D06B-7D9FC22C0E1D}"/>
-              </a:ext>
-            </a:extLst>
-          </p:cNvPr>
-          <p:cNvSpPr>
-            <a:spLocks noGrp="1"/>
-          </p:cNvSpPr>
-          <p:nvPr>
-            <p:ph type="ctrTitle"/>
-          </p:nvPr>
-        </p:nvSpPr>
-        <p:spPr>
-          <a:xfrm>
-            <a:off x="425695" y="4695434"/>
-            <a:ext cx="10363200" cy="540047"/>
-          </a:xfrm>
-        </p:spPr>
-        <p:txBody>
-          <a:bodyPr>
-            <a:normAutofit/>
-          </a:bodyPr>
-          <a:lstStyle>
-            <a:lvl1pPr algn="l">
-              <a:defRPr sz="4267" b="1" i="0">
-                <a:solidFill>
-                  <a:schemeClr val="bg1"/>
-                </a:solidFill>
-                <a:latin typeface="Century Gothic"/>
-                <a:cs typeface="Century Gothic"/>
-              </a:defRPr>
-            </a:lvl1pPr>
-          </a:lstStyle>
-          <a:p>
-            <a:r>
-              <a:rPr lang="x-none" dirty="0"/>
-              <a:t>Click to edit Master title style</a:t>
-            </a:r>
-            <a:endParaRPr lang="en-US" dirty="0"/>
-          </a:p>
-        </p:txBody>
-      </p:sp>
-    </p:spTree>
-    <p:extLst>
-      <p:ext uri="{BB962C8B-B14F-4D97-AF65-F5344CB8AC3E}">
-        <p14:creationId xmlns:p14="http://schemas.microsoft.com/office/powerpoint/2010/main" val="2525453382"/>
-      </p:ext>
-    </p:extLst>
-  </p:cSld>
-  <p:clrMapOvr>
-    <a:masterClrMapping/>
-  </p:clrMapOvr>
-  <p:extLst>
-    <p:ext uri="{DCECCB84-F9BA-43D5-87BE-67443E8EF086}">
-      <p15:sldGuideLst xmlns:p15="http://schemas.microsoft.com/office/powerpoint/2012/main">
-        <p15:guide id="1" orient="horz" pos="1620">
-          <p15:clr>
-            <a:srgbClr val="FBAE40"/>
-          </p15:clr>
-        </p15:guide>
-        <p15:guide id="2" pos="2880">
-          <p15:clr>
-            <a:srgbClr val="FBAE40"/>
-          </p15:clr>
-        </p15:guide>
-        <p15:guide id="3" orient="horz">
-          <p15:clr>
-            <a:srgbClr val="FBAE40"/>
-          </p15:clr>
-        </p15:guide>
-      </p15:sldGuideLst>
-    </p:ext>
-  </p:extLst>
-</p:sldLayout>
-</file>
-
-<file path=ppt/slideLayouts/slideLayout12.xml><?xml version="1.0" encoding="utf-8"?>
 <p:sldLayout xmlns:a="http://schemas.openxmlformats.org/drawingml/2006/main" xmlns:r="http://schemas.openxmlformats.org/officeDocument/2006/relationships" xmlns:p="http://schemas.openxmlformats.org/presentationml/2006/main" matchingName="4_Title and Content" type="obj">
   <p:cSld name="OBJECT">
     <p:spTree>
@@ -4799,7 +3821,7 @@
 </p:sldLayout>
 </file>
 
-<file path=ppt/slideLayouts/slideLayout13.xml><?xml version="1.0" encoding="utf-8"?>
+<file path=ppt/slideLayouts/slideLayout11.xml><?xml version="1.0" encoding="utf-8"?>
 <p:sldLayout xmlns:a="http://schemas.openxmlformats.org/drawingml/2006/main" xmlns:r="http://schemas.openxmlformats.org/officeDocument/2006/relationships" xmlns:p="http://schemas.openxmlformats.org/presentationml/2006/main" matchingName="Title and Content">
   <p:cSld name="Title and Content">
     <p:spTree>
@@ -5558,7 +4580,7 @@
 </p:sldLayout>
 </file>
 
-<file path=ppt/slideLayouts/slideLayout14.xml><?xml version="1.0" encoding="utf-8"?>
+<file path=ppt/slideLayouts/slideLayout12.xml><?xml version="1.0" encoding="utf-8"?>
 <p:sldLayout xmlns:a="http://schemas.openxmlformats.org/drawingml/2006/main" xmlns:r="http://schemas.openxmlformats.org/officeDocument/2006/relationships" xmlns:p="http://schemas.openxmlformats.org/presentationml/2006/main" matchingName="4_Title Slide" type="title">
   <p:cSld name="TITLE">
     <p:spTree>
@@ -6021,7 +5043,7 @@
 </p:sldLayout>
 </file>
 
-<file path=ppt/slideLayouts/slideLayout15.xml><?xml version="1.0" encoding="utf-8"?>
+<file path=ppt/slideLayouts/slideLayout13.xml><?xml version="1.0" encoding="utf-8"?>
 <p:sldLayout xmlns:a="http://schemas.openxmlformats.org/drawingml/2006/main" xmlns:r="http://schemas.openxmlformats.org/officeDocument/2006/relationships" xmlns:p="http://schemas.openxmlformats.org/presentationml/2006/main" userDrawn="1">
   <p:cSld name="1_Title and Content">
     <p:spTree>
@@ -6203,7 +5225,7 @@
 </p:sldLayout>
 </file>
 
-<file path=ppt/slideLayouts/slideLayout16.xml><?xml version="1.0" encoding="utf-8"?>
+<file path=ppt/slideLayouts/slideLayout14.xml><?xml version="1.0" encoding="utf-8"?>
 <p:sldLayout xmlns:a="http://schemas.openxmlformats.org/drawingml/2006/main" xmlns:r="http://schemas.openxmlformats.org/officeDocument/2006/relationships" xmlns:p="http://schemas.openxmlformats.org/presentationml/2006/main" userDrawn="1">
   <p:cSld name="5_Custom Layout">
     <p:spTree>
@@ -7369,2706 +6391,6 @@
 </file>
 
 <file path=ppt/slideLayouts/slideLayout3.xml><?xml version="1.0" encoding="utf-8"?>
-<p:sldLayout xmlns:a="http://schemas.openxmlformats.org/drawingml/2006/main" xmlns:r="http://schemas.openxmlformats.org/officeDocument/2006/relationships" xmlns:p="http://schemas.openxmlformats.org/presentationml/2006/main" matchingName="Two Content" type="twoObj">
-  <p:cSld name="TWO_OBJECTS">
-    <p:spTree>
-      <p:nvGrpSpPr>
-        <p:cNvPr id="1" name="Shape 33"/>
-        <p:cNvGrpSpPr/>
-        <p:nvPr/>
-      </p:nvGrpSpPr>
-      <p:grpSpPr>
-        <a:xfrm>
-          <a:off x="0" y="0"/>
-          <a:ext cx="0" cy="0"/>
-          <a:chOff x="0" y="0"/>
-          <a:chExt cx="0" cy="0"/>
-        </a:xfrm>
-      </p:grpSpPr>
-      <p:sp>
-        <p:nvSpPr>
-          <p:cNvPr id="34" name="Google Shape;34;p19"/>
-          <p:cNvSpPr txBox="1">
-            <a:spLocks noGrp="1"/>
-          </p:cNvSpPr>
-          <p:nvPr>
-            <p:ph type="title"/>
-          </p:nvPr>
-        </p:nvSpPr>
-        <p:spPr>
-          <a:xfrm>
-            <a:off x="838200" y="365125"/>
-            <a:ext cx="10515600" cy="1325563"/>
-          </a:xfrm>
-          <a:prstGeom prst="rect">
-            <a:avLst/>
-          </a:prstGeom>
-          <a:noFill/>
-          <a:ln>
-            <a:noFill/>
-          </a:ln>
-        </p:spPr>
-        <p:txBody>
-          <a:bodyPr spcFirstLastPara="1" wrap="square" lIns="91425" tIns="45700" rIns="91425" bIns="45700" anchor="ctr" anchorCtr="0">
-            <a:normAutofit/>
-          </a:bodyPr>
-          <a:lstStyle>
-            <a:lvl1pPr lvl="0" algn="l">
-              <a:lnSpc>
-                <a:spcPct val="90000"/>
-              </a:lnSpc>
-              <a:spcBef>
-                <a:spcPts val="0"/>
-              </a:spcBef>
-              <a:spcAft>
-                <a:spcPts val="0"/>
-              </a:spcAft>
-              <a:buClr>
-                <a:schemeClr val="dk1"/>
-              </a:buClr>
-              <a:buSzPts val="1800"/>
-              <a:buNone/>
-              <a:defRPr/>
-            </a:lvl1pPr>
-            <a:lvl2pPr lvl="1" algn="l">
-              <a:lnSpc>
-                <a:spcPct val="100000"/>
-              </a:lnSpc>
-              <a:spcBef>
-                <a:spcPts val="0"/>
-              </a:spcBef>
-              <a:spcAft>
-                <a:spcPts val="0"/>
-              </a:spcAft>
-              <a:buSzPts val="1400"/>
-              <a:buNone/>
-              <a:defRPr/>
-            </a:lvl2pPr>
-            <a:lvl3pPr lvl="2" algn="l">
-              <a:lnSpc>
-                <a:spcPct val="100000"/>
-              </a:lnSpc>
-              <a:spcBef>
-                <a:spcPts val="0"/>
-              </a:spcBef>
-              <a:spcAft>
-                <a:spcPts val="0"/>
-              </a:spcAft>
-              <a:buSzPts val="1400"/>
-              <a:buNone/>
-              <a:defRPr/>
-            </a:lvl3pPr>
-            <a:lvl4pPr lvl="3" algn="l">
-              <a:lnSpc>
-                <a:spcPct val="100000"/>
-              </a:lnSpc>
-              <a:spcBef>
-                <a:spcPts val="0"/>
-              </a:spcBef>
-              <a:spcAft>
-                <a:spcPts val="0"/>
-              </a:spcAft>
-              <a:buSzPts val="1400"/>
-              <a:buNone/>
-              <a:defRPr/>
-            </a:lvl4pPr>
-            <a:lvl5pPr lvl="4" algn="l">
-              <a:lnSpc>
-                <a:spcPct val="100000"/>
-              </a:lnSpc>
-              <a:spcBef>
-                <a:spcPts val="0"/>
-              </a:spcBef>
-              <a:spcAft>
-                <a:spcPts val="0"/>
-              </a:spcAft>
-              <a:buSzPts val="1400"/>
-              <a:buNone/>
-              <a:defRPr/>
-            </a:lvl5pPr>
-            <a:lvl6pPr lvl="5" algn="l">
-              <a:lnSpc>
-                <a:spcPct val="100000"/>
-              </a:lnSpc>
-              <a:spcBef>
-                <a:spcPts val="0"/>
-              </a:spcBef>
-              <a:spcAft>
-                <a:spcPts val="0"/>
-              </a:spcAft>
-              <a:buSzPts val="1400"/>
-              <a:buNone/>
-              <a:defRPr/>
-            </a:lvl6pPr>
-            <a:lvl7pPr lvl="6" algn="l">
-              <a:lnSpc>
-                <a:spcPct val="100000"/>
-              </a:lnSpc>
-              <a:spcBef>
-                <a:spcPts val="0"/>
-              </a:spcBef>
-              <a:spcAft>
-                <a:spcPts val="0"/>
-              </a:spcAft>
-              <a:buSzPts val="1400"/>
-              <a:buNone/>
-              <a:defRPr/>
-            </a:lvl7pPr>
-            <a:lvl8pPr lvl="7" algn="l">
-              <a:lnSpc>
-                <a:spcPct val="100000"/>
-              </a:lnSpc>
-              <a:spcBef>
-                <a:spcPts val="0"/>
-              </a:spcBef>
-              <a:spcAft>
-                <a:spcPts val="0"/>
-              </a:spcAft>
-              <a:buSzPts val="1400"/>
-              <a:buNone/>
-              <a:defRPr/>
-            </a:lvl8pPr>
-            <a:lvl9pPr lvl="8" algn="l">
-              <a:lnSpc>
-                <a:spcPct val="100000"/>
-              </a:lnSpc>
-              <a:spcBef>
-                <a:spcPts val="0"/>
-              </a:spcBef>
-              <a:spcAft>
-                <a:spcPts val="0"/>
-              </a:spcAft>
-              <a:buSzPts val="1400"/>
-              <a:buNone/>
-              <a:defRPr/>
-            </a:lvl9pPr>
-          </a:lstStyle>
-          <a:p>
-            <a:endParaRPr/>
-          </a:p>
-        </p:txBody>
-      </p:sp>
-      <p:sp>
-        <p:nvSpPr>
-          <p:cNvPr id="35" name="Google Shape;35;p19"/>
-          <p:cNvSpPr txBox="1">
-            <a:spLocks noGrp="1"/>
-          </p:cNvSpPr>
-          <p:nvPr>
-            <p:ph type="body" idx="1"/>
-          </p:nvPr>
-        </p:nvSpPr>
-        <p:spPr>
-          <a:xfrm>
-            <a:off x="838200" y="1825625"/>
-            <a:ext cx="5181600" cy="4351338"/>
-          </a:xfrm>
-          <a:prstGeom prst="rect">
-            <a:avLst/>
-          </a:prstGeom>
-          <a:noFill/>
-          <a:ln>
-            <a:noFill/>
-          </a:ln>
-        </p:spPr>
-        <p:txBody>
-          <a:bodyPr spcFirstLastPara="1" wrap="square" lIns="91425" tIns="45700" rIns="91425" bIns="45700" anchor="t" anchorCtr="0">
-            <a:normAutofit/>
-          </a:bodyPr>
-          <a:lstStyle>
-            <a:lvl1pPr marL="457200" lvl="0" indent="-342900" algn="l">
-              <a:lnSpc>
-                <a:spcPct val="90000"/>
-              </a:lnSpc>
-              <a:spcBef>
-                <a:spcPts val="1000"/>
-              </a:spcBef>
-              <a:spcAft>
-                <a:spcPts val="0"/>
-              </a:spcAft>
-              <a:buClr>
-                <a:schemeClr val="dk1"/>
-              </a:buClr>
-              <a:buSzPts val="1800"/>
-              <a:buChar char="•"/>
-              <a:defRPr/>
-            </a:lvl1pPr>
-            <a:lvl2pPr marL="914400" lvl="1" indent="-342900" algn="l">
-              <a:lnSpc>
-                <a:spcPct val="90000"/>
-              </a:lnSpc>
-              <a:spcBef>
-                <a:spcPts val="500"/>
-              </a:spcBef>
-              <a:spcAft>
-                <a:spcPts val="0"/>
-              </a:spcAft>
-              <a:buClr>
-                <a:schemeClr val="dk1"/>
-              </a:buClr>
-              <a:buSzPts val="1800"/>
-              <a:buChar char="•"/>
-              <a:defRPr/>
-            </a:lvl2pPr>
-            <a:lvl3pPr marL="1371600" lvl="2" indent="-342900" algn="l">
-              <a:lnSpc>
-                <a:spcPct val="90000"/>
-              </a:lnSpc>
-              <a:spcBef>
-                <a:spcPts val="500"/>
-              </a:spcBef>
-              <a:spcAft>
-                <a:spcPts val="0"/>
-              </a:spcAft>
-              <a:buClr>
-                <a:schemeClr val="dk1"/>
-              </a:buClr>
-              <a:buSzPts val="1800"/>
-              <a:buChar char="•"/>
-              <a:defRPr/>
-            </a:lvl3pPr>
-            <a:lvl4pPr marL="1828800" lvl="3" indent="-342900" algn="l">
-              <a:lnSpc>
-                <a:spcPct val="90000"/>
-              </a:lnSpc>
-              <a:spcBef>
-                <a:spcPts val="500"/>
-              </a:spcBef>
-              <a:spcAft>
-                <a:spcPts val="0"/>
-              </a:spcAft>
-              <a:buClr>
-                <a:schemeClr val="dk1"/>
-              </a:buClr>
-              <a:buSzPts val="1800"/>
-              <a:buChar char="•"/>
-              <a:defRPr/>
-            </a:lvl4pPr>
-            <a:lvl5pPr marL="2286000" lvl="4" indent="-342900" algn="l">
-              <a:lnSpc>
-                <a:spcPct val="90000"/>
-              </a:lnSpc>
-              <a:spcBef>
-                <a:spcPts val="500"/>
-              </a:spcBef>
-              <a:spcAft>
-                <a:spcPts val="0"/>
-              </a:spcAft>
-              <a:buClr>
-                <a:schemeClr val="dk1"/>
-              </a:buClr>
-              <a:buSzPts val="1800"/>
-              <a:buChar char="•"/>
-              <a:defRPr/>
-            </a:lvl5pPr>
-            <a:lvl6pPr marL="2743200" lvl="5" indent="-342900" algn="l">
-              <a:lnSpc>
-                <a:spcPct val="90000"/>
-              </a:lnSpc>
-              <a:spcBef>
-                <a:spcPts val="500"/>
-              </a:spcBef>
-              <a:spcAft>
-                <a:spcPts val="0"/>
-              </a:spcAft>
-              <a:buClr>
-                <a:schemeClr val="dk1"/>
-              </a:buClr>
-              <a:buSzPts val="1800"/>
-              <a:buChar char="•"/>
-              <a:defRPr/>
-            </a:lvl6pPr>
-            <a:lvl7pPr marL="3200400" lvl="6" indent="-342900" algn="l">
-              <a:lnSpc>
-                <a:spcPct val="90000"/>
-              </a:lnSpc>
-              <a:spcBef>
-                <a:spcPts val="500"/>
-              </a:spcBef>
-              <a:spcAft>
-                <a:spcPts val="0"/>
-              </a:spcAft>
-              <a:buClr>
-                <a:schemeClr val="dk1"/>
-              </a:buClr>
-              <a:buSzPts val="1800"/>
-              <a:buChar char="•"/>
-              <a:defRPr/>
-            </a:lvl7pPr>
-            <a:lvl8pPr marL="3657600" lvl="7" indent="-342900" algn="l">
-              <a:lnSpc>
-                <a:spcPct val="90000"/>
-              </a:lnSpc>
-              <a:spcBef>
-                <a:spcPts val="500"/>
-              </a:spcBef>
-              <a:spcAft>
-                <a:spcPts val="0"/>
-              </a:spcAft>
-              <a:buClr>
-                <a:schemeClr val="dk1"/>
-              </a:buClr>
-              <a:buSzPts val="1800"/>
-              <a:buChar char="•"/>
-              <a:defRPr/>
-            </a:lvl8pPr>
-            <a:lvl9pPr marL="4114800" lvl="8" indent="-342900" algn="l">
-              <a:lnSpc>
-                <a:spcPct val="90000"/>
-              </a:lnSpc>
-              <a:spcBef>
-                <a:spcPts val="500"/>
-              </a:spcBef>
-              <a:spcAft>
-                <a:spcPts val="0"/>
-              </a:spcAft>
-              <a:buClr>
-                <a:schemeClr val="dk1"/>
-              </a:buClr>
-              <a:buSzPts val="1800"/>
-              <a:buChar char="•"/>
-              <a:defRPr/>
-            </a:lvl9pPr>
-          </a:lstStyle>
-          <a:p>
-            <a:endParaRPr/>
-          </a:p>
-        </p:txBody>
-      </p:sp>
-      <p:sp>
-        <p:nvSpPr>
-          <p:cNvPr id="36" name="Google Shape;36;p19"/>
-          <p:cNvSpPr txBox="1">
-            <a:spLocks noGrp="1"/>
-          </p:cNvSpPr>
-          <p:nvPr>
-            <p:ph type="body" idx="2"/>
-          </p:nvPr>
-        </p:nvSpPr>
-        <p:spPr>
-          <a:xfrm>
-            <a:off x="6172200" y="1825625"/>
-            <a:ext cx="5181600" cy="4351338"/>
-          </a:xfrm>
-          <a:prstGeom prst="rect">
-            <a:avLst/>
-          </a:prstGeom>
-          <a:noFill/>
-          <a:ln>
-            <a:noFill/>
-          </a:ln>
-        </p:spPr>
-        <p:txBody>
-          <a:bodyPr spcFirstLastPara="1" wrap="square" lIns="91425" tIns="45700" rIns="91425" bIns="45700" anchor="t" anchorCtr="0">
-            <a:normAutofit/>
-          </a:bodyPr>
-          <a:lstStyle>
-            <a:lvl1pPr marL="457200" lvl="0" indent="-342900" algn="l">
-              <a:lnSpc>
-                <a:spcPct val="90000"/>
-              </a:lnSpc>
-              <a:spcBef>
-                <a:spcPts val="1000"/>
-              </a:spcBef>
-              <a:spcAft>
-                <a:spcPts val="0"/>
-              </a:spcAft>
-              <a:buClr>
-                <a:schemeClr val="dk1"/>
-              </a:buClr>
-              <a:buSzPts val="1800"/>
-              <a:buChar char="•"/>
-              <a:defRPr/>
-            </a:lvl1pPr>
-            <a:lvl2pPr marL="914400" lvl="1" indent="-342900" algn="l">
-              <a:lnSpc>
-                <a:spcPct val="90000"/>
-              </a:lnSpc>
-              <a:spcBef>
-                <a:spcPts val="500"/>
-              </a:spcBef>
-              <a:spcAft>
-                <a:spcPts val="0"/>
-              </a:spcAft>
-              <a:buClr>
-                <a:schemeClr val="dk1"/>
-              </a:buClr>
-              <a:buSzPts val="1800"/>
-              <a:buChar char="•"/>
-              <a:defRPr/>
-            </a:lvl2pPr>
-            <a:lvl3pPr marL="1371600" lvl="2" indent="-342900" algn="l">
-              <a:lnSpc>
-                <a:spcPct val="90000"/>
-              </a:lnSpc>
-              <a:spcBef>
-                <a:spcPts val="500"/>
-              </a:spcBef>
-              <a:spcAft>
-                <a:spcPts val="0"/>
-              </a:spcAft>
-              <a:buClr>
-                <a:schemeClr val="dk1"/>
-              </a:buClr>
-              <a:buSzPts val="1800"/>
-              <a:buChar char="•"/>
-              <a:defRPr/>
-            </a:lvl3pPr>
-            <a:lvl4pPr marL="1828800" lvl="3" indent="-342900" algn="l">
-              <a:lnSpc>
-                <a:spcPct val="90000"/>
-              </a:lnSpc>
-              <a:spcBef>
-                <a:spcPts val="500"/>
-              </a:spcBef>
-              <a:spcAft>
-                <a:spcPts val="0"/>
-              </a:spcAft>
-              <a:buClr>
-                <a:schemeClr val="dk1"/>
-              </a:buClr>
-              <a:buSzPts val="1800"/>
-              <a:buChar char="•"/>
-              <a:defRPr/>
-            </a:lvl4pPr>
-            <a:lvl5pPr marL="2286000" lvl="4" indent="-342900" algn="l">
-              <a:lnSpc>
-                <a:spcPct val="90000"/>
-              </a:lnSpc>
-              <a:spcBef>
-                <a:spcPts val="500"/>
-              </a:spcBef>
-              <a:spcAft>
-                <a:spcPts val="0"/>
-              </a:spcAft>
-              <a:buClr>
-                <a:schemeClr val="dk1"/>
-              </a:buClr>
-              <a:buSzPts val="1800"/>
-              <a:buChar char="•"/>
-              <a:defRPr/>
-            </a:lvl5pPr>
-            <a:lvl6pPr marL="2743200" lvl="5" indent="-342900" algn="l">
-              <a:lnSpc>
-                <a:spcPct val="90000"/>
-              </a:lnSpc>
-              <a:spcBef>
-                <a:spcPts val="500"/>
-              </a:spcBef>
-              <a:spcAft>
-                <a:spcPts val="0"/>
-              </a:spcAft>
-              <a:buClr>
-                <a:schemeClr val="dk1"/>
-              </a:buClr>
-              <a:buSzPts val="1800"/>
-              <a:buChar char="•"/>
-              <a:defRPr/>
-            </a:lvl6pPr>
-            <a:lvl7pPr marL="3200400" lvl="6" indent="-342900" algn="l">
-              <a:lnSpc>
-                <a:spcPct val="90000"/>
-              </a:lnSpc>
-              <a:spcBef>
-                <a:spcPts val="500"/>
-              </a:spcBef>
-              <a:spcAft>
-                <a:spcPts val="0"/>
-              </a:spcAft>
-              <a:buClr>
-                <a:schemeClr val="dk1"/>
-              </a:buClr>
-              <a:buSzPts val="1800"/>
-              <a:buChar char="•"/>
-              <a:defRPr/>
-            </a:lvl7pPr>
-            <a:lvl8pPr marL="3657600" lvl="7" indent="-342900" algn="l">
-              <a:lnSpc>
-                <a:spcPct val="90000"/>
-              </a:lnSpc>
-              <a:spcBef>
-                <a:spcPts val="500"/>
-              </a:spcBef>
-              <a:spcAft>
-                <a:spcPts val="0"/>
-              </a:spcAft>
-              <a:buClr>
-                <a:schemeClr val="dk1"/>
-              </a:buClr>
-              <a:buSzPts val="1800"/>
-              <a:buChar char="•"/>
-              <a:defRPr/>
-            </a:lvl8pPr>
-            <a:lvl9pPr marL="4114800" lvl="8" indent="-342900" algn="l">
-              <a:lnSpc>
-                <a:spcPct val="90000"/>
-              </a:lnSpc>
-              <a:spcBef>
-                <a:spcPts val="500"/>
-              </a:spcBef>
-              <a:spcAft>
-                <a:spcPts val="0"/>
-              </a:spcAft>
-              <a:buClr>
-                <a:schemeClr val="dk1"/>
-              </a:buClr>
-              <a:buSzPts val="1800"/>
-              <a:buChar char="•"/>
-              <a:defRPr/>
-            </a:lvl9pPr>
-          </a:lstStyle>
-          <a:p>
-            <a:endParaRPr/>
-          </a:p>
-        </p:txBody>
-      </p:sp>
-      <p:sp>
-        <p:nvSpPr>
-          <p:cNvPr id="37" name="Google Shape;37;p19"/>
-          <p:cNvSpPr txBox="1">
-            <a:spLocks noGrp="1"/>
-          </p:cNvSpPr>
-          <p:nvPr>
-            <p:ph type="dt" idx="10"/>
-          </p:nvPr>
-        </p:nvSpPr>
-        <p:spPr>
-          <a:xfrm>
-            <a:off x="838200" y="6356350"/>
-            <a:ext cx="2743200" cy="365125"/>
-          </a:xfrm>
-          <a:prstGeom prst="rect">
-            <a:avLst/>
-          </a:prstGeom>
-          <a:noFill/>
-          <a:ln>
-            <a:noFill/>
-          </a:ln>
-        </p:spPr>
-        <p:txBody>
-          <a:bodyPr spcFirstLastPara="1" wrap="square" lIns="91425" tIns="45700" rIns="91425" bIns="45700" anchor="ctr" anchorCtr="0">
-            <a:noAutofit/>
-          </a:bodyPr>
-          <a:lstStyle>
-            <a:lvl1pPr lvl="0" algn="l">
-              <a:lnSpc>
-                <a:spcPct val="100000"/>
-              </a:lnSpc>
-              <a:spcBef>
-                <a:spcPts val="0"/>
-              </a:spcBef>
-              <a:spcAft>
-                <a:spcPts val="0"/>
-              </a:spcAft>
-              <a:buSzPts val="1400"/>
-              <a:buNone/>
-              <a:defRPr/>
-            </a:lvl1pPr>
-            <a:lvl2pPr lvl="1" algn="l">
-              <a:lnSpc>
-                <a:spcPct val="100000"/>
-              </a:lnSpc>
-              <a:spcBef>
-                <a:spcPts val="0"/>
-              </a:spcBef>
-              <a:spcAft>
-                <a:spcPts val="0"/>
-              </a:spcAft>
-              <a:buSzPts val="1400"/>
-              <a:buNone/>
-              <a:defRPr/>
-            </a:lvl2pPr>
-            <a:lvl3pPr lvl="2" algn="l">
-              <a:lnSpc>
-                <a:spcPct val="100000"/>
-              </a:lnSpc>
-              <a:spcBef>
-                <a:spcPts val="0"/>
-              </a:spcBef>
-              <a:spcAft>
-                <a:spcPts val="0"/>
-              </a:spcAft>
-              <a:buSzPts val="1400"/>
-              <a:buNone/>
-              <a:defRPr/>
-            </a:lvl3pPr>
-            <a:lvl4pPr lvl="3" algn="l">
-              <a:lnSpc>
-                <a:spcPct val="100000"/>
-              </a:lnSpc>
-              <a:spcBef>
-                <a:spcPts val="0"/>
-              </a:spcBef>
-              <a:spcAft>
-                <a:spcPts val="0"/>
-              </a:spcAft>
-              <a:buSzPts val="1400"/>
-              <a:buNone/>
-              <a:defRPr/>
-            </a:lvl4pPr>
-            <a:lvl5pPr lvl="4" algn="l">
-              <a:lnSpc>
-                <a:spcPct val="100000"/>
-              </a:lnSpc>
-              <a:spcBef>
-                <a:spcPts val="0"/>
-              </a:spcBef>
-              <a:spcAft>
-                <a:spcPts val="0"/>
-              </a:spcAft>
-              <a:buSzPts val="1400"/>
-              <a:buNone/>
-              <a:defRPr/>
-            </a:lvl5pPr>
-            <a:lvl6pPr lvl="5" algn="l">
-              <a:lnSpc>
-                <a:spcPct val="100000"/>
-              </a:lnSpc>
-              <a:spcBef>
-                <a:spcPts val="0"/>
-              </a:spcBef>
-              <a:spcAft>
-                <a:spcPts val="0"/>
-              </a:spcAft>
-              <a:buSzPts val="1400"/>
-              <a:buNone/>
-              <a:defRPr/>
-            </a:lvl6pPr>
-            <a:lvl7pPr lvl="6" algn="l">
-              <a:lnSpc>
-                <a:spcPct val="100000"/>
-              </a:lnSpc>
-              <a:spcBef>
-                <a:spcPts val="0"/>
-              </a:spcBef>
-              <a:spcAft>
-                <a:spcPts val="0"/>
-              </a:spcAft>
-              <a:buSzPts val="1400"/>
-              <a:buNone/>
-              <a:defRPr/>
-            </a:lvl7pPr>
-            <a:lvl8pPr lvl="7" algn="l">
-              <a:lnSpc>
-                <a:spcPct val="100000"/>
-              </a:lnSpc>
-              <a:spcBef>
-                <a:spcPts val="0"/>
-              </a:spcBef>
-              <a:spcAft>
-                <a:spcPts val="0"/>
-              </a:spcAft>
-              <a:buSzPts val="1400"/>
-              <a:buNone/>
-              <a:defRPr/>
-            </a:lvl8pPr>
-            <a:lvl9pPr lvl="8" algn="l">
-              <a:lnSpc>
-                <a:spcPct val="100000"/>
-              </a:lnSpc>
-              <a:spcBef>
-                <a:spcPts val="0"/>
-              </a:spcBef>
-              <a:spcAft>
-                <a:spcPts val="0"/>
-              </a:spcAft>
-              <a:buSzPts val="1400"/>
-              <a:buNone/>
-              <a:defRPr/>
-            </a:lvl9pPr>
-          </a:lstStyle>
-          <a:p>
-            <a:endParaRPr/>
-          </a:p>
-        </p:txBody>
-      </p:sp>
-      <p:sp>
-        <p:nvSpPr>
-          <p:cNvPr id="38" name="Google Shape;38;p19"/>
-          <p:cNvSpPr txBox="1">
-            <a:spLocks noGrp="1"/>
-          </p:cNvSpPr>
-          <p:nvPr>
-            <p:ph type="ftr" idx="11"/>
-          </p:nvPr>
-        </p:nvSpPr>
-        <p:spPr>
-          <a:xfrm>
-            <a:off x="4038600" y="6356350"/>
-            <a:ext cx="4114800" cy="365125"/>
-          </a:xfrm>
-          <a:prstGeom prst="rect">
-            <a:avLst/>
-          </a:prstGeom>
-          <a:noFill/>
-          <a:ln>
-            <a:noFill/>
-          </a:ln>
-        </p:spPr>
-        <p:txBody>
-          <a:bodyPr spcFirstLastPara="1" wrap="square" lIns="91425" tIns="45700" rIns="91425" bIns="45700" anchor="ctr" anchorCtr="0">
-            <a:noAutofit/>
-          </a:bodyPr>
-          <a:lstStyle>
-            <a:lvl1pPr lvl="0" algn="ctr">
-              <a:lnSpc>
-                <a:spcPct val="100000"/>
-              </a:lnSpc>
-              <a:spcBef>
-                <a:spcPts val="0"/>
-              </a:spcBef>
-              <a:spcAft>
-                <a:spcPts val="0"/>
-              </a:spcAft>
-              <a:buSzPts val="1400"/>
-              <a:buNone/>
-              <a:defRPr/>
-            </a:lvl1pPr>
-            <a:lvl2pPr lvl="1" algn="l">
-              <a:lnSpc>
-                <a:spcPct val="100000"/>
-              </a:lnSpc>
-              <a:spcBef>
-                <a:spcPts val="0"/>
-              </a:spcBef>
-              <a:spcAft>
-                <a:spcPts val="0"/>
-              </a:spcAft>
-              <a:buSzPts val="1400"/>
-              <a:buNone/>
-              <a:defRPr/>
-            </a:lvl2pPr>
-            <a:lvl3pPr lvl="2" algn="l">
-              <a:lnSpc>
-                <a:spcPct val="100000"/>
-              </a:lnSpc>
-              <a:spcBef>
-                <a:spcPts val="0"/>
-              </a:spcBef>
-              <a:spcAft>
-                <a:spcPts val="0"/>
-              </a:spcAft>
-              <a:buSzPts val="1400"/>
-              <a:buNone/>
-              <a:defRPr/>
-            </a:lvl3pPr>
-            <a:lvl4pPr lvl="3" algn="l">
-              <a:lnSpc>
-                <a:spcPct val="100000"/>
-              </a:lnSpc>
-              <a:spcBef>
-                <a:spcPts val="0"/>
-              </a:spcBef>
-              <a:spcAft>
-                <a:spcPts val="0"/>
-              </a:spcAft>
-              <a:buSzPts val="1400"/>
-              <a:buNone/>
-              <a:defRPr/>
-            </a:lvl4pPr>
-            <a:lvl5pPr lvl="4" algn="l">
-              <a:lnSpc>
-                <a:spcPct val="100000"/>
-              </a:lnSpc>
-              <a:spcBef>
-                <a:spcPts val="0"/>
-              </a:spcBef>
-              <a:spcAft>
-                <a:spcPts val="0"/>
-              </a:spcAft>
-              <a:buSzPts val="1400"/>
-              <a:buNone/>
-              <a:defRPr/>
-            </a:lvl5pPr>
-            <a:lvl6pPr lvl="5" algn="l">
-              <a:lnSpc>
-                <a:spcPct val="100000"/>
-              </a:lnSpc>
-              <a:spcBef>
-                <a:spcPts val="0"/>
-              </a:spcBef>
-              <a:spcAft>
-                <a:spcPts val="0"/>
-              </a:spcAft>
-              <a:buSzPts val="1400"/>
-              <a:buNone/>
-              <a:defRPr/>
-            </a:lvl6pPr>
-            <a:lvl7pPr lvl="6" algn="l">
-              <a:lnSpc>
-                <a:spcPct val="100000"/>
-              </a:lnSpc>
-              <a:spcBef>
-                <a:spcPts val="0"/>
-              </a:spcBef>
-              <a:spcAft>
-                <a:spcPts val="0"/>
-              </a:spcAft>
-              <a:buSzPts val="1400"/>
-              <a:buNone/>
-              <a:defRPr/>
-            </a:lvl7pPr>
-            <a:lvl8pPr lvl="7" algn="l">
-              <a:lnSpc>
-                <a:spcPct val="100000"/>
-              </a:lnSpc>
-              <a:spcBef>
-                <a:spcPts val="0"/>
-              </a:spcBef>
-              <a:spcAft>
-                <a:spcPts val="0"/>
-              </a:spcAft>
-              <a:buSzPts val="1400"/>
-              <a:buNone/>
-              <a:defRPr/>
-            </a:lvl8pPr>
-            <a:lvl9pPr lvl="8" algn="l">
-              <a:lnSpc>
-                <a:spcPct val="100000"/>
-              </a:lnSpc>
-              <a:spcBef>
-                <a:spcPts val="0"/>
-              </a:spcBef>
-              <a:spcAft>
-                <a:spcPts val="0"/>
-              </a:spcAft>
-              <a:buSzPts val="1400"/>
-              <a:buNone/>
-              <a:defRPr/>
-            </a:lvl9pPr>
-          </a:lstStyle>
-          <a:p>
-            <a:endParaRPr/>
-          </a:p>
-        </p:txBody>
-      </p:sp>
-      <p:sp>
-        <p:nvSpPr>
-          <p:cNvPr id="39" name="Google Shape;39;p19"/>
-          <p:cNvSpPr txBox="1">
-            <a:spLocks noGrp="1"/>
-          </p:cNvSpPr>
-          <p:nvPr>
-            <p:ph type="sldNum" idx="12"/>
-          </p:nvPr>
-        </p:nvSpPr>
-        <p:spPr>
-          <a:xfrm>
-            <a:off x="8610600" y="6356350"/>
-            <a:ext cx="2743200" cy="365125"/>
-          </a:xfrm>
-          <a:prstGeom prst="rect">
-            <a:avLst/>
-          </a:prstGeom>
-          <a:noFill/>
-          <a:ln>
-            <a:noFill/>
-          </a:ln>
-        </p:spPr>
-        <p:txBody>
-          <a:bodyPr spcFirstLastPara="1" wrap="square" lIns="91425" tIns="45700" rIns="91425" bIns="45700" anchor="ctr" anchorCtr="0">
-            <a:noAutofit/>
-          </a:bodyPr>
-          <a:lstStyle>
-            <a:lvl1pPr marL="0" marR="0" lvl="0" indent="0" algn="r">
-              <a:lnSpc>
-                <a:spcPct val="100000"/>
-              </a:lnSpc>
-              <a:spcBef>
-                <a:spcPts val="0"/>
-              </a:spcBef>
-              <a:spcAft>
-                <a:spcPts val="0"/>
-              </a:spcAft>
-              <a:buClr>
-                <a:srgbClr val="000000"/>
-              </a:buClr>
-              <a:buSzPts val="1200"/>
-              <a:buFont typeface="Arial"/>
-              <a:buNone/>
-              <a:defRPr sz="1200" b="0" i="0" u="none" strike="noStrike" cap="none">
-                <a:solidFill>
-                  <a:srgbClr val="888888"/>
-                </a:solidFill>
-                <a:latin typeface="Calibri"/>
-                <a:ea typeface="Calibri"/>
-                <a:cs typeface="Calibri"/>
-                <a:sym typeface="Calibri"/>
-              </a:defRPr>
-            </a:lvl1pPr>
-            <a:lvl2pPr marL="0" marR="0" lvl="1" indent="0" algn="r">
-              <a:lnSpc>
-                <a:spcPct val="100000"/>
-              </a:lnSpc>
-              <a:spcBef>
-                <a:spcPts val="0"/>
-              </a:spcBef>
-              <a:spcAft>
-                <a:spcPts val="0"/>
-              </a:spcAft>
-              <a:buClr>
-                <a:srgbClr val="000000"/>
-              </a:buClr>
-              <a:buSzPts val="1200"/>
-              <a:buFont typeface="Arial"/>
-              <a:buNone/>
-              <a:defRPr sz="1200" b="0" i="0" u="none" strike="noStrike" cap="none">
-                <a:solidFill>
-                  <a:srgbClr val="888888"/>
-                </a:solidFill>
-                <a:latin typeface="Calibri"/>
-                <a:ea typeface="Calibri"/>
-                <a:cs typeface="Calibri"/>
-                <a:sym typeface="Calibri"/>
-              </a:defRPr>
-            </a:lvl2pPr>
-            <a:lvl3pPr marL="0" marR="0" lvl="2" indent="0" algn="r">
-              <a:lnSpc>
-                <a:spcPct val="100000"/>
-              </a:lnSpc>
-              <a:spcBef>
-                <a:spcPts val="0"/>
-              </a:spcBef>
-              <a:spcAft>
-                <a:spcPts val="0"/>
-              </a:spcAft>
-              <a:buClr>
-                <a:srgbClr val="000000"/>
-              </a:buClr>
-              <a:buSzPts val="1200"/>
-              <a:buFont typeface="Arial"/>
-              <a:buNone/>
-              <a:defRPr sz="1200" b="0" i="0" u="none" strike="noStrike" cap="none">
-                <a:solidFill>
-                  <a:srgbClr val="888888"/>
-                </a:solidFill>
-                <a:latin typeface="Calibri"/>
-                <a:ea typeface="Calibri"/>
-                <a:cs typeface="Calibri"/>
-                <a:sym typeface="Calibri"/>
-              </a:defRPr>
-            </a:lvl3pPr>
-            <a:lvl4pPr marL="0" marR="0" lvl="3" indent="0" algn="r">
-              <a:lnSpc>
-                <a:spcPct val="100000"/>
-              </a:lnSpc>
-              <a:spcBef>
-                <a:spcPts val="0"/>
-              </a:spcBef>
-              <a:spcAft>
-                <a:spcPts val="0"/>
-              </a:spcAft>
-              <a:buClr>
-                <a:srgbClr val="000000"/>
-              </a:buClr>
-              <a:buSzPts val="1200"/>
-              <a:buFont typeface="Arial"/>
-              <a:buNone/>
-              <a:defRPr sz="1200" b="0" i="0" u="none" strike="noStrike" cap="none">
-                <a:solidFill>
-                  <a:srgbClr val="888888"/>
-                </a:solidFill>
-                <a:latin typeface="Calibri"/>
-                <a:ea typeface="Calibri"/>
-                <a:cs typeface="Calibri"/>
-                <a:sym typeface="Calibri"/>
-              </a:defRPr>
-            </a:lvl4pPr>
-            <a:lvl5pPr marL="0" marR="0" lvl="4" indent="0" algn="r">
-              <a:lnSpc>
-                <a:spcPct val="100000"/>
-              </a:lnSpc>
-              <a:spcBef>
-                <a:spcPts val="0"/>
-              </a:spcBef>
-              <a:spcAft>
-                <a:spcPts val="0"/>
-              </a:spcAft>
-              <a:buClr>
-                <a:srgbClr val="000000"/>
-              </a:buClr>
-              <a:buSzPts val="1200"/>
-              <a:buFont typeface="Arial"/>
-              <a:buNone/>
-              <a:defRPr sz="1200" b="0" i="0" u="none" strike="noStrike" cap="none">
-                <a:solidFill>
-                  <a:srgbClr val="888888"/>
-                </a:solidFill>
-                <a:latin typeface="Calibri"/>
-                <a:ea typeface="Calibri"/>
-                <a:cs typeface="Calibri"/>
-                <a:sym typeface="Calibri"/>
-              </a:defRPr>
-            </a:lvl5pPr>
-            <a:lvl6pPr marL="0" marR="0" lvl="5" indent="0" algn="r">
-              <a:lnSpc>
-                <a:spcPct val="100000"/>
-              </a:lnSpc>
-              <a:spcBef>
-                <a:spcPts val="0"/>
-              </a:spcBef>
-              <a:spcAft>
-                <a:spcPts val="0"/>
-              </a:spcAft>
-              <a:buClr>
-                <a:srgbClr val="000000"/>
-              </a:buClr>
-              <a:buSzPts val="1200"/>
-              <a:buFont typeface="Arial"/>
-              <a:buNone/>
-              <a:defRPr sz="1200" b="0" i="0" u="none" strike="noStrike" cap="none">
-                <a:solidFill>
-                  <a:srgbClr val="888888"/>
-                </a:solidFill>
-                <a:latin typeface="Calibri"/>
-                <a:ea typeface="Calibri"/>
-                <a:cs typeface="Calibri"/>
-                <a:sym typeface="Calibri"/>
-              </a:defRPr>
-            </a:lvl6pPr>
-            <a:lvl7pPr marL="0" marR="0" lvl="6" indent="0" algn="r">
-              <a:lnSpc>
-                <a:spcPct val="100000"/>
-              </a:lnSpc>
-              <a:spcBef>
-                <a:spcPts val="0"/>
-              </a:spcBef>
-              <a:spcAft>
-                <a:spcPts val="0"/>
-              </a:spcAft>
-              <a:buClr>
-                <a:srgbClr val="000000"/>
-              </a:buClr>
-              <a:buSzPts val="1200"/>
-              <a:buFont typeface="Arial"/>
-              <a:buNone/>
-              <a:defRPr sz="1200" b="0" i="0" u="none" strike="noStrike" cap="none">
-                <a:solidFill>
-                  <a:srgbClr val="888888"/>
-                </a:solidFill>
-                <a:latin typeface="Calibri"/>
-                <a:ea typeface="Calibri"/>
-                <a:cs typeface="Calibri"/>
-                <a:sym typeface="Calibri"/>
-              </a:defRPr>
-            </a:lvl7pPr>
-            <a:lvl8pPr marL="0" marR="0" lvl="7" indent="0" algn="r">
-              <a:lnSpc>
-                <a:spcPct val="100000"/>
-              </a:lnSpc>
-              <a:spcBef>
-                <a:spcPts val="0"/>
-              </a:spcBef>
-              <a:spcAft>
-                <a:spcPts val="0"/>
-              </a:spcAft>
-              <a:buClr>
-                <a:srgbClr val="000000"/>
-              </a:buClr>
-              <a:buSzPts val="1200"/>
-              <a:buFont typeface="Arial"/>
-              <a:buNone/>
-              <a:defRPr sz="1200" b="0" i="0" u="none" strike="noStrike" cap="none">
-                <a:solidFill>
-                  <a:srgbClr val="888888"/>
-                </a:solidFill>
-                <a:latin typeface="Calibri"/>
-                <a:ea typeface="Calibri"/>
-                <a:cs typeface="Calibri"/>
-                <a:sym typeface="Calibri"/>
-              </a:defRPr>
-            </a:lvl8pPr>
-            <a:lvl9pPr marL="0" marR="0" lvl="8" indent="0" algn="r">
-              <a:lnSpc>
-                <a:spcPct val="100000"/>
-              </a:lnSpc>
-              <a:spcBef>
-                <a:spcPts val="0"/>
-              </a:spcBef>
-              <a:spcAft>
-                <a:spcPts val="0"/>
-              </a:spcAft>
-              <a:buClr>
-                <a:srgbClr val="000000"/>
-              </a:buClr>
-              <a:buSzPts val="1200"/>
-              <a:buFont typeface="Arial"/>
-              <a:buNone/>
-              <a:defRPr sz="1200" b="0" i="0" u="none" strike="noStrike" cap="none">
-                <a:solidFill>
-                  <a:srgbClr val="888888"/>
-                </a:solidFill>
-                <a:latin typeface="Calibri"/>
-                <a:ea typeface="Calibri"/>
-                <a:cs typeface="Calibri"/>
-                <a:sym typeface="Calibri"/>
-              </a:defRPr>
-            </a:lvl9pPr>
-          </a:lstStyle>
-          <a:p>
-            <a:pPr marL="0" lvl="0" indent="0" algn="r" rtl="0">
-              <a:spcBef>
-                <a:spcPts val="0"/>
-              </a:spcBef>
-              <a:spcAft>
-                <a:spcPts val="0"/>
-              </a:spcAft>
-              <a:buNone/>
-            </a:pPr>
-            <a:fld id="{00000000-1234-1234-1234-123412341234}" type="slidenum">
-              <a:rPr lang="en-ZA"/>
-              <a:t>‹#›</a:t>
-            </a:fld>
-            <a:endParaRPr/>
-          </a:p>
-        </p:txBody>
-      </p:sp>
-    </p:spTree>
-  </p:cSld>
-  <p:clrMapOvr>
-    <a:masterClrMapping/>
-  </p:clrMapOvr>
-</p:sldLayout>
-</file>
-
-<file path=ppt/slideLayouts/slideLayout4.xml><?xml version="1.0" encoding="utf-8"?>
-<p:sldLayout xmlns:a="http://schemas.openxmlformats.org/drawingml/2006/main" xmlns:r="http://schemas.openxmlformats.org/officeDocument/2006/relationships" xmlns:p="http://schemas.openxmlformats.org/presentationml/2006/main" matchingName="Comparison" type="twoTxTwoObj">
-  <p:cSld name="TWO_OBJECTS_WITH_TEXT">
-    <p:spTree>
-      <p:nvGrpSpPr>
-        <p:cNvPr id="1" name="Shape 40"/>
-        <p:cNvGrpSpPr/>
-        <p:nvPr/>
-      </p:nvGrpSpPr>
-      <p:grpSpPr>
-        <a:xfrm>
-          <a:off x="0" y="0"/>
-          <a:ext cx="0" cy="0"/>
-          <a:chOff x="0" y="0"/>
-          <a:chExt cx="0" cy="0"/>
-        </a:xfrm>
-      </p:grpSpPr>
-      <p:sp>
-        <p:nvSpPr>
-          <p:cNvPr id="41" name="Google Shape;41;p20"/>
-          <p:cNvSpPr txBox="1">
-            <a:spLocks noGrp="1"/>
-          </p:cNvSpPr>
-          <p:nvPr>
-            <p:ph type="title"/>
-          </p:nvPr>
-        </p:nvSpPr>
-        <p:spPr>
-          <a:xfrm>
-            <a:off x="839788" y="365125"/>
-            <a:ext cx="10515600" cy="1325563"/>
-          </a:xfrm>
-          <a:prstGeom prst="rect">
-            <a:avLst/>
-          </a:prstGeom>
-          <a:noFill/>
-          <a:ln>
-            <a:noFill/>
-          </a:ln>
-        </p:spPr>
-        <p:txBody>
-          <a:bodyPr spcFirstLastPara="1" wrap="square" lIns="91425" tIns="45700" rIns="91425" bIns="45700" anchor="ctr" anchorCtr="0">
-            <a:normAutofit/>
-          </a:bodyPr>
-          <a:lstStyle>
-            <a:lvl1pPr lvl="0" algn="l">
-              <a:lnSpc>
-                <a:spcPct val="90000"/>
-              </a:lnSpc>
-              <a:spcBef>
-                <a:spcPts val="0"/>
-              </a:spcBef>
-              <a:spcAft>
-                <a:spcPts val="0"/>
-              </a:spcAft>
-              <a:buClr>
-                <a:schemeClr val="dk1"/>
-              </a:buClr>
-              <a:buSzPts val="1800"/>
-              <a:buNone/>
-              <a:defRPr/>
-            </a:lvl1pPr>
-            <a:lvl2pPr lvl="1" algn="l">
-              <a:lnSpc>
-                <a:spcPct val="100000"/>
-              </a:lnSpc>
-              <a:spcBef>
-                <a:spcPts val="0"/>
-              </a:spcBef>
-              <a:spcAft>
-                <a:spcPts val="0"/>
-              </a:spcAft>
-              <a:buSzPts val="1400"/>
-              <a:buNone/>
-              <a:defRPr/>
-            </a:lvl2pPr>
-            <a:lvl3pPr lvl="2" algn="l">
-              <a:lnSpc>
-                <a:spcPct val="100000"/>
-              </a:lnSpc>
-              <a:spcBef>
-                <a:spcPts val="0"/>
-              </a:spcBef>
-              <a:spcAft>
-                <a:spcPts val="0"/>
-              </a:spcAft>
-              <a:buSzPts val="1400"/>
-              <a:buNone/>
-              <a:defRPr/>
-            </a:lvl3pPr>
-            <a:lvl4pPr lvl="3" algn="l">
-              <a:lnSpc>
-                <a:spcPct val="100000"/>
-              </a:lnSpc>
-              <a:spcBef>
-                <a:spcPts val="0"/>
-              </a:spcBef>
-              <a:spcAft>
-                <a:spcPts val="0"/>
-              </a:spcAft>
-              <a:buSzPts val="1400"/>
-              <a:buNone/>
-              <a:defRPr/>
-            </a:lvl4pPr>
-            <a:lvl5pPr lvl="4" algn="l">
-              <a:lnSpc>
-                <a:spcPct val="100000"/>
-              </a:lnSpc>
-              <a:spcBef>
-                <a:spcPts val="0"/>
-              </a:spcBef>
-              <a:spcAft>
-                <a:spcPts val="0"/>
-              </a:spcAft>
-              <a:buSzPts val="1400"/>
-              <a:buNone/>
-              <a:defRPr/>
-            </a:lvl5pPr>
-            <a:lvl6pPr lvl="5" algn="l">
-              <a:lnSpc>
-                <a:spcPct val="100000"/>
-              </a:lnSpc>
-              <a:spcBef>
-                <a:spcPts val="0"/>
-              </a:spcBef>
-              <a:spcAft>
-                <a:spcPts val="0"/>
-              </a:spcAft>
-              <a:buSzPts val="1400"/>
-              <a:buNone/>
-              <a:defRPr/>
-            </a:lvl6pPr>
-            <a:lvl7pPr lvl="6" algn="l">
-              <a:lnSpc>
-                <a:spcPct val="100000"/>
-              </a:lnSpc>
-              <a:spcBef>
-                <a:spcPts val="0"/>
-              </a:spcBef>
-              <a:spcAft>
-                <a:spcPts val="0"/>
-              </a:spcAft>
-              <a:buSzPts val="1400"/>
-              <a:buNone/>
-              <a:defRPr/>
-            </a:lvl7pPr>
-            <a:lvl8pPr lvl="7" algn="l">
-              <a:lnSpc>
-                <a:spcPct val="100000"/>
-              </a:lnSpc>
-              <a:spcBef>
-                <a:spcPts val="0"/>
-              </a:spcBef>
-              <a:spcAft>
-                <a:spcPts val="0"/>
-              </a:spcAft>
-              <a:buSzPts val="1400"/>
-              <a:buNone/>
-              <a:defRPr/>
-            </a:lvl8pPr>
-            <a:lvl9pPr lvl="8" algn="l">
-              <a:lnSpc>
-                <a:spcPct val="100000"/>
-              </a:lnSpc>
-              <a:spcBef>
-                <a:spcPts val="0"/>
-              </a:spcBef>
-              <a:spcAft>
-                <a:spcPts val="0"/>
-              </a:spcAft>
-              <a:buSzPts val="1400"/>
-              <a:buNone/>
-              <a:defRPr/>
-            </a:lvl9pPr>
-          </a:lstStyle>
-          <a:p>
-            <a:endParaRPr/>
-          </a:p>
-        </p:txBody>
-      </p:sp>
-      <p:sp>
-        <p:nvSpPr>
-          <p:cNvPr id="42" name="Google Shape;42;p20"/>
-          <p:cNvSpPr txBox="1">
-            <a:spLocks noGrp="1"/>
-          </p:cNvSpPr>
-          <p:nvPr>
-            <p:ph type="body" idx="1"/>
-          </p:nvPr>
-        </p:nvSpPr>
-        <p:spPr>
-          <a:xfrm>
-            <a:off x="839788" y="1681163"/>
-            <a:ext cx="5157787" cy="823912"/>
-          </a:xfrm>
-          <a:prstGeom prst="rect">
-            <a:avLst/>
-          </a:prstGeom>
-          <a:noFill/>
-          <a:ln>
-            <a:noFill/>
-          </a:ln>
-        </p:spPr>
-        <p:txBody>
-          <a:bodyPr spcFirstLastPara="1" wrap="square" lIns="91425" tIns="45700" rIns="91425" bIns="45700" anchor="b" anchorCtr="0">
-            <a:normAutofit/>
-          </a:bodyPr>
-          <a:lstStyle>
-            <a:lvl1pPr marL="457200" lvl="0" indent="-228600" algn="l">
-              <a:lnSpc>
-                <a:spcPct val="90000"/>
-              </a:lnSpc>
-              <a:spcBef>
-                <a:spcPts val="1000"/>
-              </a:spcBef>
-              <a:spcAft>
-                <a:spcPts val="0"/>
-              </a:spcAft>
-              <a:buClr>
-                <a:schemeClr val="dk1"/>
-              </a:buClr>
-              <a:buSzPts val="2400"/>
-              <a:buNone/>
-              <a:defRPr sz="2400" b="1"/>
-            </a:lvl1pPr>
-            <a:lvl2pPr marL="914400" lvl="1" indent="-228600" algn="l">
-              <a:lnSpc>
-                <a:spcPct val="90000"/>
-              </a:lnSpc>
-              <a:spcBef>
-                <a:spcPts val="500"/>
-              </a:spcBef>
-              <a:spcAft>
-                <a:spcPts val="0"/>
-              </a:spcAft>
-              <a:buClr>
-                <a:schemeClr val="dk1"/>
-              </a:buClr>
-              <a:buSzPts val="2000"/>
-              <a:buNone/>
-              <a:defRPr sz="2000" b="1"/>
-            </a:lvl2pPr>
-            <a:lvl3pPr marL="1371600" lvl="2" indent="-228600" algn="l">
-              <a:lnSpc>
-                <a:spcPct val="90000"/>
-              </a:lnSpc>
-              <a:spcBef>
-                <a:spcPts val="500"/>
-              </a:spcBef>
-              <a:spcAft>
-                <a:spcPts val="0"/>
-              </a:spcAft>
-              <a:buClr>
-                <a:schemeClr val="dk1"/>
-              </a:buClr>
-              <a:buSzPts val="1800"/>
-              <a:buNone/>
-              <a:defRPr sz="1800" b="1"/>
-            </a:lvl3pPr>
-            <a:lvl4pPr marL="1828800" lvl="3" indent="-228600" algn="l">
-              <a:lnSpc>
-                <a:spcPct val="90000"/>
-              </a:lnSpc>
-              <a:spcBef>
-                <a:spcPts val="500"/>
-              </a:spcBef>
-              <a:spcAft>
-                <a:spcPts val="0"/>
-              </a:spcAft>
-              <a:buClr>
-                <a:schemeClr val="dk1"/>
-              </a:buClr>
-              <a:buSzPts val="1600"/>
-              <a:buNone/>
-              <a:defRPr sz="1600" b="1"/>
-            </a:lvl4pPr>
-            <a:lvl5pPr marL="2286000" lvl="4" indent="-228600" algn="l">
-              <a:lnSpc>
-                <a:spcPct val="90000"/>
-              </a:lnSpc>
-              <a:spcBef>
-                <a:spcPts val="500"/>
-              </a:spcBef>
-              <a:spcAft>
-                <a:spcPts val="0"/>
-              </a:spcAft>
-              <a:buClr>
-                <a:schemeClr val="dk1"/>
-              </a:buClr>
-              <a:buSzPts val="1600"/>
-              <a:buNone/>
-              <a:defRPr sz="1600" b="1"/>
-            </a:lvl5pPr>
-            <a:lvl6pPr marL="2743200" lvl="5" indent="-228600" algn="l">
-              <a:lnSpc>
-                <a:spcPct val="90000"/>
-              </a:lnSpc>
-              <a:spcBef>
-                <a:spcPts val="500"/>
-              </a:spcBef>
-              <a:spcAft>
-                <a:spcPts val="0"/>
-              </a:spcAft>
-              <a:buClr>
-                <a:schemeClr val="dk1"/>
-              </a:buClr>
-              <a:buSzPts val="1600"/>
-              <a:buNone/>
-              <a:defRPr sz="1600" b="1"/>
-            </a:lvl6pPr>
-            <a:lvl7pPr marL="3200400" lvl="6" indent="-228600" algn="l">
-              <a:lnSpc>
-                <a:spcPct val="90000"/>
-              </a:lnSpc>
-              <a:spcBef>
-                <a:spcPts val="500"/>
-              </a:spcBef>
-              <a:spcAft>
-                <a:spcPts val="0"/>
-              </a:spcAft>
-              <a:buClr>
-                <a:schemeClr val="dk1"/>
-              </a:buClr>
-              <a:buSzPts val="1600"/>
-              <a:buNone/>
-              <a:defRPr sz="1600" b="1"/>
-            </a:lvl7pPr>
-            <a:lvl8pPr marL="3657600" lvl="7" indent="-228600" algn="l">
-              <a:lnSpc>
-                <a:spcPct val="90000"/>
-              </a:lnSpc>
-              <a:spcBef>
-                <a:spcPts val="500"/>
-              </a:spcBef>
-              <a:spcAft>
-                <a:spcPts val="0"/>
-              </a:spcAft>
-              <a:buClr>
-                <a:schemeClr val="dk1"/>
-              </a:buClr>
-              <a:buSzPts val="1600"/>
-              <a:buNone/>
-              <a:defRPr sz="1600" b="1"/>
-            </a:lvl8pPr>
-            <a:lvl9pPr marL="4114800" lvl="8" indent="-228600" algn="l">
-              <a:lnSpc>
-                <a:spcPct val="90000"/>
-              </a:lnSpc>
-              <a:spcBef>
-                <a:spcPts val="500"/>
-              </a:spcBef>
-              <a:spcAft>
-                <a:spcPts val="0"/>
-              </a:spcAft>
-              <a:buClr>
-                <a:schemeClr val="dk1"/>
-              </a:buClr>
-              <a:buSzPts val="1600"/>
-              <a:buNone/>
-              <a:defRPr sz="1600" b="1"/>
-            </a:lvl9pPr>
-          </a:lstStyle>
-          <a:p>
-            <a:endParaRPr/>
-          </a:p>
-        </p:txBody>
-      </p:sp>
-      <p:sp>
-        <p:nvSpPr>
-          <p:cNvPr id="43" name="Google Shape;43;p20"/>
-          <p:cNvSpPr txBox="1">
-            <a:spLocks noGrp="1"/>
-          </p:cNvSpPr>
-          <p:nvPr>
-            <p:ph type="body" idx="2"/>
-          </p:nvPr>
-        </p:nvSpPr>
-        <p:spPr>
-          <a:xfrm>
-            <a:off x="839788" y="2505075"/>
-            <a:ext cx="5157787" cy="3684588"/>
-          </a:xfrm>
-          <a:prstGeom prst="rect">
-            <a:avLst/>
-          </a:prstGeom>
-          <a:noFill/>
-          <a:ln>
-            <a:noFill/>
-          </a:ln>
-        </p:spPr>
-        <p:txBody>
-          <a:bodyPr spcFirstLastPara="1" wrap="square" lIns="91425" tIns="45700" rIns="91425" bIns="45700" anchor="t" anchorCtr="0">
-            <a:normAutofit/>
-          </a:bodyPr>
-          <a:lstStyle>
-            <a:lvl1pPr marL="457200" lvl="0" indent="-342900" algn="l">
-              <a:lnSpc>
-                <a:spcPct val="90000"/>
-              </a:lnSpc>
-              <a:spcBef>
-                <a:spcPts val="1000"/>
-              </a:spcBef>
-              <a:spcAft>
-                <a:spcPts val="0"/>
-              </a:spcAft>
-              <a:buClr>
-                <a:schemeClr val="dk1"/>
-              </a:buClr>
-              <a:buSzPts val="1800"/>
-              <a:buChar char="•"/>
-              <a:defRPr/>
-            </a:lvl1pPr>
-            <a:lvl2pPr marL="914400" lvl="1" indent="-342900" algn="l">
-              <a:lnSpc>
-                <a:spcPct val="90000"/>
-              </a:lnSpc>
-              <a:spcBef>
-                <a:spcPts val="500"/>
-              </a:spcBef>
-              <a:spcAft>
-                <a:spcPts val="0"/>
-              </a:spcAft>
-              <a:buClr>
-                <a:schemeClr val="dk1"/>
-              </a:buClr>
-              <a:buSzPts val="1800"/>
-              <a:buChar char="•"/>
-              <a:defRPr/>
-            </a:lvl2pPr>
-            <a:lvl3pPr marL="1371600" lvl="2" indent="-342900" algn="l">
-              <a:lnSpc>
-                <a:spcPct val="90000"/>
-              </a:lnSpc>
-              <a:spcBef>
-                <a:spcPts val="500"/>
-              </a:spcBef>
-              <a:spcAft>
-                <a:spcPts val="0"/>
-              </a:spcAft>
-              <a:buClr>
-                <a:schemeClr val="dk1"/>
-              </a:buClr>
-              <a:buSzPts val="1800"/>
-              <a:buChar char="•"/>
-              <a:defRPr/>
-            </a:lvl3pPr>
-            <a:lvl4pPr marL="1828800" lvl="3" indent="-342900" algn="l">
-              <a:lnSpc>
-                <a:spcPct val="90000"/>
-              </a:lnSpc>
-              <a:spcBef>
-                <a:spcPts val="500"/>
-              </a:spcBef>
-              <a:spcAft>
-                <a:spcPts val="0"/>
-              </a:spcAft>
-              <a:buClr>
-                <a:schemeClr val="dk1"/>
-              </a:buClr>
-              <a:buSzPts val="1800"/>
-              <a:buChar char="•"/>
-              <a:defRPr/>
-            </a:lvl4pPr>
-            <a:lvl5pPr marL="2286000" lvl="4" indent="-342900" algn="l">
-              <a:lnSpc>
-                <a:spcPct val="90000"/>
-              </a:lnSpc>
-              <a:spcBef>
-                <a:spcPts val="500"/>
-              </a:spcBef>
-              <a:spcAft>
-                <a:spcPts val="0"/>
-              </a:spcAft>
-              <a:buClr>
-                <a:schemeClr val="dk1"/>
-              </a:buClr>
-              <a:buSzPts val="1800"/>
-              <a:buChar char="•"/>
-              <a:defRPr/>
-            </a:lvl5pPr>
-            <a:lvl6pPr marL="2743200" lvl="5" indent="-342900" algn="l">
-              <a:lnSpc>
-                <a:spcPct val="90000"/>
-              </a:lnSpc>
-              <a:spcBef>
-                <a:spcPts val="500"/>
-              </a:spcBef>
-              <a:spcAft>
-                <a:spcPts val="0"/>
-              </a:spcAft>
-              <a:buClr>
-                <a:schemeClr val="dk1"/>
-              </a:buClr>
-              <a:buSzPts val="1800"/>
-              <a:buChar char="•"/>
-              <a:defRPr/>
-            </a:lvl6pPr>
-            <a:lvl7pPr marL="3200400" lvl="6" indent="-342900" algn="l">
-              <a:lnSpc>
-                <a:spcPct val="90000"/>
-              </a:lnSpc>
-              <a:spcBef>
-                <a:spcPts val="500"/>
-              </a:spcBef>
-              <a:spcAft>
-                <a:spcPts val="0"/>
-              </a:spcAft>
-              <a:buClr>
-                <a:schemeClr val="dk1"/>
-              </a:buClr>
-              <a:buSzPts val="1800"/>
-              <a:buChar char="•"/>
-              <a:defRPr/>
-            </a:lvl7pPr>
-            <a:lvl8pPr marL="3657600" lvl="7" indent="-342900" algn="l">
-              <a:lnSpc>
-                <a:spcPct val="90000"/>
-              </a:lnSpc>
-              <a:spcBef>
-                <a:spcPts val="500"/>
-              </a:spcBef>
-              <a:spcAft>
-                <a:spcPts val="0"/>
-              </a:spcAft>
-              <a:buClr>
-                <a:schemeClr val="dk1"/>
-              </a:buClr>
-              <a:buSzPts val="1800"/>
-              <a:buChar char="•"/>
-              <a:defRPr/>
-            </a:lvl8pPr>
-            <a:lvl9pPr marL="4114800" lvl="8" indent="-342900" algn="l">
-              <a:lnSpc>
-                <a:spcPct val="90000"/>
-              </a:lnSpc>
-              <a:spcBef>
-                <a:spcPts val="500"/>
-              </a:spcBef>
-              <a:spcAft>
-                <a:spcPts val="0"/>
-              </a:spcAft>
-              <a:buClr>
-                <a:schemeClr val="dk1"/>
-              </a:buClr>
-              <a:buSzPts val="1800"/>
-              <a:buChar char="•"/>
-              <a:defRPr/>
-            </a:lvl9pPr>
-          </a:lstStyle>
-          <a:p>
-            <a:endParaRPr/>
-          </a:p>
-        </p:txBody>
-      </p:sp>
-      <p:sp>
-        <p:nvSpPr>
-          <p:cNvPr id="44" name="Google Shape;44;p20"/>
-          <p:cNvSpPr txBox="1">
-            <a:spLocks noGrp="1"/>
-          </p:cNvSpPr>
-          <p:nvPr>
-            <p:ph type="body" idx="3"/>
-          </p:nvPr>
-        </p:nvSpPr>
-        <p:spPr>
-          <a:xfrm>
-            <a:off x="6172200" y="1681163"/>
-            <a:ext cx="5183188" cy="823912"/>
-          </a:xfrm>
-          <a:prstGeom prst="rect">
-            <a:avLst/>
-          </a:prstGeom>
-          <a:noFill/>
-          <a:ln>
-            <a:noFill/>
-          </a:ln>
-        </p:spPr>
-        <p:txBody>
-          <a:bodyPr spcFirstLastPara="1" wrap="square" lIns="91425" tIns="45700" rIns="91425" bIns="45700" anchor="b" anchorCtr="0">
-            <a:normAutofit/>
-          </a:bodyPr>
-          <a:lstStyle>
-            <a:lvl1pPr marL="457200" lvl="0" indent="-228600" algn="l">
-              <a:lnSpc>
-                <a:spcPct val="90000"/>
-              </a:lnSpc>
-              <a:spcBef>
-                <a:spcPts val="1000"/>
-              </a:spcBef>
-              <a:spcAft>
-                <a:spcPts val="0"/>
-              </a:spcAft>
-              <a:buClr>
-                <a:schemeClr val="dk1"/>
-              </a:buClr>
-              <a:buSzPts val="2400"/>
-              <a:buNone/>
-              <a:defRPr sz="2400" b="1"/>
-            </a:lvl1pPr>
-            <a:lvl2pPr marL="914400" lvl="1" indent="-228600" algn="l">
-              <a:lnSpc>
-                <a:spcPct val="90000"/>
-              </a:lnSpc>
-              <a:spcBef>
-                <a:spcPts val="500"/>
-              </a:spcBef>
-              <a:spcAft>
-                <a:spcPts val="0"/>
-              </a:spcAft>
-              <a:buClr>
-                <a:schemeClr val="dk1"/>
-              </a:buClr>
-              <a:buSzPts val="2000"/>
-              <a:buNone/>
-              <a:defRPr sz="2000" b="1"/>
-            </a:lvl2pPr>
-            <a:lvl3pPr marL="1371600" lvl="2" indent="-228600" algn="l">
-              <a:lnSpc>
-                <a:spcPct val="90000"/>
-              </a:lnSpc>
-              <a:spcBef>
-                <a:spcPts val="500"/>
-              </a:spcBef>
-              <a:spcAft>
-                <a:spcPts val="0"/>
-              </a:spcAft>
-              <a:buClr>
-                <a:schemeClr val="dk1"/>
-              </a:buClr>
-              <a:buSzPts val="1800"/>
-              <a:buNone/>
-              <a:defRPr sz="1800" b="1"/>
-            </a:lvl3pPr>
-            <a:lvl4pPr marL="1828800" lvl="3" indent="-228600" algn="l">
-              <a:lnSpc>
-                <a:spcPct val="90000"/>
-              </a:lnSpc>
-              <a:spcBef>
-                <a:spcPts val="500"/>
-              </a:spcBef>
-              <a:spcAft>
-                <a:spcPts val="0"/>
-              </a:spcAft>
-              <a:buClr>
-                <a:schemeClr val="dk1"/>
-              </a:buClr>
-              <a:buSzPts val="1600"/>
-              <a:buNone/>
-              <a:defRPr sz="1600" b="1"/>
-            </a:lvl4pPr>
-            <a:lvl5pPr marL="2286000" lvl="4" indent="-228600" algn="l">
-              <a:lnSpc>
-                <a:spcPct val="90000"/>
-              </a:lnSpc>
-              <a:spcBef>
-                <a:spcPts val="500"/>
-              </a:spcBef>
-              <a:spcAft>
-                <a:spcPts val="0"/>
-              </a:spcAft>
-              <a:buClr>
-                <a:schemeClr val="dk1"/>
-              </a:buClr>
-              <a:buSzPts val="1600"/>
-              <a:buNone/>
-              <a:defRPr sz="1600" b="1"/>
-            </a:lvl5pPr>
-            <a:lvl6pPr marL="2743200" lvl="5" indent="-228600" algn="l">
-              <a:lnSpc>
-                <a:spcPct val="90000"/>
-              </a:lnSpc>
-              <a:spcBef>
-                <a:spcPts val="500"/>
-              </a:spcBef>
-              <a:spcAft>
-                <a:spcPts val="0"/>
-              </a:spcAft>
-              <a:buClr>
-                <a:schemeClr val="dk1"/>
-              </a:buClr>
-              <a:buSzPts val="1600"/>
-              <a:buNone/>
-              <a:defRPr sz="1600" b="1"/>
-            </a:lvl6pPr>
-            <a:lvl7pPr marL="3200400" lvl="6" indent="-228600" algn="l">
-              <a:lnSpc>
-                <a:spcPct val="90000"/>
-              </a:lnSpc>
-              <a:spcBef>
-                <a:spcPts val="500"/>
-              </a:spcBef>
-              <a:spcAft>
-                <a:spcPts val="0"/>
-              </a:spcAft>
-              <a:buClr>
-                <a:schemeClr val="dk1"/>
-              </a:buClr>
-              <a:buSzPts val="1600"/>
-              <a:buNone/>
-              <a:defRPr sz="1600" b="1"/>
-            </a:lvl7pPr>
-            <a:lvl8pPr marL="3657600" lvl="7" indent="-228600" algn="l">
-              <a:lnSpc>
-                <a:spcPct val="90000"/>
-              </a:lnSpc>
-              <a:spcBef>
-                <a:spcPts val="500"/>
-              </a:spcBef>
-              <a:spcAft>
-                <a:spcPts val="0"/>
-              </a:spcAft>
-              <a:buClr>
-                <a:schemeClr val="dk1"/>
-              </a:buClr>
-              <a:buSzPts val="1600"/>
-              <a:buNone/>
-              <a:defRPr sz="1600" b="1"/>
-            </a:lvl8pPr>
-            <a:lvl9pPr marL="4114800" lvl="8" indent="-228600" algn="l">
-              <a:lnSpc>
-                <a:spcPct val="90000"/>
-              </a:lnSpc>
-              <a:spcBef>
-                <a:spcPts val="500"/>
-              </a:spcBef>
-              <a:spcAft>
-                <a:spcPts val="0"/>
-              </a:spcAft>
-              <a:buClr>
-                <a:schemeClr val="dk1"/>
-              </a:buClr>
-              <a:buSzPts val="1600"/>
-              <a:buNone/>
-              <a:defRPr sz="1600" b="1"/>
-            </a:lvl9pPr>
-          </a:lstStyle>
-          <a:p>
-            <a:endParaRPr/>
-          </a:p>
-        </p:txBody>
-      </p:sp>
-      <p:sp>
-        <p:nvSpPr>
-          <p:cNvPr id="45" name="Google Shape;45;p20"/>
-          <p:cNvSpPr txBox="1">
-            <a:spLocks noGrp="1"/>
-          </p:cNvSpPr>
-          <p:nvPr>
-            <p:ph type="body" idx="4"/>
-          </p:nvPr>
-        </p:nvSpPr>
-        <p:spPr>
-          <a:xfrm>
-            <a:off x="6172200" y="2505075"/>
-            <a:ext cx="5183188" cy="3684588"/>
-          </a:xfrm>
-          <a:prstGeom prst="rect">
-            <a:avLst/>
-          </a:prstGeom>
-          <a:noFill/>
-          <a:ln>
-            <a:noFill/>
-          </a:ln>
-        </p:spPr>
-        <p:txBody>
-          <a:bodyPr spcFirstLastPara="1" wrap="square" lIns="91425" tIns="45700" rIns="91425" bIns="45700" anchor="t" anchorCtr="0">
-            <a:normAutofit/>
-          </a:bodyPr>
-          <a:lstStyle>
-            <a:lvl1pPr marL="457200" lvl="0" indent="-342900" algn="l">
-              <a:lnSpc>
-                <a:spcPct val="90000"/>
-              </a:lnSpc>
-              <a:spcBef>
-                <a:spcPts val="1000"/>
-              </a:spcBef>
-              <a:spcAft>
-                <a:spcPts val="0"/>
-              </a:spcAft>
-              <a:buClr>
-                <a:schemeClr val="dk1"/>
-              </a:buClr>
-              <a:buSzPts val="1800"/>
-              <a:buChar char="•"/>
-              <a:defRPr/>
-            </a:lvl1pPr>
-            <a:lvl2pPr marL="914400" lvl="1" indent="-342900" algn="l">
-              <a:lnSpc>
-                <a:spcPct val="90000"/>
-              </a:lnSpc>
-              <a:spcBef>
-                <a:spcPts val="500"/>
-              </a:spcBef>
-              <a:spcAft>
-                <a:spcPts val="0"/>
-              </a:spcAft>
-              <a:buClr>
-                <a:schemeClr val="dk1"/>
-              </a:buClr>
-              <a:buSzPts val="1800"/>
-              <a:buChar char="•"/>
-              <a:defRPr/>
-            </a:lvl2pPr>
-            <a:lvl3pPr marL="1371600" lvl="2" indent="-342900" algn="l">
-              <a:lnSpc>
-                <a:spcPct val="90000"/>
-              </a:lnSpc>
-              <a:spcBef>
-                <a:spcPts val="500"/>
-              </a:spcBef>
-              <a:spcAft>
-                <a:spcPts val="0"/>
-              </a:spcAft>
-              <a:buClr>
-                <a:schemeClr val="dk1"/>
-              </a:buClr>
-              <a:buSzPts val="1800"/>
-              <a:buChar char="•"/>
-              <a:defRPr/>
-            </a:lvl3pPr>
-            <a:lvl4pPr marL="1828800" lvl="3" indent="-342900" algn="l">
-              <a:lnSpc>
-                <a:spcPct val="90000"/>
-              </a:lnSpc>
-              <a:spcBef>
-                <a:spcPts val="500"/>
-              </a:spcBef>
-              <a:spcAft>
-                <a:spcPts val="0"/>
-              </a:spcAft>
-              <a:buClr>
-                <a:schemeClr val="dk1"/>
-              </a:buClr>
-              <a:buSzPts val="1800"/>
-              <a:buChar char="•"/>
-              <a:defRPr/>
-            </a:lvl4pPr>
-            <a:lvl5pPr marL="2286000" lvl="4" indent="-342900" algn="l">
-              <a:lnSpc>
-                <a:spcPct val="90000"/>
-              </a:lnSpc>
-              <a:spcBef>
-                <a:spcPts val="500"/>
-              </a:spcBef>
-              <a:spcAft>
-                <a:spcPts val="0"/>
-              </a:spcAft>
-              <a:buClr>
-                <a:schemeClr val="dk1"/>
-              </a:buClr>
-              <a:buSzPts val="1800"/>
-              <a:buChar char="•"/>
-              <a:defRPr/>
-            </a:lvl5pPr>
-            <a:lvl6pPr marL="2743200" lvl="5" indent="-342900" algn="l">
-              <a:lnSpc>
-                <a:spcPct val="90000"/>
-              </a:lnSpc>
-              <a:spcBef>
-                <a:spcPts val="500"/>
-              </a:spcBef>
-              <a:spcAft>
-                <a:spcPts val="0"/>
-              </a:spcAft>
-              <a:buClr>
-                <a:schemeClr val="dk1"/>
-              </a:buClr>
-              <a:buSzPts val="1800"/>
-              <a:buChar char="•"/>
-              <a:defRPr/>
-            </a:lvl6pPr>
-            <a:lvl7pPr marL="3200400" lvl="6" indent="-342900" algn="l">
-              <a:lnSpc>
-                <a:spcPct val="90000"/>
-              </a:lnSpc>
-              <a:spcBef>
-                <a:spcPts val="500"/>
-              </a:spcBef>
-              <a:spcAft>
-                <a:spcPts val="0"/>
-              </a:spcAft>
-              <a:buClr>
-                <a:schemeClr val="dk1"/>
-              </a:buClr>
-              <a:buSzPts val="1800"/>
-              <a:buChar char="•"/>
-              <a:defRPr/>
-            </a:lvl7pPr>
-            <a:lvl8pPr marL="3657600" lvl="7" indent="-342900" algn="l">
-              <a:lnSpc>
-                <a:spcPct val="90000"/>
-              </a:lnSpc>
-              <a:spcBef>
-                <a:spcPts val="500"/>
-              </a:spcBef>
-              <a:spcAft>
-                <a:spcPts val="0"/>
-              </a:spcAft>
-              <a:buClr>
-                <a:schemeClr val="dk1"/>
-              </a:buClr>
-              <a:buSzPts val="1800"/>
-              <a:buChar char="•"/>
-              <a:defRPr/>
-            </a:lvl8pPr>
-            <a:lvl9pPr marL="4114800" lvl="8" indent="-342900" algn="l">
-              <a:lnSpc>
-                <a:spcPct val="90000"/>
-              </a:lnSpc>
-              <a:spcBef>
-                <a:spcPts val="500"/>
-              </a:spcBef>
-              <a:spcAft>
-                <a:spcPts val="0"/>
-              </a:spcAft>
-              <a:buClr>
-                <a:schemeClr val="dk1"/>
-              </a:buClr>
-              <a:buSzPts val="1800"/>
-              <a:buChar char="•"/>
-              <a:defRPr/>
-            </a:lvl9pPr>
-          </a:lstStyle>
-          <a:p>
-            <a:endParaRPr/>
-          </a:p>
-        </p:txBody>
-      </p:sp>
-      <p:sp>
-        <p:nvSpPr>
-          <p:cNvPr id="46" name="Google Shape;46;p20"/>
-          <p:cNvSpPr txBox="1">
-            <a:spLocks noGrp="1"/>
-          </p:cNvSpPr>
-          <p:nvPr>
-            <p:ph type="dt" idx="10"/>
-          </p:nvPr>
-        </p:nvSpPr>
-        <p:spPr>
-          <a:xfrm>
-            <a:off x="838200" y="6356350"/>
-            <a:ext cx="2743200" cy="365125"/>
-          </a:xfrm>
-          <a:prstGeom prst="rect">
-            <a:avLst/>
-          </a:prstGeom>
-          <a:noFill/>
-          <a:ln>
-            <a:noFill/>
-          </a:ln>
-        </p:spPr>
-        <p:txBody>
-          <a:bodyPr spcFirstLastPara="1" wrap="square" lIns="91425" tIns="45700" rIns="91425" bIns="45700" anchor="ctr" anchorCtr="0">
-            <a:noAutofit/>
-          </a:bodyPr>
-          <a:lstStyle>
-            <a:lvl1pPr lvl="0" algn="l">
-              <a:lnSpc>
-                <a:spcPct val="100000"/>
-              </a:lnSpc>
-              <a:spcBef>
-                <a:spcPts val="0"/>
-              </a:spcBef>
-              <a:spcAft>
-                <a:spcPts val="0"/>
-              </a:spcAft>
-              <a:buSzPts val="1400"/>
-              <a:buNone/>
-              <a:defRPr/>
-            </a:lvl1pPr>
-            <a:lvl2pPr lvl="1" algn="l">
-              <a:lnSpc>
-                <a:spcPct val="100000"/>
-              </a:lnSpc>
-              <a:spcBef>
-                <a:spcPts val="0"/>
-              </a:spcBef>
-              <a:spcAft>
-                <a:spcPts val="0"/>
-              </a:spcAft>
-              <a:buSzPts val="1400"/>
-              <a:buNone/>
-              <a:defRPr/>
-            </a:lvl2pPr>
-            <a:lvl3pPr lvl="2" algn="l">
-              <a:lnSpc>
-                <a:spcPct val="100000"/>
-              </a:lnSpc>
-              <a:spcBef>
-                <a:spcPts val="0"/>
-              </a:spcBef>
-              <a:spcAft>
-                <a:spcPts val="0"/>
-              </a:spcAft>
-              <a:buSzPts val="1400"/>
-              <a:buNone/>
-              <a:defRPr/>
-            </a:lvl3pPr>
-            <a:lvl4pPr lvl="3" algn="l">
-              <a:lnSpc>
-                <a:spcPct val="100000"/>
-              </a:lnSpc>
-              <a:spcBef>
-                <a:spcPts val="0"/>
-              </a:spcBef>
-              <a:spcAft>
-                <a:spcPts val="0"/>
-              </a:spcAft>
-              <a:buSzPts val="1400"/>
-              <a:buNone/>
-              <a:defRPr/>
-            </a:lvl4pPr>
-            <a:lvl5pPr lvl="4" algn="l">
-              <a:lnSpc>
-                <a:spcPct val="100000"/>
-              </a:lnSpc>
-              <a:spcBef>
-                <a:spcPts val="0"/>
-              </a:spcBef>
-              <a:spcAft>
-                <a:spcPts val="0"/>
-              </a:spcAft>
-              <a:buSzPts val="1400"/>
-              <a:buNone/>
-              <a:defRPr/>
-            </a:lvl5pPr>
-            <a:lvl6pPr lvl="5" algn="l">
-              <a:lnSpc>
-                <a:spcPct val="100000"/>
-              </a:lnSpc>
-              <a:spcBef>
-                <a:spcPts val="0"/>
-              </a:spcBef>
-              <a:spcAft>
-                <a:spcPts val="0"/>
-              </a:spcAft>
-              <a:buSzPts val="1400"/>
-              <a:buNone/>
-              <a:defRPr/>
-            </a:lvl6pPr>
-            <a:lvl7pPr lvl="6" algn="l">
-              <a:lnSpc>
-                <a:spcPct val="100000"/>
-              </a:lnSpc>
-              <a:spcBef>
-                <a:spcPts val="0"/>
-              </a:spcBef>
-              <a:spcAft>
-                <a:spcPts val="0"/>
-              </a:spcAft>
-              <a:buSzPts val="1400"/>
-              <a:buNone/>
-              <a:defRPr/>
-            </a:lvl7pPr>
-            <a:lvl8pPr lvl="7" algn="l">
-              <a:lnSpc>
-                <a:spcPct val="100000"/>
-              </a:lnSpc>
-              <a:spcBef>
-                <a:spcPts val="0"/>
-              </a:spcBef>
-              <a:spcAft>
-                <a:spcPts val="0"/>
-              </a:spcAft>
-              <a:buSzPts val="1400"/>
-              <a:buNone/>
-              <a:defRPr/>
-            </a:lvl8pPr>
-            <a:lvl9pPr lvl="8" algn="l">
-              <a:lnSpc>
-                <a:spcPct val="100000"/>
-              </a:lnSpc>
-              <a:spcBef>
-                <a:spcPts val="0"/>
-              </a:spcBef>
-              <a:spcAft>
-                <a:spcPts val="0"/>
-              </a:spcAft>
-              <a:buSzPts val="1400"/>
-              <a:buNone/>
-              <a:defRPr/>
-            </a:lvl9pPr>
-          </a:lstStyle>
-          <a:p>
-            <a:endParaRPr/>
-          </a:p>
-        </p:txBody>
-      </p:sp>
-      <p:sp>
-        <p:nvSpPr>
-          <p:cNvPr id="47" name="Google Shape;47;p20"/>
-          <p:cNvSpPr txBox="1">
-            <a:spLocks noGrp="1"/>
-          </p:cNvSpPr>
-          <p:nvPr>
-            <p:ph type="ftr" idx="11"/>
-          </p:nvPr>
-        </p:nvSpPr>
-        <p:spPr>
-          <a:xfrm>
-            <a:off x="4038600" y="6356350"/>
-            <a:ext cx="4114800" cy="365125"/>
-          </a:xfrm>
-          <a:prstGeom prst="rect">
-            <a:avLst/>
-          </a:prstGeom>
-          <a:noFill/>
-          <a:ln>
-            <a:noFill/>
-          </a:ln>
-        </p:spPr>
-        <p:txBody>
-          <a:bodyPr spcFirstLastPara="1" wrap="square" lIns="91425" tIns="45700" rIns="91425" bIns="45700" anchor="ctr" anchorCtr="0">
-            <a:noAutofit/>
-          </a:bodyPr>
-          <a:lstStyle>
-            <a:lvl1pPr lvl="0" algn="ctr">
-              <a:lnSpc>
-                <a:spcPct val="100000"/>
-              </a:lnSpc>
-              <a:spcBef>
-                <a:spcPts val="0"/>
-              </a:spcBef>
-              <a:spcAft>
-                <a:spcPts val="0"/>
-              </a:spcAft>
-              <a:buSzPts val="1400"/>
-              <a:buNone/>
-              <a:defRPr/>
-            </a:lvl1pPr>
-            <a:lvl2pPr lvl="1" algn="l">
-              <a:lnSpc>
-                <a:spcPct val="100000"/>
-              </a:lnSpc>
-              <a:spcBef>
-                <a:spcPts val="0"/>
-              </a:spcBef>
-              <a:spcAft>
-                <a:spcPts val="0"/>
-              </a:spcAft>
-              <a:buSzPts val="1400"/>
-              <a:buNone/>
-              <a:defRPr/>
-            </a:lvl2pPr>
-            <a:lvl3pPr lvl="2" algn="l">
-              <a:lnSpc>
-                <a:spcPct val="100000"/>
-              </a:lnSpc>
-              <a:spcBef>
-                <a:spcPts val="0"/>
-              </a:spcBef>
-              <a:spcAft>
-                <a:spcPts val="0"/>
-              </a:spcAft>
-              <a:buSzPts val="1400"/>
-              <a:buNone/>
-              <a:defRPr/>
-            </a:lvl3pPr>
-            <a:lvl4pPr lvl="3" algn="l">
-              <a:lnSpc>
-                <a:spcPct val="100000"/>
-              </a:lnSpc>
-              <a:spcBef>
-                <a:spcPts val="0"/>
-              </a:spcBef>
-              <a:spcAft>
-                <a:spcPts val="0"/>
-              </a:spcAft>
-              <a:buSzPts val="1400"/>
-              <a:buNone/>
-              <a:defRPr/>
-            </a:lvl4pPr>
-            <a:lvl5pPr lvl="4" algn="l">
-              <a:lnSpc>
-                <a:spcPct val="100000"/>
-              </a:lnSpc>
-              <a:spcBef>
-                <a:spcPts val="0"/>
-              </a:spcBef>
-              <a:spcAft>
-                <a:spcPts val="0"/>
-              </a:spcAft>
-              <a:buSzPts val="1400"/>
-              <a:buNone/>
-              <a:defRPr/>
-            </a:lvl5pPr>
-            <a:lvl6pPr lvl="5" algn="l">
-              <a:lnSpc>
-                <a:spcPct val="100000"/>
-              </a:lnSpc>
-              <a:spcBef>
-                <a:spcPts val="0"/>
-              </a:spcBef>
-              <a:spcAft>
-                <a:spcPts val="0"/>
-              </a:spcAft>
-              <a:buSzPts val="1400"/>
-              <a:buNone/>
-              <a:defRPr/>
-            </a:lvl6pPr>
-            <a:lvl7pPr lvl="6" algn="l">
-              <a:lnSpc>
-                <a:spcPct val="100000"/>
-              </a:lnSpc>
-              <a:spcBef>
-                <a:spcPts val="0"/>
-              </a:spcBef>
-              <a:spcAft>
-                <a:spcPts val="0"/>
-              </a:spcAft>
-              <a:buSzPts val="1400"/>
-              <a:buNone/>
-              <a:defRPr/>
-            </a:lvl7pPr>
-            <a:lvl8pPr lvl="7" algn="l">
-              <a:lnSpc>
-                <a:spcPct val="100000"/>
-              </a:lnSpc>
-              <a:spcBef>
-                <a:spcPts val="0"/>
-              </a:spcBef>
-              <a:spcAft>
-                <a:spcPts val="0"/>
-              </a:spcAft>
-              <a:buSzPts val="1400"/>
-              <a:buNone/>
-              <a:defRPr/>
-            </a:lvl8pPr>
-            <a:lvl9pPr lvl="8" algn="l">
-              <a:lnSpc>
-                <a:spcPct val="100000"/>
-              </a:lnSpc>
-              <a:spcBef>
-                <a:spcPts val="0"/>
-              </a:spcBef>
-              <a:spcAft>
-                <a:spcPts val="0"/>
-              </a:spcAft>
-              <a:buSzPts val="1400"/>
-              <a:buNone/>
-              <a:defRPr/>
-            </a:lvl9pPr>
-          </a:lstStyle>
-          <a:p>
-            <a:endParaRPr/>
-          </a:p>
-        </p:txBody>
-      </p:sp>
-      <p:sp>
-        <p:nvSpPr>
-          <p:cNvPr id="48" name="Google Shape;48;p20"/>
-          <p:cNvSpPr txBox="1">
-            <a:spLocks noGrp="1"/>
-          </p:cNvSpPr>
-          <p:nvPr>
-            <p:ph type="sldNum" idx="12"/>
-          </p:nvPr>
-        </p:nvSpPr>
-        <p:spPr>
-          <a:xfrm>
-            <a:off x="8610600" y="6356350"/>
-            <a:ext cx="2743200" cy="365125"/>
-          </a:xfrm>
-          <a:prstGeom prst="rect">
-            <a:avLst/>
-          </a:prstGeom>
-          <a:noFill/>
-          <a:ln>
-            <a:noFill/>
-          </a:ln>
-        </p:spPr>
-        <p:txBody>
-          <a:bodyPr spcFirstLastPara="1" wrap="square" lIns="91425" tIns="45700" rIns="91425" bIns="45700" anchor="ctr" anchorCtr="0">
-            <a:noAutofit/>
-          </a:bodyPr>
-          <a:lstStyle>
-            <a:lvl1pPr marL="0" marR="0" lvl="0" indent="0" algn="r">
-              <a:lnSpc>
-                <a:spcPct val="100000"/>
-              </a:lnSpc>
-              <a:spcBef>
-                <a:spcPts val="0"/>
-              </a:spcBef>
-              <a:spcAft>
-                <a:spcPts val="0"/>
-              </a:spcAft>
-              <a:buClr>
-                <a:srgbClr val="000000"/>
-              </a:buClr>
-              <a:buSzPts val="1200"/>
-              <a:buFont typeface="Arial"/>
-              <a:buNone/>
-              <a:defRPr sz="1200" b="0" i="0" u="none" strike="noStrike" cap="none">
-                <a:solidFill>
-                  <a:srgbClr val="888888"/>
-                </a:solidFill>
-                <a:latin typeface="Calibri"/>
-                <a:ea typeface="Calibri"/>
-                <a:cs typeface="Calibri"/>
-                <a:sym typeface="Calibri"/>
-              </a:defRPr>
-            </a:lvl1pPr>
-            <a:lvl2pPr marL="0" marR="0" lvl="1" indent="0" algn="r">
-              <a:lnSpc>
-                <a:spcPct val="100000"/>
-              </a:lnSpc>
-              <a:spcBef>
-                <a:spcPts val="0"/>
-              </a:spcBef>
-              <a:spcAft>
-                <a:spcPts val="0"/>
-              </a:spcAft>
-              <a:buClr>
-                <a:srgbClr val="000000"/>
-              </a:buClr>
-              <a:buSzPts val="1200"/>
-              <a:buFont typeface="Arial"/>
-              <a:buNone/>
-              <a:defRPr sz="1200" b="0" i="0" u="none" strike="noStrike" cap="none">
-                <a:solidFill>
-                  <a:srgbClr val="888888"/>
-                </a:solidFill>
-                <a:latin typeface="Calibri"/>
-                <a:ea typeface="Calibri"/>
-                <a:cs typeface="Calibri"/>
-                <a:sym typeface="Calibri"/>
-              </a:defRPr>
-            </a:lvl2pPr>
-            <a:lvl3pPr marL="0" marR="0" lvl="2" indent="0" algn="r">
-              <a:lnSpc>
-                <a:spcPct val="100000"/>
-              </a:lnSpc>
-              <a:spcBef>
-                <a:spcPts val="0"/>
-              </a:spcBef>
-              <a:spcAft>
-                <a:spcPts val="0"/>
-              </a:spcAft>
-              <a:buClr>
-                <a:srgbClr val="000000"/>
-              </a:buClr>
-              <a:buSzPts val="1200"/>
-              <a:buFont typeface="Arial"/>
-              <a:buNone/>
-              <a:defRPr sz="1200" b="0" i="0" u="none" strike="noStrike" cap="none">
-                <a:solidFill>
-                  <a:srgbClr val="888888"/>
-                </a:solidFill>
-                <a:latin typeface="Calibri"/>
-                <a:ea typeface="Calibri"/>
-                <a:cs typeface="Calibri"/>
-                <a:sym typeface="Calibri"/>
-              </a:defRPr>
-            </a:lvl3pPr>
-            <a:lvl4pPr marL="0" marR="0" lvl="3" indent="0" algn="r">
-              <a:lnSpc>
-                <a:spcPct val="100000"/>
-              </a:lnSpc>
-              <a:spcBef>
-                <a:spcPts val="0"/>
-              </a:spcBef>
-              <a:spcAft>
-                <a:spcPts val="0"/>
-              </a:spcAft>
-              <a:buClr>
-                <a:srgbClr val="000000"/>
-              </a:buClr>
-              <a:buSzPts val="1200"/>
-              <a:buFont typeface="Arial"/>
-              <a:buNone/>
-              <a:defRPr sz="1200" b="0" i="0" u="none" strike="noStrike" cap="none">
-                <a:solidFill>
-                  <a:srgbClr val="888888"/>
-                </a:solidFill>
-                <a:latin typeface="Calibri"/>
-                <a:ea typeface="Calibri"/>
-                <a:cs typeface="Calibri"/>
-                <a:sym typeface="Calibri"/>
-              </a:defRPr>
-            </a:lvl4pPr>
-            <a:lvl5pPr marL="0" marR="0" lvl="4" indent="0" algn="r">
-              <a:lnSpc>
-                <a:spcPct val="100000"/>
-              </a:lnSpc>
-              <a:spcBef>
-                <a:spcPts val="0"/>
-              </a:spcBef>
-              <a:spcAft>
-                <a:spcPts val="0"/>
-              </a:spcAft>
-              <a:buClr>
-                <a:srgbClr val="000000"/>
-              </a:buClr>
-              <a:buSzPts val="1200"/>
-              <a:buFont typeface="Arial"/>
-              <a:buNone/>
-              <a:defRPr sz="1200" b="0" i="0" u="none" strike="noStrike" cap="none">
-                <a:solidFill>
-                  <a:srgbClr val="888888"/>
-                </a:solidFill>
-                <a:latin typeface="Calibri"/>
-                <a:ea typeface="Calibri"/>
-                <a:cs typeface="Calibri"/>
-                <a:sym typeface="Calibri"/>
-              </a:defRPr>
-            </a:lvl5pPr>
-            <a:lvl6pPr marL="0" marR="0" lvl="5" indent="0" algn="r">
-              <a:lnSpc>
-                <a:spcPct val="100000"/>
-              </a:lnSpc>
-              <a:spcBef>
-                <a:spcPts val="0"/>
-              </a:spcBef>
-              <a:spcAft>
-                <a:spcPts val="0"/>
-              </a:spcAft>
-              <a:buClr>
-                <a:srgbClr val="000000"/>
-              </a:buClr>
-              <a:buSzPts val="1200"/>
-              <a:buFont typeface="Arial"/>
-              <a:buNone/>
-              <a:defRPr sz="1200" b="0" i="0" u="none" strike="noStrike" cap="none">
-                <a:solidFill>
-                  <a:srgbClr val="888888"/>
-                </a:solidFill>
-                <a:latin typeface="Calibri"/>
-                <a:ea typeface="Calibri"/>
-                <a:cs typeface="Calibri"/>
-                <a:sym typeface="Calibri"/>
-              </a:defRPr>
-            </a:lvl6pPr>
-            <a:lvl7pPr marL="0" marR="0" lvl="6" indent="0" algn="r">
-              <a:lnSpc>
-                <a:spcPct val="100000"/>
-              </a:lnSpc>
-              <a:spcBef>
-                <a:spcPts val="0"/>
-              </a:spcBef>
-              <a:spcAft>
-                <a:spcPts val="0"/>
-              </a:spcAft>
-              <a:buClr>
-                <a:srgbClr val="000000"/>
-              </a:buClr>
-              <a:buSzPts val="1200"/>
-              <a:buFont typeface="Arial"/>
-              <a:buNone/>
-              <a:defRPr sz="1200" b="0" i="0" u="none" strike="noStrike" cap="none">
-                <a:solidFill>
-                  <a:srgbClr val="888888"/>
-                </a:solidFill>
-                <a:latin typeface="Calibri"/>
-                <a:ea typeface="Calibri"/>
-                <a:cs typeface="Calibri"/>
-                <a:sym typeface="Calibri"/>
-              </a:defRPr>
-            </a:lvl7pPr>
-            <a:lvl8pPr marL="0" marR="0" lvl="7" indent="0" algn="r">
-              <a:lnSpc>
-                <a:spcPct val="100000"/>
-              </a:lnSpc>
-              <a:spcBef>
-                <a:spcPts val="0"/>
-              </a:spcBef>
-              <a:spcAft>
-                <a:spcPts val="0"/>
-              </a:spcAft>
-              <a:buClr>
-                <a:srgbClr val="000000"/>
-              </a:buClr>
-              <a:buSzPts val="1200"/>
-              <a:buFont typeface="Arial"/>
-              <a:buNone/>
-              <a:defRPr sz="1200" b="0" i="0" u="none" strike="noStrike" cap="none">
-                <a:solidFill>
-                  <a:srgbClr val="888888"/>
-                </a:solidFill>
-                <a:latin typeface="Calibri"/>
-                <a:ea typeface="Calibri"/>
-                <a:cs typeface="Calibri"/>
-                <a:sym typeface="Calibri"/>
-              </a:defRPr>
-            </a:lvl8pPr>
-            <a:lvl9pPr marL="0" marR="0" lvl="8" indent="0" algn="r">
-              <a:lnSpc>
-                <a:spcPct val="100000"/>
-              </a:lnSpc>
-              <a:spcBef>
-                <a:spcPts val="0"/>
-              </a:spcBef>
-              <a:spcAft>
-                <a:spcPts val="0"/>
-              </a:spcAft>
-              <a:buClr>
-                <a:srgbClr val="000000"/>
-              </a:buClr>
-              <a:buSzPts val="1200"/>
-              <a:buFont typeface="Arial"/>
-              <a:buNone/>
-              <a:defRPr sz="1200" b="0" i="0" u="none" strike="noStrike" cap="none">
-                <a:solidFill>
-                  <a:srgbClr val="888888"/>
-                </a:solidFill>
-                <a:latin typeface="Calibri"/>
-                <a:ea typeface="Calibri"/>
-                <a:cs typeface="Calibri"/>
-                <a:sym typeface="Calibri"/>
-              </a:defRPr>
-            </a:lvl9pPr>
-          </a:lstStyle>
-          <a:p>
-            <a:pPr marL="0" lvl="0" indent="0" algn="r" rtl="0">
-              <a:spcBef>
-                <a:spcPts val="0"/>
-              </a:spcBef>
-              <a:spcAft>
-                <a:spcPts val="0"/>
-              </a:spcAft>
-              <a:buNone/>
-            </a:pPr>
-            <a:fld id="{00000000-1234-1234-1234-123412341234}" type="slidenum">
-              <a:rPr lang="en-ZA"/>
-              <a:t>‹#›</a:t>
-            </a:fld>
-            <a:endParaRPr/>
-          </a:p>
-        </p:txBody>
-      </p:sp>
-    </p:spTree>
-  </p:cSld>
-  <p:clrMapOvr>
-    <a:masterClrMapping/>
-  </p:clrMapOvr>
-</p:sldLayout>
-</file>
-
-<file path=ppt/slideLayouts/slideLayout5.xml><?xml version="1.0" encoding="utf-8"?>
 <p:sldLayout xmlns:a="http://schemas.openxmlformats.org/drawingml/2006/main" xmlns:r="http://schemas.openxmlformats.org/officeDocument/2006/relationships" xmlns:p="http://schemas.openxmlformats.org/presentationml/2006/main" matchingName="Title Only" type="titleOnly">
   <p:cSld name="TITLE_ONLY">
     <p:spTree>
@@ -10857,7 +7179,7 @@
 </p:sldLayout>
 </file>
 
-<file path=ppt/slideLayouts/slideLayout6.xml><?xml version="1.0" encoding="utf-8"?>
+<file path=ppt/slideLayouts/slideLayout4.xml><?xml version="1.0" encoding="utf-8"?>
 <p:sldLayout xmlns:a="http://schemas.openxmlformats.org/drawingml/2006/main" xmlns:r="http://schemas.openxmlformats.org/officeDocument/2006/relationships" xmlns:p="http://schemas.openxmlformats.org/presentationml/2006/main" matchingName="Blank" type="blank">
   <p:cSld name="BLANK">
     <p:spTree>
@@ -11483,7 +7805,7 @@
 </p:sldLayout>
 </file>
 
-<file path=ppt/slideLayouts/slideLayout7.xml><?xml version="1.0" encoding="utf-8"?>
+<file path=ppt/slideLayouts/slideLayout5.xml><?xml version="1.0" encoding="utf-8"?>
 <p:sldLayout xmlns:a="http://schemas.openxmlformats.org/drawingml/2006/main" xmlns:r="http://schemas.openxmlformats.org/officeDocument/2006/relationships" xmlns:p="http://schemas.openxmlformats.org/presentationml/2006/main" matchingName="Content with Caption" type="objTx">
   <p:cSld name="OBJECT_WITH_CAPTION_TEXT">
     <p:spTree>
@@ -12647,7 +8969,7 @@
 </p:sldLayout>
 </file>
 
-<file path=ppt/slideLayouts/slideLayout8.xml><?xml version="1.0" encoding="utf-8"?>
+<file path=ppt/slideLayouts/slideLayout6.xml><?xml version="1.0" encoding="utf-8"?>
 <p:sldLayout xmlns:a="http://schemas.openxmlformats.org/drawingml/2006/main" xmlns:r="http://schemas.openxmlformats.org/officeDocument/2006/relationships" xmlns:p="http://schemas.openxmlformats.org/presentationml/2006/main" matchingName="Picture with Caption" type="picTx">
   <p:cSld name="PICTURE_WITH_CAPTION_TEXT">
     <p:spTree>
@@ -13648,7 +9970,7 @@
 </p:sldLayout>
 </file>
 
-<file path=ppt/slideLayouts/slideLayout9.xml><?xml version="1.0" encoding="utf-8"?>
+<file path=ppt/slideLayouts/slideLayout7.xml><?xml version="1.0" encoding="utf-8"?>
 <p:sldLayout xmlns:a="http://schemas.openxmlformats.org/drawingml/2006/main" xmlns:r="http://schemas.openxmlformats.org/officeDocument/2006/relationships" xmlns:p="http://schemas.openxmlformats.org/presentationml/2006/main" matchingName="Title and Vertical Text" type="vertTx">
   <p:cSld name="VERTICAL_TEXT">
     <p:spTree>
@@ -14621,6 +10943,1108 @@
   <p:clrMapOvr>
     <a:masterClrMapping/>
   </p:clrMapOvr>
+</p:sldLayout>
+</file>
+
+<file path=ppt/slideLayouts/slideLayout8.xml><?xml version="1.0" encoding="utf-8"?>
+<p:sldLayout xmlns:a="http://schemas.openxmlformats.org/drawingml/2006/main" xmlns:r="http://schemas.openxmlformats.org/officeDocument/2006/relationships" xmlns:p="http://schemas.openxmlformats.org/presentationml/2006/main" matchingName="Vertical Title and Text" type="vertTitleAndTx">
+  <p:cSld name="VERTICAL_TITLE_AND_VERTICAL_TEXT">
+    <p:spTree>
+      <p:nvGrpSpPr>
+        <p:cNvPr id="1" name="Shape 78"/>
+        <p:cNvGrpSpPr/>
+        <p:nvPr/>
+      </p:nvGrpSpPr>
+      <p:grpSpPr>
+        <a:xfrm>
+          <a:off x="0" y="0"/>
+          <a:ext cx="0" cy="0"/>
+          <a:chOff x="0" y="0"/>
+          <a:chExt cx="0" cy="0"/>
+        </a:xfrm>
+      </p:grpSpPr>
+      <p:sp>
+        <p:nvSpPr>
+          <p:cNvPr id="79" name="Google Shape;79;p26"/>
+          <p:cNvSpPr txBox="1">
+            <a:spLocks noGrp="1"/>
+          </p:cNvSpPr>
+          <p:nvPr>
+            <p:ph type="title"/>
+          </p:nvPr>
+        </p:nvSpPr>
+        <p:spPr>
+          <a:xfrm rot="5400000">
+            <a:off x="7133431" y="1956594"/>
+            <a:ext cx="5811838" cy="2628900"/>
+          </a:xfrm>
+          <a:prstGeom prst="rect">
+            <a:avLst/>
+          </a:prstGeom>
+          <a:noFill/>
+          <a:ln>
+            <a:noFill/>
+          </a:ln>
+        </p:spPr>
+        <p:txBody>
+          <a:bodyPr spcFirstLastPara="1" wrap="square" lIns="91425" tIns="45700" rIns="91425" bIns="45700" anchor="ctr" anchorCtr="0">
+            <a:normAutofit/>
+          </a:bodyPr>
+          <a:lstStyle>
+            <a:lvl1pPr lvl="0" algn="l">
+              <a:lnSpc>
+                <a:spcPct val="90000"/>
+              </a:lnSpc>
+              <a:spcBef>
+                <a:spcPts val="0"/>
+              </a:spcBef>
+              <a:spcAft>
+                <a:spcPts val="0"/>
+              </a:spcAft>
+              <a:buClr>
+                <a:schemeClr val="dk1"/>
+              </a:buClr>
+              <a:buSzPts val="1800"/>
+              <a:buNone/>
+              <a:defRPr/>
+            </a:lvl1pPr>
+            <a:lvl2pPr lvl="1" algn="l">
+              <a:lnSpc>
+                <a:spcPct val="100000"/>
+              </a:lnSpc>
+              <a:spcBef>
+                <a:spcPts val="0"/>
+              </a:spcBef>
+              <a:spcAft>
+                <a:spcPts val="0"/>
+              </a:spcAft>
+              <a:buSzPts val="1400"/>
+              <a:buNone/>
+              <a:defRPr/>
+            </a:lvl2pPr>
+            <a:lvl3pPr lvl="2" algn="l">
+              <a:lnSpc>
+                <a:spcPct val="100000"/>
+              </a:lnSpc>
+              <a:spcBef>
+                <a:spcPts val="0"/>
+              </a:spcBef>
+              <a:spcAft>
+                <a:spcPts val="0"/>
+              </a:spcAft>
+              <a:buSzPts val="1400"/>
+              <a:buNone/>
+              <a:defRPr/>
+            </a:lvl3pPr>
+            <a:lvl4pPr lvl="3" algn="l">
+              <a:lnSpc>
+                <a:spcPct val="100000"/>
+              </a:lnSpc>
+              <a:spcBef>
+                <a:spcPts val="0"/>
+              </a:spcBef>
+              <a:spcAft>
+                <a:spcPts val="0"/>
+              </a:spcAft>
+              <a:buSzPts val="1400"/>
+              <a:buNone/>
+              <a:defRPr/>
+            </a:lvl4pPr>
+            <a:lvl5pPr lvl="4" algn="l">
+              <a:lnSpc>
+                <a:spcPct val="100000"/>
+              </a:lnSpc>
+              <a:spcBef>
+                <a:spcPts val="0"/>
+              </a:spcBef>
+              <a:spcAft>
+                <a:spcPts val="0"/>
+              </a:spcAft>
+              <a:buSzPts val="1400"/>
+              <a:buNone/>
+              <a:defRPr/>
+            </a:lvl5pPr>
+            <a:lvl6pPr lvl="5" algn="l">
+              <a:lnSpc>
+                <a:spcPct val="100000"/>
+              </a:lnSpc>
+              <a:spcBef>
+                <a:spcPts val="0"/>
+              </a:spcBef>
+              <a:spcAft>
+                <a:spcPts val="0"/>
+              </a:spcAft>
+              <a:buSzPts val="1400"/>
+              <a:buNone/>
+              <a:defRPr/>
+            </a:lvl6pPr>
+            <a:lvl7pPr lvl="6" algn="l">
+              <a:lnSpc>
+                <a:spcPct val="100000"/>
+              </a:lnSpc>
+              <a:spcBef>
+                <a:spcPts val="0"/>
+              </a:spcBef>
+              <a:spcAft>
+                <a:spcPts val="0"/>
+              </a:spcAft>
+              <a:buSzPts val="1400"/>
+              <a:buNone/>
+              <a:defRPr/>
+            </a:lvl7pPr>
+            <a:lvl8pPr lvl="7" algn="l">
+              <a:lnSpc>
+                <a:spcPct val="100000"/>
+              </a:lnSpc>
+              <a:spcBef>
+                <a:spcPts val="0"/>
+              </a:spcBef>
+              <a:spcAft>
+                <a:spcPts val="0"/>
+              </a:spcAft>
+              <a:buSzPts val="1400"/>
+              <a:buNone/>
+              <a:defRPr/>
+            </a:lvl8pPr>
+            <a:lvl9pPr lvl="8" algn="l">
+              <a:lnSpc>
+                <a:spcPct val="100000"/>
+              </a:lnSpc>
+              <a:spcBef>
+                <a:spcPts val="0"/>
+              </a:spcBef>
+              <a:spcAft>
+                <a:spcPts val="0"/>
+              </a:spcAft>
+              <a:buSzPts val="1400"/>
+              <a:buNone/>
+              <a:defRPr/>
+            </a:lvl9pPr>
+          </a:lstStyle>
+          <a:p>
+            <a:endParaRPr/>
+          </a:p>
+        </p:txBody>
+      </p:sp>
+      <p:sp>
+        <p:nvSpPr>
+          <p:cNvPr id="80" name="Google Shape;80;p26"/>
+          <p:cNvSpPr txBox="1">
+            <a:spLocks noGrp="1"/>
+          </p:cNvSpPr>
+          <p:nvPr>
+            <p:ph type="body" idx="1"/>
+          </p:nvPr>
+        </p:nvSpPr>
+        <p:spPr>
+          <a:xfrm rot="5400000">
+            <a:off x="1799431" y="-596106"/>
+            <a:ext cx="5811838" cy="7734300"/>
+          </a:xfrm>
+          <a:prstGeom prst="rect">
+            <a:avLst/>
+          </a:prstGeom>
+          <a:noFill/>
+          <a:ln>
+            <a:noFill/>
+          </a:ln>
+        </p:spPr>
+        <p:txBody>
+          <a:bodyPr spcFirstLastPara="1" wrap="square" lIns="91425" tIns="45700" rIns="91425" bIns="45700" anchor="t" anchorCtr="0">
+            <a:normAutofit/>
+          </a:bodyPr>
+          <a:lstStyle>
+            <a:lvl1pPr marL="457200" lvl="0" indent="-342900" algn="l">
+              <a:lnSpc>
+                <a:spcPct val="90000"/>
+              </a:lnSpc>
+              <a:spcBef>
+                <a:spcPts val="1000"/>
+              </a:spcBef>
+              <a:spcAft>
+                <a:spcPts val="0"/>
+              </a:spcAft>
+              <a:buClr>
+                <a:schemeClr val="dk1"/>
+              </a:buClr>
+              <a:buSzPts val="1800"/>
+              <a:buChar char="•"/>
+              <a:defRPr/>
+            </a:lvl1pPr>
+            <a:lvl2pPr marL="914400" lvl="1" indent="-342900" algn="l">
+              <a:lnSpc>
+                <a:spcPct val="90000"/>
+              </a:lnSpc>
+              <a:spcBef>
+                <a:spcPts val="500"/>
+              </a:spcBef>
+              <a:spcAft>
+                <a:spcPts val="0"/>
+              </a:spcAft>
+              <a:buClr>
+                <a:schemeClr val="dk1"/>
+              </a:buClr>
+              <a:buSzPts val="1800"/>
+              <a:buChar char="•"/>
+              <a:defRPr/>
+            </a:lvl2pPr>
+            <a:lvl3pPr marL="1371600" lvl="2" indent="-342900" algn="l">
+              <a:lnSpc>
+                <a:spcPct val="90000"/>
+              </a:lnSpc>
+              <a:spcBef>
+                <a:spcPts val="500"/>
+              </a:spcBef>
+              <a:spcAft>
+                <a:spcPts val="0"/>
+              </a:spcAft>
+              <a:buClr>
+                <a:schemeClr val="dk1"/>
+              </a:buClr>
+              <a:buSzPts val="1800"/>
+              <a:buChar char="•"/>
+              <a:defRPr/>
+            </a:lvl3pPr>
+            <a:lvl4pPr marL="1828800" lvl="3" indent="-342900" algn="l">
+              <a:lnSpc>
+                <a:spcPct val="90000"/>
+              </a:lnSpc>
+              <a:spcBef>
+                <a:spcPts val="500"/>
+              </a:spcBef>
+              <a:spcAft>
+                <a:spcPts val="0"/>
+              </a:spcAft>
+              <a:buClr>
+                <a:schemeClr val="dk1"/>
+              </a:buClr>
+              <a:buSzPts val="1800"/>
+              <a:buChar char="•"/>
+              <a:defRPr/>
+            </a:lvl4pPr>
+            <a:lvl5pPr marL="2286000" lvl="4" indent="-342900" algn="l">
+              <a:lnSpc>
+                <a:spcPct val="90000"/>
+              </a:lnSpc>
+              <a:spcBef>
+                <a:spcPts val="500"/>
+              </a:spcBef>
+              <a:spcAft>
+                <a:spcPts val="0"/>
+              </a:spcAft>
+              <a:buClr>
+                <a:schemeClr val="dk1"/>
+              </a:buClr>
+              <a:buSzPts val="1800"/>
+              <a:buChar char="•"/>
+              <a:defRPr/>
+            </a:lvl5pPr>
+            <a:lvl6pPr marL="2743200" lvl="5" indent="-342900" algn="l">
+              <a:lnSpc>
+                <a:spcPct val="90000"/>
+              </a:lnSpc>
+              <a:spcBef>
+                <a:spcPts val="500"/>
+              </a:spcBef>
+              <a:spcAft>
+                <a:spcPts val="0"/>
+              </a:spcAft>
+              <a:buClr>
+                <a:schemeClr val="dk1"/>
+              </a:buClr>
+              <a:buSzPts val="1800"/>
+              <a:buChar char="•"/>
+              <a:defRPr/>
+            </a:lvl6pPr>
+            <a:lvl7pPr marL="3200400" lvl="6" indent="-342900" algn="l">
+              <a:lnSpc>
+                <a:spcPct val="90000"/>
+              </a:lnSpc>
+              <a:spcBef>
+                <a:spcPts val="500"/>
+              </a:spcBef>
+              <a:spcAft>
+                <a:spcPts val="0"/>
+              </a:spcAft>
+              <a:buClr>
+                <a:schemeClr val="dk1"/>
+              </a:buClr>
+              <a:buSzPts val="1800"/>
+              <a:buChar char="•"/>
+              <a:defRPr/>
+            </a:lvl7pPr>
+            <a:lvl8pPr marL="3657600" lvl="7" indent="-342900" algn="l">
+              <a:lnSpc>
+                <a:spcPct val="90000"/>
+              </a:lnSpc>
+              <a:spcBef>
+                <a:spcPts val="500"/>
+              </a:spcBef>
+              <a:spcAft>
+                <a:spcPts val="0"/>
+              </a:spcAft>
+              <a:buClr>
+                <a:schemeClr val="dk1"/>
+              </a:buClr>
+              <a:buSzPts val="1800"/>
+              <a:buChar char="•"/>
+              <a:defRPr/>
+            </a:lvl8pPr>
+            <a:lvl9pPr marL="4114800" lvl="8" indent="-342900" algn="l">
+              <a:lnSpc>
+                <a:spcPct val="90000"/>
+              </a:lnSpc>
+              <a:spcBef>
+                <a:spcPts val="500"/>
+              </a:spcBef>
+              <a:spcAft>
+                <a:spcPts val="0"/>
+              </a:spcAft>
+              <a:buClr>
+                <a:schemeClr val="dk1"/>
+              </a:buClr>
+              <a:buSzPts val="1800"/>
+              <a:buChar char="•"/>
+              <a:defRPr/>
+            </a:lvl9pPr>
+          </a:lstStyle>
+          <a:p>
+            <a:endParaRPr/>
+          </a:p>
+        </p:txBody>
+      </p:sp>
+      <p:sp>
+        <p:nvSpPr>
+          <p:cNvPr id="81" name="Google Shape;81;p26"/>
+          <p:cNvSpPr txBox="1">
+            <a:spLocks noGrp="1"/>
+          </p:cNvSpPr>
+          <p:nvPr>
+            <p:ph type="dt" idx="10"/>
+          </p:nvPr>
+        </p:nvSpPr>
+        <p:spPr>
+          <a:xfrm>
+            <a:off x="838200" y="6356350"/>
+            <a:ext cx="2743200" cy="365125"/>
+          </a:xfrm>
+          <a:prstGeom prst="rect">
+            <a:avLst/>
+          </a:prstGeom>
+          <a:noFill/>
+          <a:ln>
+            <a:noFill/>
+          </a:ln>
+        </p:spPr>
+        <p:txBody>
+          <a:bodyPr spcFirstLastPara="1" wrap="square" lIns="91425" tIns="45700" rIns="91425" bIns="45700" anchor="ctr" anchorCtr="0">
+            <a:noAutofit/>
+          </a:bodyPr>
+          <a:lstStyle>
+            <a:lvl1pPr lvl="0" algn="l">
+              <a:lnSpc>
+                <a:spcPct val="100000"/>
+              </a:lnSpc>
+              <a:spcBef>
+                <a:spcPts val="0"/>
+              </a:spcBef>
+              <a:spcAft>
+                <a:spcPts val="0"/>
+              </a:spcAft>
+              <a:buSzPts val="1400"/>
+              <a:buNone/>
+              <a:defRPr/>
+            </a:lvl1pPr>
+            <a:lvl2pPr lvl="1" algn="l">
+              <a:lnSpc>
+                <a:spcPct val="100000"/>
+              </a:lnSpc>
+              <a:spcBef>
+                <a:spcPts val="0"/>
+              </a:spcBef>
+              <a:spcAft>
+                <a:spcPts val="0"/>
+              </a:spcAft>
+              <a:buSzPts val="1400"/>
+              <a:buNone/>
+              <a:defRPr/>
+            </a:lvl2pPr>
+            <a:lvl3pPr lvl="2" algn="l">
+              <a:lnSpc>
+                <a:spcPct val="100000"/>
+              </a:lnSpc>
+              <a:spcBef>
+                <a:spcPts val="0"/>
+              </a:spcBef>
+              <a:spcAft>
+                <a:spcPts val="0"/>
+              </a:spcAft>
+              <a:buSzPts val="1400"/>
+              <a:buNone/>
+              <a:defRPr/>
+            </a:lvl3pPr>
+            <a:lvl4pPr lvl="3" algn="l">
+              <a:lnSpc>
+                <a:spcPct val="100000"/>
+              </a:lnSpc>
+              <a:spcBef>
+                <a:spcPts val="0"/>
+              </a:spcBef>
+              <a:spcAft>
+                <a:spcPts val="0"/>
+              </a:spcAft>
+              <a:buSzPts val="1400"/>
+              <a:buNone/>
+              <a:defRPr/>
+            </a:lvl4pPr>
+            <a:lvl5pPr lvl="4" algn="l">
+              <a:lnSpc>
+                <a:spcPct val="100000"/>
+              </a:lnSpc>
+              <a:spcBef>
+                <a:spcPts val="0"/>
+              </a:spcBef>
+              <a:spcAft>
+                <a:spcPts val="0"/>
+              </a:spcAft>
+              <a:buSzPts val="1400"/>
+              <a:buNone/>
+              <a:defRPr/>
+            </a:lvl5pPr>
+            <a:lvl6pPr lvl="5" algn="l">
+              <a:lnSpc>
+                <a:spcPct val="100000"/>
+              </a:lnSpc>
+              <a:spcBef>
+                <a:spcPts val="0"/>
+              </a:spcBef>
+              <a:spcAft>
+                <a:spcPts val="0"/>
+              </a:spcAft>
+              <a:buSzPts val="1400"/>
+              <a:buNone/>
+              <a:defRPr/>
+            </a:lvl6pPr>
+            <a:lvl7pPr lvl="6" algn="l">
+              <a:lnSpc>
+                <a:spcPct val="100000"/>
+              </a:lnSpc>
+              <a:spcBef>
+                <a:spcPts val="0"/>
+              </a:spcBef>
+              <a:spcAft>
+                <a:spcPts val="0"/>
+              </a:spcAft>
+              <a:buSzPts val="1400"/>
+              <a:buNone/>
+              <a:defRPr/>
+            </a:lvl7pPr>
+            <a:lvl8pPr lvl="7" algn="l">
+              <a:lnSpc>
+                <a:spcPct val="100000"/>
+              </a:lnSpc>
+              <a:spcBef>
+                <a:spcPts val="0"/>
+              </a:spcBef>
+              <a:spcAft>
+                <a:spcPts val="0"/>
+              </a:spcAft>
+              <a:buSzPts val="1400"/>
+              <a:buNone/>
+              <a:defRPr/>
+            </a:lvl8pPr>
+            <a:lvl9pPr lvl="8" algn="l">
+              <a:lnSpc>
+                <a:spcPct val="100000"/>
+              </a:lnSpc>
+              <a:spcBef>
+                <a:spcPts val="0"/>
+              </a:spcBef>
+              <a:spcAft>
+                <a:spcPts val="0"/>
+              </a:spcAft>
+              <a:buSzPts val="1400"/>
+              <a:buNone/>
+              <a:defRPr/>
+            </a:lvl9pPr>
+          </a:lstStyle>
+          <a:p>
+            <a:endParaRPr/>
+          </a:p>
+        </p:txBody>
+      </p:sp>
+      <p:sp>
+        <p:nvSpPr>
+          <p:cNvPr id="82" name="Google Shape;82;p26"/>
+          <p:cNvSpPr txBox="1">
+            <a:spLocks noGrp="1"/>
+          </p:cNvSpPr>
+          <p:nvPr>
+            <p:ph type="ftr" idx="11"/>
+          </p:nvPr>
+        </p:nvSpPr>
+        <p:spPr>
+          <a:xfrm>
+            <a:off x="4038600" y="6356350"/>
+            <a:ext cx="4114800" cy="365125"/>
+          </a:xfrm>
+          <a:prstGeom prst="rect">
+            <a:avLst/>
+          </a:prstGeom>
+          <a:noFill/>
+          <a:ln>
+            <a:noFill/>
+          </a:ln>
+        </p:spPr>
+        <p:txBody>
+          <a:bodyPr spcFirstLastPara="1" wrap="square" lIns="91425" tIns="45700" rIns="91425" bIns="45700" anchor="ctr" anchorCtr="0">
+            <a:noAutofit/>
+          </a:bodyPr>
+          <a:lstStyle>
+            <a:lvl1pPr lvl="0" algn="ctr">
+              <a:lnSpc>
+                <a:spcPct val="100000"/>
+              </a:lnSpc>
+              <a:spcBef>
+                <a:spcPts val="0"/>
+              </a:spcBef>
+              <a:spcAft>
+                <a:spcPts val="0"/>
+              </a:spcAft>
+              <a:buSzPts val="1400"/>
+              <a:buNone/>
+              <a:defRPr/>
+            </a:lvl1pPr>
+            <a:lvl2pPr lvl="1" algn="l">
+              <a:lnSpc>
+                <a:spcPct val="100000"/>
+              </a:lnSpc>
+              <a:spcBef>
+                <a:spcPts val="0"/>
+              </a:spcBef>
+              <a:spcAft>
+                <a:spcPts val="0"/>
+              </a:spcAft>
+              <a:buSzPts val="1400"/>
+              <a:buNone/>
+              <a:defRPr/>
+            </a:lvl2pPr>
+            <a:lvl3pPr lvl="2" algn="l">
+              <a:lnSpc>
+                <a:spcPct val="100000"/>
+              </a:lnSpc>
+              <a:spcBef>
+                <a:spcPts val="0"/>
+              </a:spcBef>
+              <a:spcAft>
+                <a:spcPts val="0"/>
+              </a:spcAft>
+              <a:buSzPts val="1400"/>
+              <a:buNone/>
+              <a:defRPr/>
+            </a:lvl3pPr>
+            <a:lvl4pPr lvl="3" algn="l">
+              <a:lnSpc>
+                <a:spcPct val="100000"/>
+              </a:lnSpc>
+              <a:spcBef>
+                <a:spcPts val="0"/>
+              </a:spcBef>
+              <a:spcAft>
+                <a:spcPts val="0"/>
+              </a:spcAft>
+              <a:buSzPts val="1400"/>
+              <a:buNone/>
+              <a:defRPr/>
+            </a:lvl4pPr>
+            <a:lvl5pPr lvl="4" algn="l">
+              <a:lnSpc>
+                <a:spcPct val="100000"/>
+              </a:lnSpc>
+              <a:spcBef>
+                <a:spcPts val="0"/>
+              </a:spcBef>
+              <a:spcAft>
+                <a:spcPts val="0"/>
+              </a:spcAft>
+              <a:buSzPts val="1400"/>
+              <a:buNone/>
+              <a:defRPr/>
+            </a:lvl5pPr>
+            <a:lvl6pPr lvl="5" algn="l">
+              <a:lnSpc>
+                <a:spcPct val="100000"/>
+              </a:lnSpc>
+              <a:spcBef>
+                <a:spcPts val="0"/>
+              </a:spcBef>
+              <a:spcAft>
+                <a:spcPts val="0"/>
+              </a:spcAft>
+              <a:buSzPts val="1400"/>
+              <a:buNone/>
+              <a:defRPr/>
+            </a:lvl6pPr>
+            <a:lvl7pPr lvl="6" algn="l">
+              <a:lnSpc>
+                <a:spcPct val="100000"/>
+              </a:lnSpc>
+              <a:spcBef>
+                <a:spcPts val="0"/>
+              </a:spcBef>
+              <a:spcAft>
+                <a:spcPts val="0"/>
+              </a:spcAft>
+              <a:buSzPts val="1400"/>
+              <a:buNone/>
+              <a:defRPr/>
+            </a:lvl7pPr>
+            <a:lvl8pPr lvl="7" algn="l">
+              <a:lnSpc>
+                <a:spcPct val="100000"/>
+              </a:lnSpc>
+              <a:spcBef>
+                <a:spcPts val="0"/>
+              </a:spcBef>
+              <a:spcAft>
+                <a:spcPts val="0"/>
+              </a:spcAft>
+              <a:buSzPts val="1400"/>
+              <a:buNone/>
+              <a:defRPr/>
+            </a:lvl8pPr>
+            <a:lvl9pPr lvl="8" algn="l">
+              <a:lnSpc>
+                <a:spcPct val="100000"/>
+              </a:lnSpc>
+              <a:spcBef>
+                <a:spcPts val="0"/>
+              </a:spcBef>
+              <a:spcAft>
+                <a:spcPts val="0"/>
+              </a:spcAft>
+              <a:buSzPts val="1400"/>
+              <a:buNone/>
+              <a:defRPr/>
+            </a:lvl9pPr>
+          </a:lstStyle>
+          <a:p>
+            <a:endParaRPr/>
+          </a:p>
+        </p:txBody>
+      </p:sp>
+      <p:sp>
+        <p:nvSpPr>
+          <p:cNvPr id="83" name="Google Shape;83;p26"/>
+          <p:cNvSpPr txBox="1">
+            <a:spLocks noGrp="1"/>
+          </p:cNvSpPr>
+          <p:nvPr>
+            <p:ph type="sldNum" idx="12"/>
+          </p:nvPr>
+        </p:nvSpPr>
+        <p:spPr>
+          <a:xfrm>
+            <a:off x="8610600" y="6356350"/>
+            <a:ext cx="2743200" cy="365125"/>
+          </a:xfrm>
+          <a:prstGeom prst="rect">
+            <a:avLst/>
+          </a:prstGeom>
+          <a:noFill/>
+          <a:ln>
+            <a:noFill/>
+          </a:ln>
+        </p:spPr>
+        <p:txBody>
+          <a:bodyPr spcFirstLastPara="1" wrap="square" lIns="91425" tIns="45700" rIns="91425" bIns="45700" anchor="ctr" anchorCtr="0">
+            <a:noAutofit/>
+          </a:bodyPr>
+          <a:lstStyle>
+            <a:lvl1pPr marL="0" marR="0" lvl="0" indent="0" algn="r">
+              <a:lnSpc>
+                <a:spcPct val="100000"/>
+              </a:lnSpc>
+              <a:spcBef>
+                <a:spcPts val="0"/>
+              </a:spcBef>
+              <a:spcAft>
+                <a:spcPts val="0"/>
+              </a:spcAft>
+              <a:buClr>
+                <a:srgbClr val="000000"/>
+              </a:buClr>
+              <a:buSzPts val="1200"/>
+              <a:buFont typeface="Arial"/>
+              <a:buNone/>
+              <a:defRPr sz="1200" b="0" i="0" u="none" strike="noStrike" cap="none">
+                <a:solidFill>
+                  <a:srgbClr val="888888"/>
+                </a:solidFill>
+                <a:latin typeface="Calibri"/>
+                <a:ea typeface="Calibri"/>
+                <a:cs typeface="Calibri"/>
+                <a:sym typeface="Calibri"/>
+              </a:defRPr>
+            </a:lvl1pPr>
+            <a:lvl2pPr marL="0" marR="0" lvl="1" indent="0" algn="r">
+              <a:lnSpc>
+                <a:spcPct val="100000"/>
+              </a:lnSpc>
+              <a:spcBef>
+                <a:spcPts val="0"/>
+              </a:spcBef>
+              <a:spcAft>
+                <a:spcPts val="0"/>
+              </a:spcAft>
+              <a:buClr>
+                <a:srgbClr val="000000"/>
+              </a:buClr>
+              <a:buSzPts val="1200"/>
+              <a:buFont typeface="Arial"/>
+              <a:buNone/>
+              <a:defRPr sz="1200" b="0" i="0" u="none" strike="noStrike" cap="none">
+                <a:solidFill>
+                  <a:srgbClr val="888888"/>
+                </a:solidFill>
+                <a:latin typeface="Calibri"/>
+                <a:ea typeface="Calibri"/>
+                <a:cs typeface="Calibri"/>
+                <a:sym typeface="Calibri"/>
+              </a:defRPr>
+            </a:lvl2pPr>
+            <a:lvl3pPr marL="0" marR="0" lvl="2" indent="0" algn="r">
+              <a:lnSpc>
+                <a:spcPct val="100000"/>
+              </a:lnSpc>
+              <a:spcBef>
+                <a:spcPts val="0"/>
+              </a:spcBef>
+              <a:spcAft>
+                <a:spcPts val="0"/>
+              </a:spcAft>
+              <a:buClr>
+                <a:srgbClr val="000000"/>
+              </a:buClr>
+              <a:buSzPts val="1200"/>
+              <a:buFont typeface="Arial"/>
+              <a:buNone/>
+              <a:defRPr sz="1200" b="0" i="0" u="none" strike="noStrike" cap="none">
+                <a:solidFill>
+                  <a:srgbClr val="888888"/>
+                </a:solidFill>
+                <a:latin typeface="Calibri"/>
+                <a:ea typeface="Calibri"/>
+                <a:cs typeface="Calibri"/>
+                <a:sym typeface="Calibri"/>
+              </a:defRPr>
+            </a:lvl3pPr>
+            <a:lvl4pPr marL="0" marR="0" lvl="3" indent="0" algn="r">
+              <a:lnSpc>
+                <a:spcPct val="100000"/>
+              </a:lnSpc>
+              <a:spcBef>
+                <a:spcPts val="0"/>
+              </a:spcBef>
+              <a:spcAft>
+                <a:spcPts val="0"/>
+              </a:spcAft>
+              <a:buClr>
+                <a:srgbClr val="000000"/>
+              </a:buClr>
+              <a:buSzPts val="1200"/>
+              <a:buFont typeface="Arial"/>
+              <a:buNone/>
+              <a:defRPr sz="1200" b="0" i="0" u="none" strike="noStrike" cap="none">
+                <a:solidFill>
+                  <a:srgbClr val="888888"/>
+                </a:solidFill>
+                <a:latin typeface="Calibri"/>
+                <a:ea typeface="Calibri"/>
+                <a:cs typeface="Calibri"/>
+                <a:sym typeface="Calibri"/>
+              </a:defRPr>
+            </a:lvl4pPr>
+            <a:lvl5pPr marL="0" marR="0" lvl="4" indent="0" algn="r">
+              <a:lnSpc>
+                <a:spcPct val="100000"/>
+              </a:lnSpc>
+              <a:spcBef>
+                <a:spcPts val="0"/>
+              </a:spcBef>
+              <a:spcAft>
+                <a:spcPts val="0"/>
+              </a:spcAft>
+              <a:buClr>
+                <a:srgbClr val="000000"/>
+              </a:buClr>
+              <a:buSzPts val="1200"/>
+              <a:buFont typeface="Arial"/>
+              <a:buNone/>
+              <a:defRPr sz="1200" b="0" i="0" u="none" strike="noStrike" cap="none">
+                <a:solidFill>
+                  <a:srgbClr val="888888"/>
+                </a:solidFill>
+                <a:latin typeface="Calibri"/>
+                <a:ea typeface="Calibri"/>
+                <a:cs typeface="Calibri"/>
+                <a:sym typeface="Calibri"/>
+              </a:defRPr>
+            </a:lvl5pPr>
+            <a:lvl6pPr marL="0" marR="0" lvl="5" indent="0" algn="r">
+              <a:lnSpc>
+                <a:spcPct val="100000"/>
+              </a:lnSpc>
+              <a:spcBef>
+                <a:spcPts val="0"/>
+              </a:spcBef>
+              <a:spcAft>
+                <a:spcPts val="0"/>
+              </a:spcAft>
+              <a:buClr>
+                <a:srgbClr val="000000"/>
+              </a:buClr>
+              <a:buSzPts val="1200"/>
+              <a:buFont typeface="Arial"/>
+              <a:buNone/>
+              <a:defRPr sz="1200" b="0" i="0" u="none" strike="noStrike" cap="none">
+                <a:solidFill>
+                  <a:srgbClr val="888888"/>
+                </a:solidFill>
+                <a:latin typeface="Calibri"/>
+                <a:ea typeface="Calibri"/>
+                <a:cs typeface="Calibri"/>
+                <a:sym typeface="Calibri"/>
+              </a:defRPr>
+            </a:lvl6pPr>
+            <a:lvl7pPr marL="0" marR="0" lvl="6" indent="0" algn="r">
+              <a:lnSpc>
+                <a:spcPct val="100000"/>
+              </a:lnSpc>
+              <a:spcBef>
+                <a:spcPts val="0"/>
+              </a:spcBef>
+              <a:spcAft>
+                <a:spcPts val="0"/>
+              </a:spcAft>
+              <a:buClr>
+                <a:srgbClr val="000000"/>
+              </a:buClr>
+              <a:buSzPts val="1200"/>
+              <a:buFont typeface="Arial"/>
+              <a:buNone/>
+              <a:defRPr sz="1200" b="0" i="0" u="none" strike="noStrike" cap="none">
+                <a:solidFill>
+                  <a:srgbClr val="888888"/>
+                </a:solidFill>
+                <a:latin typeface="Calibri"/>
+                <a:ea typeface="Calibri"/>
+                <a:cs typeface="Calibri"/>
+                <a:sym typeface="Calibri"/>
+              </a:defRPr>
+            </a:lvl7pPr>
+            <a:lvl8pPr marL="0" marR="0" lvl="7" indent="0" algn="r">
+              <a:lnSpc>
+                <a:spcPct val="100000"/>
+              </a:lnSpc>
+              <a:spcBef>
+                <a:spcPts val="0"/>
+              </a:spcBef>
+              <a:spcAft>
+                <a:spcPts val="0"/>
+              </a:spcAft>
+              <a:buClr>
+                <a:srgbClr val="000000"/>
+              </a:buClr>
+              <a:buSzPts val="1200"/>
+              <a:buFont typeface="Arial"/>
+              <a:buNone/>
+              <a:defRPr sz="1200" b="0" i="0" u="none" strike="noStrike" cap="none">
+                <a:solidFill>
+                  <a:srgbClr val="888888"/>
+                </a:solidFill>
+                <a:latin typeface="Calibri"/>
+                <a:ea typeface="Calibri"/>
+                <a:cs typeface="Calibri"/>
+                <a:sym typeface="Calibri"/>
+              </a:defRPr>
+            </a:lvl8pPr>
+            <a:lvl9pPr marL="0" marR="0" lvl="8" indent="0" algn="r">
+              <a:lnSpc>
+                <a:spcPct val="100000"/>
+              </a:lnSpc>
+              <a:spcBef>
+                <a:spcPts val="0"/>
+              </a:spcBef>
+              <a:spcAft>
+                <a:spcPts val="0"/>
+              </a:spcAft>
+              <a:buClr>
+                <a:srgbClr val="000000"/>
+              </a:buClr>
+              <a:buSzPts val="1200"/>
+              <a:buFont typeface="Arial"/>
+              <a:buNone/>
+              <a:defRPr sz="1200" b="0" i="0" u="none" strike="noStrike" cap="none">
+                <a:solidFill>
+                  <a:srgbClr val="888888"/>
+                </a:solidFill>
+                <a:latin typeface="Calibri"/>
+                <a:ea typeface="Calibri"/>
+                <a:cs typeface="Calibri"/>
+                <a:sym typeface="Calibri"/>
+              </a:defRPr>
+            </a:lvl9pPr>
+          </a:lstStyle>
+          <a:p>
+            <a:pPr marL="0" lvl="0" indent="0" algn="r" rtl="0">
+              <a:spcBef>
+                <a:spcPts val="0"/>
+              </a:spcBef>
+              <a:spcAft>
+                <a:spcPts val="0"/>
+              </a:spcAft>
+              <a:buNone/>
+            </a:pPr>
+            <a:fld id="{00000000-1234-1234-1234-123412341234}" type="slidenum">
+              <a:rPr lang="en-ZA"/>
+              <a:t>‹#›</a:t>
+            </a:fld>
+            <a:endParaRPr/>
+          </a:p>
+        </p:txBody>
+      </p:sp>
+    </p:spTree>
+  </p:cSld>
+  <p:clrMapOvr>
+    <a:masterClrMapping/>
+  </p:clrMapOvr>
+</p:sldLayout>
+</file>
+
+<file path=ppt/slideLayouts/slideLayout9.xml><?xml version="1.0" encoding="utf-8"?>
+<p:sldLayout xmlns:a="http://schemas.openxmlformats.org/drawingml/2006/main" xmlns:r="http://schemas.openxmlformats.org/officeDocument/2006/relationships" xmlns:p="http://schemas.openxmlformats.org/presentationml/2006/main" userDrawn="1">
+  <p:cSld name="11_Title and Content">
+    <p:spTree>
+      <p:nvGrpSpPr>
+        <p:cNvPr id="1" name=""/>
+        <p:cNvGrpSpPr/>
+        <p:nvPr/>
+      </p:nvGrpSpPr>
+      <p:grpSpPr>
+        <a:xfrm>
+          <a:off x="0" y="0"/>
+          <a:ext cx="0" cy="0"/>
+          <a:chOff x="0" y="0"/>
+          <a:chExt cx="0" cy="0"/>
+        </a:xfrm>
+      </p:grpSpPr>
+      <p:pic>
+        <p:nvPicPr>
+          <p:cNvPr id="6" name="Picture 5">
+            <a:extLst>
+              <a:ext uri="{FF2B5EF4-FFF2-40B4-BE49-F238E27FC236}">
+                <a16:creationId xmlns:a16="http://schemas.microsoft.com/office/drawing/2014/main" id="{4CA23188-0269-2A48-93A7-B93FE12312FA}"/>
+              </a:ext>
+            </a:extLst>
+          </p:cNvPr>
+          <p:cNvPicPr>
+            <a:picLocks noChangeAspect="1"/>
+          </p:cNvPicPr>
+          <p:nvPr userDrawn="1"/>
+        </p:nvPicPr>
+        <p:blipFill>
+          <a:blip r:embed="rId2"/>
+          <a:srcRect/>
+          <a:stretch/>
+        </p:blipFill>
+        <p:spPr>
+          <a:xfrm>
+            <a:off x="-2" y="2358"/>
+            <a:ext cx="12199715" cy="6862340"/>
+          </a:xfrm>
+          <a:prstGeom prst="rect">
+            <a:avLst/>
+          </a:prstGeom>
+        </p:spPr>
+      </p:pic>
+      <p:sp>
+        <p:nvSpPr>
+          <p:cNvPr id="4" name="Title 1">
+            <a:extLst>
+              <a:ext uri="{FF2B5EF4-FFF2-40B4-BE49-F238E27FC236}">
+                <a16:creationId xmlns:a16="http://schemas.microsoft.com/office/drawing/2014/main" id="{16D7ABEF-CFB2-654D-D06B-7D9FC22C0E1D}"/>
+              </a:ext>
+            </a:extLst>
+          </p:cNvPr>
+          <p:cNvSpPr>
+            <a:spLocks noGrp="1"/>
+          </p:cNvSpPr>
+          <p:nvPr>
+            <p:ph type="ctrTitle"/>
+          </p:nvPr>
+        </p:nvSpPr>
+        <p:spPr>
+          <a:xfrm>
+            <a:off x="425695" y="4695434"/>
+            <a:ext cx="10363200" cy="540047"/>
+          </a:xfrm>
+        </p:spPr>
+        <p:txBody>
+          <a:bodyPr>
+            <a:normAutofit/>
+          </a:bodyPr>
+          <a:lstStyle>
+            <a:lvl1pPr algn="l">
+              <a:defRPr sz="4267" b="1" i="0">
+                <a:solidFill>
+                  <a:schemeClr val="bg1"/>
+                </a:solidFill>
+                <a:latin typeface="Century Gothic"/>
+                <a:cs typeface="Century Gothic"/>
+              </a:defRPr>
+            </a:lvl1pPr>
+          </a:lstStyle>
+          <a:p>
+            <a:r>
+              <a:rPr lang="x-none" dirty="0"/>
+              <a:t>Click to edit Master title style</a:t>
+            </a:r>
+            <a:endParaRPr lang="en-US" dirty="0"/>
+          </a:p>
+        </p:txBody>
+      </p:sp>
+    </p:spTree>
+    <p:extLst>
+      <p:ext uri="{BB962C8B-B14F-4D97-AF65-F5344CB8AC3E}">
+        <p14:creationId xmlns:p14="http://schemas.microsoft.com/office/powerpoint/2010/main" val="2525453382"/>
+      </p:ext>
+    </p:extLst>
+  </p:cSld>
+  <p:clrMapOvr>
+    <a:masterClrMapping/>
+  </p:clrMapOvr>
+  <p:extLst>
+    <p:ext uri="{DCECCB84-F9BA-43D5-87BE-67443E8EF086}">
+      <p15:sldGuideLst xmlns:p15="http://schemas.microsoft.com/office/powerpoint/2012/main">
+        <p15:guide id="1" orient="horz" pos="1620">
+          <p15:clr>
+            <a:srgbClr val="FBAE40"/>
+          </p15:clr>
+        </p15:guide>
+        <p15:guide id="2" pos="2880">
+          <p15:clr>
+            <a:srgbClr val="FBAE40"/>
+          </p15:clr>
+        </p15:guide>
+        <p15:guide id="3" orient="horz">
+          <p15:clr>
+            <a:srgbClr val="FBAE40"/>
+          </p15:clr>
+        </p15:guide>
+      </p15:sldGuideLst>
+    </p:ext>
+  </p:extLst>
 </p:sldLayout>
 </file>
 
@@ -16008,15 +13432,13 @@
   <p:sldLayoutIdLst>
     <p:sldLayoutId id="2147483650" r:id="rId1"/>
     <p:sldLayoutId id="2147483651" r:id="rId2"/>
-    <p:sldLayoutId id="2147483652" r:id="rId3"/>
-    <p:sldLayoutId id="2147483653" r:id="rId4"/>
-    <p:sldLayoutId id="2147483654" r:id="rId5"/>
-    <p:sldLayoutId id="2147483655" r:id="rId6"/>
-    <p:sldLayoutId id="2147483656" r:id="rId7"/>
-    <p:sldLayoutId id="2147483657" r:id="rId8"/>
-    <p:sldLayoutId id="2147483658" r:id="rId9"/>
-    <p:sldLayoutId id="2147483659" r:id="rId10"/>
-    <p:sldLayoutId id="2147483664" r:id="rId11"/>
+    <p:sldLayoutId id="2147483654" r:id="rId3"/>
+    <p:sldLayoutId id="2147483655" r:id="rId4"/>
+    <p:sldLayoutId id="2147483656" r:id="rId5"/>
+    <p:sldLayoutId id="2147483657" r:id="rId6"/>
+    <p:sldLayoutId id="2147483658" r:id="rId7"/>
+    <p:sldLayoutId id="2147483659" r:id="rId8"/>
+    <p:sldLayoutId id="2147483664" r:id="rId9"/>
   </p:sldLayoutIdLst>
   <p:hf sldNum="0" hdr="0" ftr="0" dt="0"/>
   <p:txStyles>
@@ -18612,6 +16034,214 @@
                 <a:latin typeface="Segoe UI" panose="020B0502040204020203" pitchFamily="34" charset="0"/>
                 <a:cs typeface="Segoe UI" panose="020B0502040204020203" pitchFamily="34" charset="0"/>
               </a:rPr>
+              <a:t>Implementation</a:t>
+            </a:r>
+            <a:endParaRPr lang="en-ZA" sz="3800" dirty="0"/>
+          </a:p>
+        </p:txBody>
+      </p:sp>
+      <p:sp>
+        <p:nvSpPr>
+          <p:cNvPr id="3" name="Subtitle 2">
+            <a:extLst>
+              <a:ext uri="{FF2B5EF4-FFF2-40B4-BE49-F238E27FC236}">
+                <a16:creationId xmlns:a16="http://schemas.microsoft.com/office/drawing/2014/main" id="{80C619DE-94E7-6EDF-03E6-9637C3CE5914}"/>
+              </a:ext>
+            </a:extLst>
+          </p:cNvPr>
+          <p:cNvSpPr>
+            <a:spLocks noGrp="1"/>
+          </p:cNvSpPr>
+          <p:nvPr>
+            <p:ph type="subTitle" idx="1"/>
+          </p:nvPr>
+        </p:nvSpPr>
+        <p:spPr>
+          <a:xfrm>
+            <a:off x="471159" y="5426353"/>
+            <a:ext cx="8534400" cy="447669"/>
+          </a:xfrm>
+        </p:spPr>
+        <p:txBody>
+          <a:bodyPr>
+            <a:normAutofit/>
+          </a:bodyPr>
+          <a:lstStyle/>
+          <a:p>
+            <a:r>
+              <a:rPr lang="en-ZA" sz="1800" dirty="0"/>
+              <a:t>Hack To The Future</a:t>
+            </a:r>
+          </a:p>
+        </p:txBody>
+      </p:sp>
+    </p:spTree>
+    <p:extLst>
+      <p:ext uri="{BB962C8B-B14F-4D97-AF65-F5344CB8AC3E}">
+        <p14:creationId xmlns:p14="http://schemas.microsoft.com/office/powerpoint/2010/main" val="2095586800"/>
+      </p:ext>
+    </p:extLst>
+  </p:cSld>
+  <p:clrMapOvr>
+    <a:masterClrMapping/>
+  </p:clrMapOvr>
+</p:sld>
+</file>
+
+<file path=ppt/slides/slide11.xml><?xml version="1.0" encoding="utf-8"?>
+<p:sld xmlns:a="http://schemas.openxmlformats.org/drawingml/2006/main" xmlns:r="http://schemas.openxmlformats.org/officeDocument/2006/relationships" xmlns:p="http://schemas.openxmlformats.org/presentationml/2006/main">
+  <p:cSld>
+    <p:spTree>
+      <p:nvGrpSpPr>
+        <p:cNvPr id="1" name=""/>
+        <p:cNvGrpSpPr/>
+        <p:nvPr/>
+      </p:nvGrpSpPr>
+      <p:grpSpPr>
+        <a:xfrm>
+          <a:off x="0" y="0"/>
+          <a:ext cx="0" cy="0"/>
+          <a:chOff x="0" y="0"/>
+          <a:chExt cx="0" cy="0"/>
+        </a:xfrm>
+      </p:grpSpPr>
+      <p:sp>
+        <p:nvSpPr>
+          <p:cNvPr id="2" name="Title 1">
+            <a:extLst>
+              <a:ext uri="{FF2B5EF4-FFF2-40B4-BE49-F238E27FC236}">
+                <a16:creationId xmlns:a16="http://schemas.microsoft.com/office/drawing/2014/main" id="{92FE1D40-AC70-C85D-E0BE-0DC5974F23B3}"/>
+              </a:ext>
+            </a:extLst>
+          </p:cNvPr>
+          <p:cNvSpPr>
+            <a:spLocks noGrp="1"/>
+          </p:cNvSpPr>
+          <p:nvPr>
+            <p:ph type="ctrTitle"/>
+          </p:nvPr>
+        </p:nvSpPr>
+        <p:spPr>
+          <a:xfrm>
+            <a:off x="471159" y="4665942"/>
+            <a:ext cx="10363201" cy="540047"/>
+          </a:xfrm>
+        </p:spPr>
+        <p:txBody>
+          <a:bodyPr>
+            <a:noAutofit/>
+          </a:bodyPr>
+          <a:lstStyle/>
+          <a:p>
+            <a:r>
+              <a:rPr lang="en-ZA" sz="3800" dirty="0">
+                <a:latin typeface="Segoe UI" panose="020B0502040204020203" pitchFamily="34" charset="0"/>
+                <a:cs typeface="Segoe UI" panose="020B0502040204020203" pitchFamily="34" charset="0"/>
+              </a:rPr>
+              <a:t>Benefits</a:t>
+            </a:r>
+            <a:endParaRPr lang="en-ZA" sz="3800" dirty="0"/>
+          </a:p>
+        </p:txBody>
+      </p:sp>
+      <p:sp>
+        <p:nvSpPr>
+          <p:cNvPr id="3" name="Subtitle 2">
+            <a:extLst>
+              <a:ext uri="{FF2B5EF4-FFF2-40B4-BE49-F238E27FC236}">
+                <a16:creationId xmlns:a16="http://schemas.microsoft.com/office/drawing/2014/main" id="{80C619DE-94E7-6EDF-03E6-9637C3CE5914}"/>
+              </a:ext>
+            </a:extLst>
+          </p:cNvPr>
+          <p:cNvSpPr>
+            <a:spLocks noGrp="1"/>
+          </p:cNvSpPr>
+          <p:nvPr>
+            <p:ph type="subTitle" idx="1"/>
+          </p:nvPr>
+        </p:nvSpPr>
+        <p:spPr>
+          <a:xfrm>
+            <a:off x="471159" y="5426353"/>
+            <a:ext cx="8534400" cy="447669"/>
+          </a:xfrm>
+        </p:spPr>
+        <p:txBody>
+          <a:bodyPr>
+            <a:normAutofit/>
+          </a:bodyPr>
+          <a:lstStyle/>
+          <a:p>
+            <a:r>
+              <a:rPr lang="en-ZA" sz="1800" dirty="0"/>
+              <a:t>Hack To The Future</a:t>
+            </a:r>
+          </a:p>
+        </p:txBody>
+      </p:sp>
+    </p:spTree>
+    <p:extLst>
+      <p:ext uri="{BB962C8B-B14F-4D97-AF65-F5344CB8AC3E}">
+        <p14:creationId xmlns:p14="http://schemas.microsoft.com/office/powerpoint/2010/main" val="1726036631"/>
+      </p:ext>
+    </p:extLst>
+  </p:cSld>
+  <p:clrMapOvr>
+    <a:masterClrMapping/>
+  </p:clrMapOvr>
+</p:sld>
+</file>
+
+<file path=ppt/slides/slide12.xml><?xml version="1.0" encoding="utf-8"?>
+<p:sld xmlns:a="http://schemas.openxmlformats.org/drawingml/2006/main" xmlns:r="http://schemas.openxmlformats.org/officeDocument/2006/relationships" xmlns:p="http://schemas.openxmlformats.org/presentationml/2006/main">
+  <p:cSld>
+    <p:spTree>
+      <p:nvGrpSpPr>
+        <p:cNvPr id="1" name=""/>
+        <p:cNvGrpSpPr/>
+        <p:nvPr/>
+      </p:nvGrpSpPr>
+      <p:grpSpPr>
+        <a:xfrm>
+          <a:off x="0" y="0"/>
+          <a:ext cx="0" cy="0"/>
+          <a:chOff x="0" y="0"/>
+          <a:chExt cx="0" cy="0"/>
+        </a:xfrm>
+      </p:grpSpPr>
+      <p:sp>
+        <p:nvSpPr>
+          <p:cNvPr id="2" name="Title 1">
+            <a:extLst>
+              <a:ext uri="{FF2B5EF4-FFF2-40B4-BE49-F238E27FC236}">
+                <a16:creationId xmlns:a16="http://schemas.microsoft.com/office/drawing/2014/main" id="{92FE1D40-AC70-C85D-E0BE-0DC5974F23B3}"/>
+              </a:ext>
+            </a:extLst>
+          </p:cNvPr>
+          <p:cNvSpPr>
+            <a:spLocks noGrp="1"/>
+          </p:cNvSpPr>
+          <p:nvPr>
+            <p:ph type="ctrTitle"/>
+          </p:nvPr>
+        </p:nvSpPr>
+        <p:spPr>
+          <a:xfrm>
+            <a:off x="471159" y="4665942"/>
+            <a:ext cx="10363201" cy="540047"/>
+          </a:xfrm>
+        </p:spPr>
+        <p:txBody>
+          <a:bodyPr>
+            <a:noAutofit/>
+          </a:bodyPr>
+          <a:lstStyle/>
+          <a:p>
+            <a:r>
+              <a:rPr lang="en-ZA" sz="3800" dirty="0">
+                <a:latin typeface="Segoe UI" panose="020B0502040204020203" pitchFamily="34" charset="0"/>
+                <a:cs typeface="Segoe UI" panose="020B0502040204020203" pitchFamily="34" charset="0"/>
+              </a:rPr>
               <a:t>Innovation</a:t>
             </a:r>
             <a:endParaRPr lang="en-ZA" sz="3800" dirty="0"/>
@@ -18666,7 +16296,7 @@
 </p:sld>
 </file>
 
-<file path=ppt/slides/slide11.xml><?xml version="1.0" encoding="utf-8"?>
+<file path=ppt/slides/slide13.xml><?xml version="1.0" encoding="utf-8"?>
 <p:sld xmlns:a="http://schemas.openxmlformats.org/drawingml/2006/main" xmlns:r="http://schemas.openxmlformats.org/officeDocument/2006/relationships" xmlns:p="http://schemas.openxmlformats.org/presentationml/2006/main">
   <p:cSld>
     <p:spTree>
@@ -18770,7 +16400,7 @@
 </p:sld>
 </file>
 
-<file path=ppt/slides/slide12.xml><?xml version="1.0" encoding="utf-8"?>
+<file path=ppt/slides/slide14.xml><?xml version="1.0" encoding="utf-8"?>
 <p:sld xmlns:a="http://schemas.openxmlformats.org/drawingml/2006/main" xmlns:r="http://schemas.openxmlformats.org/officeDocument/2006/relationships" xmlns:p="http://schemas.openxmlformats.org/presentationml/2006/main">
   <p:cSld>
     <p:spTree>
@@ -18829,7 +16459,7 @@
 </p:sld>
 </file>
 
-<file path=ppt/slides/slide13.xml><?xml version="1.0" encoding="utf-8"?>
+<file path=ppt/slides/slide15.xml><?xml version="1.0" encoding="utf-8"?>
 <p:sld xmlns:a="http://schemas.openxmlformats.org/drawingml/2006/main" xmlns:r="http://schemas.openxmlformats.org/officeDocument/2006/relationships" xmlns:p="http://schemas.openxmlformats.org/presentationml/2006/main">
   <p:cSld>
     <p:spTree>
@@ -23097,6 +20727,516 @@
   <p:cSld>
     <p:spTree>
       <p:nvGrpSpPr>
+        <p:cNvPr id="1" name="Shape 166"/>
+        <p:cNvGrpSpPr/>
+        <p:nvPr/>
+      </p:nvGrpSpPr>
+      <p:grpSpPr>
+        <a:xfrm>
+          <a:off x="0" y="0"/>
+          <a:ext cx="0" cy="0"/>
+          <a:chOff x="0" y="0"/>
+          <a:chExt cx="0" cy="0"/>
+        </a:xfrm>
+      </p:grpSpPr>
+      <p:pic>
+        <p:nvPicPr>
+          <p:cNvPr id="2" name="Picture 1" descr="A green background with dots and lines&#10;&#10;Description automatically generated">
+            <a:extLst>
+              <a:ext uri="{FF2B5EF4-FFF2-40B4-BE49-F238E27FC236}">
+                <a16:creationId xmlns:a16="http://schemas.microsoft.com/office/drawing/2014/main" id="{FD4F650B-2A1A-7D9F-08B8-3B51154237FE}"/>
+              </a:ext>
+            </a:extLst>
+          </p:cNvPr>
+          <p:cNvPicPr>
+            <a:picLocks noChangeAspect="1"/>
+          </p:cNvPicPr>
+          <p:nvPr/>
+        </p:nvPicPr>
+        <p:blipFill>
+          <a:blip r:embed="rId3"/>
+          <a:stretch>
+            <a:fillRect/>
+          </a:stretch>
+        </p:blipFill>
+        <p:spPr>
+          <a:xfrm>
+            <a:off x="0" y="0"/>
+            <a:ext cx="12214371" cy="6858000"/>
+          </a:xfrm>
+          <a:prstGeom prst="rect">
+            <a:avLst/>
+          </a:prstGeom>
+        </p:spPr>
+      </p:pic>
+      <p:sp>
+        <p:nvSpPr>
+          <p:cNvPr id="3" name="Google Shape;136;g2eff4141143_0_30">
+            <a:extLst>
+              <a:ext uri="{FF2B5EF4-FFF2-40B4-BE49-F238E27FC236}">
+                <a16:creationId xmlns:a16="http://schemas.microsoft.com/office/drawing/2014/main" id="{CDA02C30-5160-2069-2FDD-52C1A863FCEA}"/>
+              </a:ext>
+            </a:extLst>
+          </p:cNvPr>
+          <p:cNvSpPr txBox="1">
+            <a:spLocks/>
+          </p:cNvSpPr>
+          <p:nvPr/>
+        </p:nvSpPr>
+        <p:spPr>
+          <a:xfrm>
+            <a:off x="1070804" y="221187"/>
+            <a:ext cx="10397400" cy="509400"/>
+          </a:xfrm>
+          <a:prstGeom prst="rect">
+            <a:avLst/>
+          </a:prstGeom>
+          <a:noFill/>
+          <a:ln>
+            <a:noFill/>
+          </a:ln>
+          <a:effectLst/>
+        </p:spPr>
+        <p:txBody>
+          <a:bodyPr spcFirstLastPara="1" wrap="square" lIns="91425" tIns="45700" rIns="91425" bIns="45700" anchor="ctr" anchorCtr="0">
+            <a:noAutofit/>
+          </a:bodyPr>
+          <a:lstStyle>
+            <a:defPPr marR="0" lvl="0" algn="l" rtl="0">
+              <a:lnSpc>
+                <a:spcPct val="100000"/>
+              </a:lnSpc>
+              <a:spcBef>
+                <a:spcPts val="0"/>
+              </a:spcBef>
+              <a:spcAft>
+                <a:spcPts val="0"/>
+              </a:spcAft>
+            </a:defPPr>
+            <a:lvl1pPr marR="0" lvl="0" algn="l" rtl="0">
+              <a:lnSpc>
+                <a:spcPct val="100000"/>
+              </a:lnSpc>
+              <a:spcBef>
+                <a:spcPts val="0"/>
+              </a:spcBef>
+              <a:spcAft>
+                <a:spcPts val="0"/>
+              </a:spcAft>
+              <a:buClr>
+                <a:srgbClr val="009677"/>
+              </a:buClr>
+              <a:buSzPts val="3733"/>
+              <a:buFont typeface="Century Gothic"/>
+              <a:buNone/>
+              <a:defRPr sz="3733" b="1" i="0" u="none" strike="noStrike" cap="none">
+                <a:solidFill>
+                  <a:srgbClr val="009677"/>
+                </a:solidFill>
+                <a:latin typeface="Century Gothic"/>
+                <a:ea typeface="Century Gothic"/>
+                <a:cs typeface="Century Gothic"/>
+                <a:sym typeface="Century Gothic"/>
+              </a:defRPr>
+            </a:lvl1pPr>
+            <a:lvl2pPr marR="0" lvl="1" algn="l" rtl="0">
+              <a:lnSpc>
+                <a:spcPct val="100000"/>
+              </a:lnSpc>
+              <a:spcBef>
+                <a:spcPts val="0"/>
+              </a:spcBef>
+              <a:spcAft>
+                <a:spcPts val="0"/>
+              </a:spcAft>
+              <a:buClr>
+                <a:srgbClr val="000000"/>
+              </a:buClr>
+              <a:buSzPts val="1400"/>
+              <a:buFont typeface="Arial"/>
+              <a:buNone/>
+              <a:defRPr sz="1800" b="0" i="0" u="none" strike="noStrike" cap="none">
+                <a:solidFill>
+                  <a:srgbClr val="000000"/>
+                </a:solidFill>
+                <a:latin typeface="Arial"/>
+                <a:ea typeface="Arial"/>
+                <a:cs typeface="Arial"/>
+                <a:sym typeface="Arial"/>
+              </a:defRPr>
+            </a:lvl2pPr>
+            <a:lvl3pPr marR="0" lvl="2" algn="l" rtl="0">
+              <a:lnSpc>
+                <a:spcPct val="100000"/>
+              </a:lnSpc>
+              <a:spcBef>
+                <a:spcPts val="0"/>
+              </a:spcBef>
+              <a:spcAft>
+                <a:spcPts val="0"/>
+              </a:spcAft>
+              <a:buClr>
+                <a:srgbClr val="000000"/>
+              </a:buClr>
+              <a:buSzPts val="1400"/>
+              <a:buFont typeface="Arial"/>
+              <a:buNone/>
+              <a:defRPr sz="1800" b="0" i="0" u="none" strike="noStrike" cap="none">
+                <a:solidFill>
+                  <a:srgbClr val="000000"/>
+                </a:solidFill>
+                <a:latin typeface="Arial"/>
+                <a:ea typeface="Arial"/>
+                <a:cs typeface="Arial"/>
+                <a:sym typeface="Arial"/>
+              </a:defRPr>
+            </a:lvl3pPr>
+            <a:lvl4pPr marR="0" lvl="3" algn="l" rtl="0">
+              <a:lnSpc>
+                <a:spcPct val="100000"/>
+              </a:lnSpc>
+              <a:spcBef>
+                <a:spcPts val="0"/>
+              </a:spcBef>
+              <a:spcAft>
+                <a:spcPts val="0"/>
+              </a:spcAft>
+              <a:buClr>
+                <a:srgbClr val="000000"/>
+              </a:buClr>
+              <a:buSzPts val="1400"/>
+              <a:buFont typeface="Arial"/>
+              <a:buNone/>
+              <a:defRPr sz="1800" b="0" i="0" u="none" strike="noStrike" cap="none">
+                <a:solidFill>
+                  <a:srgbClr val="000000"/>
+                </a:solidFill>
+                <a:latin typeface="Arial"/>
+                <a:ea typeface="Arial"/>
+                <a:cs typeface="Arial"/>
+                <a:sym typeface="Arial"/>
+              </a:defRPr>
+            </a:lvl4pPr>
+            <a:lvl5pPr marR="0" lvl="4" algn="l" rtl="0">
+              <a:lnSpc>
+                <a:spcPct val="100000"/>
+              </a:lnSpc>
+              <a:spcBef>
+                <a:spcPts val="0"/>
+              </a:spcBef>
+              <a:spcAft>
+                <a:spcPts val="0"/>
+              </a:spcAft>
+              <a:buClr>
+                <a:srgbClr val="000000"/>
+              </a:buClr>
+              <a:buSzPts val="1400"/>
+              <a:buFont typeface="Arial"/>
+              <a:buNone/>
+              <a:defRPr sz="1800" b="0" i="0" u="none" strike="noStrike" cap="none">
+                <a:solidFill>
+                  <a:srgbClr val="000000"/>
+                </a:solidFill>
+                <a:latin typeface="Arial"/>
+                <a:ea typeface="Arial"/>
+                <a:cs typeface="Arial"/>
+                <a:sym typeface="Arial"/>
+              </a:defRPr>
+            </a:lvl5pPr>
+            <a:lvl6pPr marR="0" lvl="5" algn="l" rtl="0">
+              <a:lnSpc>
+                <a:spcPct val="100000"/>
+              </a:lnSpc>
+              <a:spcBef>
+                <a:spcPts val="0"/>
+              </a:spcBef>
+              <a:spcAft>
+                <a:spcPts val="0"/>
+              </a:spcAft>
+              <a:buClr>
+                <a:srgbClr val="000000"/>
+              </a:buClr>
+              <a:buSzPts val="1400"/>
+              <a:buFont typeface="Arial"/>
+              <a:buNone/>
+              <a:defRPr sz="1800" b="0" i="0" u="none" strike="noStrike" cap="none">
+                <a:solidFill>
+                  <a:srgbClr val="000000"/>
+                </a:solidFill>
+                <a:latin typeface="Arial"/>
+                <a:ea typeface="Arial"/>
+                <a:cs typeface="Arial"/>
+                <a:sym typeface="Arial"/>
+              </a:defRPr>
+            </a:lvl6pPr>
+            <a:lvl7pPr marR="0" lvl="6" algn="l" rtl="0">
+              <a:lnSpc>
+                <a:spcPct val="100000"/>
+              </a:lnSpc>
+              <a:spcBef>
+                <a:spcPts val="0"/>
+              </a:spcBef>
+              <a:spcAft>
+                <a:spcPts val="0"/>
+              </a:spcAft>
+              <a:buClr>
+                <a:srgbClr val="000000"/>
+              </a:buClr>
+              <a:buSzPts val="1400"/>
+              <a:buFont typeface="Arial"/>
+              <a:buNone/>
+              <a:defRPr sz="1800" b="0" i="0" u="none" strike="noStrike" cap="none">
+                <a:solidFill>
+                  <a:srgbClr val="000000"/>
+                </a:solidFill>
+                <a:latin typeface="Arial"/>
+                <a:ea typeface="Arial"/>
+                <a:cs typeface="Arial"/>
+                <a:sym typeface="Arial"/>
+              </a:defRPr>
+            </a:lvl7pPr>
+            <a:lvl8pPr marR="0" lvl="7" algn="l" rtl="0">
+              <a:lnSpc>
+                <a:spcPct val="100000"/>
+              </a:lnSpc>
+              <a:spcBef>
+                <a:spcPts val="0"/>
+              </a:spcBef>
+              <a:spcAft>
+                <a:spcPts val="0"/>
+              </a:spcAft>
+              <a:buClr>
+                <a:srgbClr val="000000"/>
+              </a:buClr>
+              <a:buSzPts val="1400"/>
+              <a:buFont typeface="Arial"/>
+              <a:buNone/>
+              <a:defRPr sz="1800" b="0" i="0" u="none" strike="noStrike" cap="none">
+                <a:solidFill>
+                  <a:srgbClr val="000000"/>
+                </a:solidFill>
+                <a:latin typeface="Arial"/>
+                <a:ea typeface="Arial"/>
+                <a:cs typeface="Arial"/>
+                <a:sym typeface="Arial"/>
+              </a:defRPr>
+            </a:lvl8pPr>
+            <a:lvl9pPr marR="0" lvl="8" algn="l" rtl="0">
+              <a:lnSpc>
+                <a:spcPct val="100000"/>
+              </a:lnSpc>
+              <a:spcBef>
+                <a:spcPts val="0"/>
+              </a:spcBef>
+              <a:spcAft>
+                <a:spcPts val="0"/>
+              </a:spcAft>
+              <a:buClr>
+                <a:srgbClr val="000000"/>
+              </a:buClr>
+              <a:buSzPts val="1400"/>
+              <a:buFont typeface="Arial"/>
+              <a:buNone/>
+              <a:defRPr sz="1800" b="0" i="0" u="none" strike="noStrike" cap="none">
+                <a:solidFill>
+                  <a:srgbClr val="000000"/>
+                </a:solidFill>
+                <a:latin typeface="Arial"/>
+                <a:ea typeface="Arial"/>
+                <a:cs typeface="Arial"/>
+                <a:sym typeface="Arial"/>
+              </a:defRPr>
+            </a:lvl9pPr>
+          </a:lstStyle>
+          <a:p>
+            <a:pPr>
+              <a:buSzPct val="98238"/>
+            </a:pPr>
+            <a:r>
+              <a:rPr lang="en-GB" sz="2800" dirty="0">
+                <a:solidFill>
+                  <a:schemeClr val="bg1"/>
+                </a:solidFill>
+                <a:effectLst>
+                  <a:outerShdw blurRad="50800" dist="38100" dir="5400000" algn="t" rotWithShape="0">
+                    <a:prstClr val="black">
+                      <a:alpha val="40000"/>
+                    </a:prstClr>
+                  </a:outerShdw>
+                </a:effectLst>
+                <a:latin typeface="Segoe UI" panose="020B0502040204020203" pitchFamily="34" charset="0"/>
+                <a:cs typeface="Segoe UI" panose="020B0502040204020203" pitchFamily="34" charset="0"/>
+              </a:rPr>
+              <a:t>Hack To The Future - Overview</a:t>
+            </a:r>
+          </a:p>
+        </p:txBody>
+      </p:sp>
+      <p:pic>
+        <p:nvPicPr>
+          <p:cNvPr id="4" name="Picture 3">
+            <a:extLst>
+              <a:ext uri="{FF2B5EF4-FFF2-40B4-BE49-F238E27FC236}">
+                <a16:creationId xmlns:a16="http://schemas.microsoft.com/office/drawing/2014/main" id="{B328B4D6-DD44-B845-DADF-3A0BF877038A}"/>
+              </a:ext>
+            </a:extLst>
+          </p:cNvPr>
+          <p:cNvPicPr>
+            <a:picLocks noChangeAspect="1"/>
+          </p:cNvPicPr>
+          <p:nvPr/>
+        </p:nvPicPr>
+        <p:blipFill rotWithShape="1">
+          <a:blip r:embed="rId4"/>
+          <a:srcRect l="-3918" t="85222" r="76394"/>
+          <a:stretch/>
+        </p:blipFill>
+        <p:spPr>
+          <a:xfrm rot="10800000">
+            <a:off x="266699" y="-20119"/>
+            <a:ext cx="704691" cy="1029767"/>
+          </a:xfrm>
+          <a:prstGeom prst="rect">
+            <a:avLst/>
+          </a:prstGeom>
+        </p:spPr>
+      </p:pic>
+      <p:sp>
+        <p:nvSpPr>
+          <p:cNvPr id="8" name="Rectangle 7">
+            <a:extLst>
+              <a:ext uri="{FF2B5EF4-FFF2-40B4-BE49-F238E27FC236}">
+                <a16:creationId xmlns:a16="http://schemas.microsoft.com/office/drawing/2014/main" id="{C76649AF-8F03-6ACF-16CF-93BE4636EA7A}"/>
+              </a:ext>
+            </a:extLst>
+          </p:cNvPr>
+          <p:cNvSpPr/>
+          <p:nvPr/>
+        </p:nvSpPr>
+        <p:spPr>
+          <a:xfrm>
+            <a:off x="466724" y="1090759"/>
+            <a:ext cx="11132786" cy="5196354"/>
+          </a:xfrm>
+          <a:prstGeom prst="rect">
+            <a:avLst/>
+          </a:prstGeom>
+          <a:solidFill>
+            <a:schemeClr val="bg1"/>
+          </a:solidFill>
+          <a:ln w="76200">
+            <a:solidFill>
+              <a:schemeClr val="tx1"/>
+            </a:solidFill>
+          </a:ln>
+        </p:spPr>
+        <p:style>
+          <a:lnRef idx="2">
+            <a:schemeClr val="accent1">
+              <a:shade val="15000"/>
+            </a:schemeClr>
+          </a:lnRef>
+          <a:fillRef idx="1">
+            <a:schemeClr val="accent1"/>
+          </a:fillRef>
+          <a:effectRef idx="0">
+            <a:schemeClr val="accent1"/>
+          </a:effectRef>
+          <a:fontRef idx="minor">
+            <a:schemeClr val="lt1"/>
+          </a:fontRef>
+        </p:style>
+        <p:txBody>
+          <a:bodyPr rtlCol="0" anchor="ctr"/>
+          <a:lstStyle/>
+          <a:p>
+            <a:pPr lvl="0" eaLnBrk="0" fontAlgn="base" hangingPunct="0">
+              <a:spcBef>
+                <a:spcPct val="0"/>
+              </a:spcBef>
+              <a:spcAft>
+                <a:spcPct val="0"/>
+              </a:spcAft>
+              <a:buClrTx/>
+              <a:defRPr/>
+            </a:pPr>
+            <a:r>
+              <a:rPr lang="en-US" altLang="en-US" sz="1800" b="1" dirty="0">
+                <a:solidFill>
+                  <a:schemeClr val="tx1"/>
+                </a:solidFill>
+                <a:latin typeface="+mj-lt"/>
+                <a:cs typeface="Arial"/>
+              </a:rPr>
+              <a:t>Advanced Fraud Detection for Financial Services</a:t>
+            </a:r>
+          </a:p>
+          <a:p>
+            <a:pPr lvl="0" eaLnBrk="0" fontAlgn="base" hangingPunct="0">
+              <a:spcBef>
+                <a:spcPct val="0"/>
+              </a:spcBef>
+              <a:spcAft>
+                <a:spcPct val="0"/>
+              </a:spcAft>
+              <a:buClrTx/>
+              <a:defRPr/>
+            </a:pPr>
+            <a:endParaRPr lang="en-US" altLang="en-US" sz="1800" b="1" dirty="0">
+              <a:solidFill>
+                <a:schemeClr val="accent1"/>
+              </a:solidFill>
+              <a:latin typeface="+mj-lt"/>
+              <a:cs typeface="Arial"/>
+            </a:endParaRPr>
+          </a:p>
+          <a:p>
+            <a:pPr lvl="0" eaLnBrk="0" fontAlgn="base" hangingPunct="0">
+              <a:spcBef>
+                <a:spcPct val="0"/>
+              </a:spcBef>
+              <a:spcAft>
+                <a:spcPct val="0"/>
+              </a:spcAft>
+              <a:buClrTx/>
+              <a:defRPr/>
+            </a:pPr>
+            <a:r>
+              <a:rPr lang="en-US" altLang="en-US" sz="1800" dirty="0">
+                <a:solidFill>
+                  <a:srgbClr val="000000"/>
+                </a:solidFill>
+                <a:latin typeface="+mj-lt"/>
+                <a:cs typeface="Arial"/>
+              </a:rPr>
+              <a:t>Old Mutual needs an advanced real-time fraud detection system to safeguard against increasingly sophisticated fraudulent activities. The challenge is to develop a solution that leverages machine learning, behavioral analysis, and real-time monitoring to detect and respond to fraud. The system should integrate with existing financial systems, provide effective alert and response mechanisms, and ensure data privacy and compliance. It involves creating algorithms for fraud detection, developing an alert system, and preparing comprehensive documentation.</a:t>
+            </a:r>
+          </a:p>
+          <a:p>
+            <a:pPr algn="ctr"/>
+            <a:endParaRPr lang="en-ZA" dirty="0">
+              <a:ln>
+                <a:solidFill>
+                  <a:schemeClr val="tx1"/>
+                </a:solidFill>
+              </a:ln>
+            </a:endParaRPr>
+          </a:p>
+        </p:txBody>
+      </p:sp>
+    </p:spTree>
+  </p:cSld>
+  <p:clrMapOvr>
+    <a:masterClrMapping/>
+  </p:clrMapOvr>
+</p:sld>
+</file>
+
+<file path=ppt/slides/slide7.xml><?xml version="1.0" encoding="utf-8"?>
+<p:sld xmlns:a="http://schemas.openxmlformats.org/drawingml/2006/main" xmlns:r="http://schemas.openxmlformats.org/officeDocument/2006/relationships" xmlns:p="http://schemas.openxmlformats.org/presentationml/2006/main">
+  <p:cSld>
+    <p:spTree>
+      <p:nvGrpSpPr>
         <p:cNvPr id="1" name=""/>
         <p:cNvGrpSpPr/>
         <p:nvPr/>
@@ -23196,110 +21336,6 @@
 </p:sld>
 </file>
 
-<file path=ppt/slides/slide7.xml><?xml version="1.0" encoding="utf-8"?>
-<p:sld xmlns:a="http://schemas.openxmlformats.org/drawingml/2006/main" xmlns:r="http://schemas.openxmlformats.org/officeDocument/2006/relationships" xmlns:p="http://schemas.openxmlformats.org/presentationml/2006/main">
-  <p:cSld>
-    <p:spTree>
-      <p:nvGrpSpPr>
-        <p:cNvPr id="1" name=""/>
-        <p:cNvGrpSpPr/>
-        <p:nvPr/>
-      </p:nvGrpSpPr>
-      <p:grpSpPr>
-        <a:xfrm>
-          <a:off x="0" y="0"/>
-          <a:ext cx="0" cy="0"/>
-          <a:chOff x="0" y="0"/>
-          <a:chExt cx="0" cy="0"/>
-        </a:xfrm>
-      </p:grpSpPr>
-      <p:sp>
-        <p:nvSpPr>
-          <p:cNvPr id="2" name="Title 1">
-            <a:extLst>
-              <a:ext uri="{FF2B5EF4-FFF2-40B4-BE49-F238E27FC236}">
-                <a16:creationId xmlns:a16="http://schemas.microsoft.com/office/drawing/2014/main" id="{92FE1D40-AC70-C85D-E0BE-0DC5974F23B3}"/>
-              </a:ext>
-            </a:extLst>
-          </p:cNvPr>
-          <p:cNvSpPr>
-            <a:spLocks noGrp="1"/>
-          </p:cNvSpPr>
-          <p:nvPr>
-            <p:ph type="ctrTitle"/>
-          </p:nvPr>
-        </p:nvSpPr>
-        <p:spPr>
-          <a:xfrm>
-            <a:off x="471159" y="4665942"/>
-            <a:ext cx="10363201" cy="540047"/>
-          </a:xfrm>
-        </p:spPr>
-        <p:txBody>
-          <a:bodyPr>
-            <a:noAutofit/>
-          </a:bodyPr>
-          <a:lstStyle/>
-          <a:p>
-            <a:r>
-              <a:rPr lang="en-ZA" sz="3800" dirty="0">
-                <a:latin typeface="Segoe UI" panose="020B0502040204020203" pitchFamily="34" charset="0"/>
-                <a:cs typeface="Segoe UI" panose="020B0502040204020203" pitchFamily="34" charset="0"/>
-              </a:rPr>
-              <a:t>Justification</a:t>
-            </a:r>
-            <a:endParaRPr lang="en-ZA" sz="3800" dirty="0"/>
-          </a:p>
-        </p:txBody>
-      </p:sp>
-      <p:sp>
-        <p:nvSpPr>
-          <p:cNvPr id="3" name="Subtitle 2">
-            <a:extLst>
-              <a:ext uri="{FF2B5EF4-FFF2-40B4-BE49-F238E27FC236}">
-                <a16:creationId xmlns:a16="http://schemas.microsoft.com/office/drawing/2014/main" id="{80C619DE-94E7-6EDF-03E6-9637C3CE5914}"/>
-              </a:ext>
-            </a:extLst>
-          </p:cNvPr>
-          <p:cNvSpPr>
-            <a:spLocks noGrp="1"/>
-          </p:cNvSpPr>
-          <p:nvPr>
-            <p:ph type="subTitle" idx="1"/>
-          </p:nvPr>
-        </p:nvSpPr>
-        <p:spPr>
-          <a:xfrm>
-            <a:off x="471159" y="5426353"/>
-            <a:ext cx="8534400" cy="447669"/>
-          </a:xfrm>
-        </p:spPr>
-        <p:txBody>
-          <a:bodyPr>
-            <a:normAutofit/>
-          </a:bodyPr>
-          <a:lstStyle/>
-          <a:p>
-            <a:r>
-              <a:rPr lang="en-ZA" sz="1800" dirty="0"/>
-              <a:t>Hack To The Future</a:t>
-            </a:r>
-          </a:p>
-        </p:txBody>
-      </p:sp>
-    </p:spTree>
-    <p:extLst>
-      <p:ext uri="{BB962C8B-B14F-4D97-AF65-F5344CB8AC3E}">
-        <p14:creationId xmlns:p14="http://schemas.microsoft.com/office/powerpoint/2010/main" val="965262132"/>
-      </p:ext>
-    </p:extLst>
-  </p:cSld>
-  <p:clrMapOvr>
-    <a:masterClrMapping/>
-  </p:clrMapOvr>
-</p:sld>
-</file>
-
 <file path=ppt/slides/slide8.xml><?xml version="1.0" encoding="utf-8"?>
 <p:sld xmlns:a="http://schemas.openxmlformats.org/drawingml/2006/main" xmlns:r="http://schemas.openxmlformats.org/officeDocument/2006/relationships" xmlns:p="http://schemas.openxmlformats.org/presentationml/2006/main">
   <p:cSld>
@@ -23322,7 +21358,7 @@
           <p:cNvPr id="2" name="Title 1">
             <a:extLst>
               <a:ext uri="{FF2B5EF4-FFF2-40B4-BE49-F238E27FC236}">
-                <a16:creationId xmlns:a16="http://schemas.microsoft.com/office/drawing/2014/main" id="{92FE1D40-AC70-C85D-E0BE-0DC5974F23B3}"/>
+                <a16:creationId xmlns:a16="http://schemas.microsoft.com/office/drawing/2014/main" id="{2FAB0AF9-C44B-E0BD-0F46-17099D6ED24D}"/>
               </a:ext>
             </a:extLst>
           </p:cNvPr>
@@ -23330,71 +21366,3053 @@
             <a:spLocks noGrp="1"/>
           </p:cNvSpPr>
           <p:nvPr>
-            <p:ph type="ctrTitle"/>
+            <p:ph type="title"/>
           </p:nvPr>
         </p:nvSpPr>
         <p:spPr>
           <a:xfrm>
-            <a:off x="471159" y="4665942"/>
-            <a:ext cx="10363201" cy="540047"/>
+            <a:off x="1404747" y="251150"/>
+            <a:ext cx="11040992" cy="509457"/>
           </a:xfrm>
         </p:spPr>
         <p:txBody>
-          <a:bodyPr>
-            <a:noAutofit/>
-          </a:bodyPr>
+          <a:bodyPr/>
           <a:lstStyle/>
           <a:p>
             <a:r>
-              <a:rPr lang="en-ZA" sz="3800" dirty="0">
-                <a:latin typeface="Segoe UI" panose="020B0502040204020203" pitchFamily="34" charset="0"/>
-                <a:cs typeface="Segoe UI" panose="020B0502040204020203" pitchFamily="34" charset="0"/>
-              </a:rPr>
-              <a:t>Implementation</a:t>
+              <a:rPr lang="en-ZA" sz="3600" dirty="0"/>
+              <a:t>Approach - Services</a:t>
             </a:r>
-            <a:endParaRPr lang="en-ZA" sz="3800" dirty="0"/>
+            <a:endParaRPr lang="en-ZA" dirty="0"/>
           </a:p>
         </p:txBody>
       </p:sp>
       <p:sp>
         <p:nvSpPr>
-          <p:cNvPr id="3" name="Subtitle 2">
+          <p:cNvPr id="10" name="Text Placeholder 2">
             <a:extLst>
               <a:ext uri="{FF2B5EF4-FFF2-40B4-BE49-F238E27FC236}">
-                <a16:creationId xmlns:a16="http://schemas.microsoft.com/office/drawing/2014/main" id="{80C619DE-94E7-6EDF-03E6-9637C3CE5914}"/>
+                <a16:creationId xmlns:a16="http://schemas.microsoft.com/office/drawing/2014/main" id="{7D47D930-FDC2-C537-B8B1-6F214237E3E9}"/>
               </a:ext>
             </a:extLst>
           </p:cNvPr>
-          <p:cNvSpPr>
-            <a:spLocks noGrp="1"/>
+          <p:cNvSpPr txBox="1">
+            <a:spLocks/>
           </p:cNvSpPr>
-          <p:nvPr>
-            <p:ph type="subTitle" idx="1"/>
-          </p:nvPr>
+          <p:nvPr/>
         </p:nvSpPr>
         <p:spPr>
           <a:xfrm>
-            <a:off x="471159" y="5426353"/>
-            <a:ext cx="8534400" cy="447669"/>
+            <a:off x="406651" y="1713247"/>
+            <a:ext cx="2577181" cy="823912"/>
           </a:xfrm>
+          <a:prstGeom prst="rect">
+            <a:avLst/>
+          </a:prstGeom>
+          <a:noFill/>
+          <a:ln>
+            <a:noFill/>
+          </a:ln>
         </p:spPr>
         <p:txBody>
-          <a:bodyPr>
+          <a:bodyPr spcFirstLastPara="1" wrap="square" lIns="91425" tIns="45700" rIns="91425" bIns="45700" anchor="b" anchorCtr="0">
+            <a:noAutofit/>
+          </a:bodyPr>
+          <a:lstStyle>
+            <a:defPPr marR="0" lvl="0" algn="l" rtl="0">
+              <a:lnSpc>
+                <a:spcPct val="100000"/>
+              </a:lnSpc>
+              <a:spcBef>
+                <a:spcPts val="0"/>
+              </a:spcBef>
+              <a:spcAft>
+                <a:spcPts val="0"/>
+              </a:spcAft>
+            </a:defPPr>
+            <a:lvl1pPr marL="457200" marR="0" lvl="0" indent="-228600" algn="l" rtl="0">
+              <a:lnSpc>
+                <a:spcPct val="90000"/>
+              </a:lnSpc>
+              <a:spcBef>
+                <a:spcPts val="1000"/>
+              </a:spcBef>
+              <a:spcAft>
+                <a:spcPts val="0"/>
+              </a:spcAft>
+              <a:buClr>
+                <a:schemeClr val="dk1"/>
+              </a:buClr>
+              <a:buSzPts val="2400"/>
+              <a:buFont typeface="Arial"/>
+              <a:buNone/>
+              <a:defRPr sz="2400" b="1" i="0" u="none" strike="noStrike" cap="none">
+                <a:solidFill>
+                  <a:schemeClr val="dk1"/>
+                </a:solidFill>
+                <a:latin typeface="Calibri"/>
+                <a:ea typeface="Calibri"/>
+                <a:cs typeface="Calibri"/>
+                <a:sym typeface="Calibri"/>
+              </a:defRPr>
+            </a:lvl1pPr>
+            <a:lvl2pPr marL="914400" marR="0" lvl="1" indent="-228600" algn="l" rtl="0">
+              <a:lnSpc>
+                <a:spcPct val="90000"/>
+              </a:lnSpc>
+              <a:spcBef>
+                <a:spcPts val="500"/>
+              </a:spcBef>
+              <a:spcAft>
+                <a:spcPts val="0"/>
+              </a:spcAft>
+              <a:buClr>
+                <a:schemeClr val="dk1"/>
+              </a:buClr>
+              <a:buSzPts val="2000"/>
+              <a:buFont typeface="Arial"/>
+              <a:buNone/>
+              <a:defRPr sz="2000" b="1" i="0" u="none" strike="noStrike" cap="none">
+                <a:solidFill>
+                  <a:schemeClr val="dk1"/>
+                </a:solidFill>
+                <a:latin typeface="Calibri"/>
+                <a:ea typeface="Calibri"/>
+                <a:cs typeface="Calibri"/>
+                <a:sym typeface="Calibri"/>
+              </a:defRPr>
+            </a:lvl2pPr>
+            <a:lvl3pPr marL="1371600" marR="0" lvl="2" indent="-228600" algn="l" rtl="0">
+              <a:lnSpc>
+                <a:spcPct val="90000"/>
+              </a:lnSpc>
+              <a:spcBef>
+                <a:spcPts val="500"/>
+              </a:spcBef>
+              <a:spcAft>
+                <a:spcPts val="0"/>
+              </a:spcAft>
+              <a:buClr>
+                <a:schemeClr val="dk1"/>
+              </a:buClr>
+              <a:buSzPts val="1800"/>
+              <a:buFont typeface="Arial"/>
+              <a:buNone/>
+              <a:defRPr sz="1800" b="1" i="0" u="none" strike="noStrike" cap="none">
+                <a:solidFill>
+                  <a:schemeClr val="dk1"/>
+                </a:solidFill>
+                <a:latin typeface="Calibri"/>
+                <a:ea typeface="Calibri"/>
+                <a:cs typeface="Calibri"/>
+                <a:sym typeface="Calibri"/>
+              </a:defRPr>
+            </a:lvl3pPr>
+            <a:lvl4pPr marL="1828800" marR="0" lvl="3" indent="-228600" algn="l" rtl="0">
+              <a:lnSpc>
+                <a:spcPct val="90000"/>
+              </a:lnSpc>
+              <a:spcBef>
+                <a:spcPts val="500"/>
+              </a:spcBef>
+              <a:spcAft>
+                <a:spcPts val="0"/>
+              </a:spcAft>
+              <a:buClr>
+                <a:schemeClr val="dk1"/>
+              </a:buClr>
+              <a:buSzPts val="1600"/>
+              <a:buFont typeface="Arial"/>
+              <a:buNone/>
+              <a:defRPr sz="1600" b="1" i="0" u="none" strike="noStrike" cap="none">
+                <a:solidFill>
+                  <a:schemeClr val="dk1"/>
+                </a:solidFill>
+                <a:latin typeface="Calibri"/>
+                <a:ea typeface="Calibri"/>
+                <a:cs typeface="Calibri"/>
+                <a:sym typeface="Calibri"/>
+              </a:defRPr>
+            </a:lvl4pPr>
+            <a:lvl5pPr marL="2286000" marR="0" lvl="4" indent="-228600" algn="l" rtl="0">
+              <a:lnSpc>
+                <a:spcPct val="90000"/>
+              </a:lnSpc>
+              <a:spcBef>
+                <a:spcPts val="500"/>
+              </a:spcBef>
+              <a:spcAft>
+                <a:spcPts val="0"/>
+              </a:spcAft>
+              <a:buClr>
+                <a:schemeClr val="dk1"/>
+              </a:buClr>
+              <a:buSzPts val="1600"/>
+              <a:buFont typeface="Arial"/>
+              <a:buNone/>
+              <a:defRPr sz="1600" b="1" i="0" u="none" strike="noStrike" cap="none">
+                <a:solidFill>
+                  <a:schemeClr val="dk1"/>
+                </a:solidFill>
+                <a:latin typeface="Calibri"/>
+                <a:ea typeface="Calibri"/>
+                <a:cs typeface="Calibri"/>
+                <a:sym typeface="Calibri"/>
+              </a:defRPr>
+            </a:lvl5pPr>
+            <a:lvl6pPr marL="2743200" marR="0" lvl="5" indent="-228600" algn="l" rtl="0">
+              <a:lnSpc>
+                <a:spcPct val="90000"/>
+              </a:lnSpc>
+              <a:spcBef>
+                <a:spcPts val="500"/>
+              </a:spcBef>
+              <a:spcAft>
+                <a:spcPts val="0"/>
+              </a:spcAft>
+              <a:buClr>
+                <a:schemeClr val="dk1"/>
+              </a:buClr>
+              <a:buSzPts val="1600"/>
+              <a:buFont typeface="Arial"/>
+              <a:buNone/>
+              <a:defRPr sz="1600" b="1" i="0" u="none" strike="noStrike" cap="none">
+                <a:solidFill>
+                  <a:schemeClr val="dk1"/>
+                </a:solidFill>
+                <a:latin typeface="Calibri"/>
+                <a:ea typeface="Calibri"/>
+                <a:cs typeface="Calibri"/>
+                <a:sym typeface="Calibri"/>
+              </a:defRPr>
+            </a:lvl6pPr>
+            <a:lvl7pPr marL="3200400" marR="0" lvl="6" indent="-228600" algn="l" rtl="0">
+              <a:lnSpc>
+                <a:spcPct val="90000"/>
+              </a:lnSpc>
+              <a:spcBef>
+                <a:spcPts val="500"/>
+              </a:spcBef>
+              <a:spcAft>
+                <a:spcPts val="0"/>
+              </a:spcAft>
+              <a:buClr>
+                <a:schemeClr val="dk1"/>
+              </a:buClr>
+              <a:buSzPts val="1600"/>
+              <a:buFont typeface="Arial"/>
+              <a:buNone/>
+              <a:defRPr sz="1600" b="1" i="0" u="none" strike="noStrike" cap="none">
+                <a:solidFill>
+                  <a:schemeClr val="dk1"/>
+                </a:solidFill>
+                <a:latin typeface="Calibri"/>
+                <a:ea typeface="Calibri"/>
+                <a:cs typeface="Calibri"/>
+                <a:sym typeface="Calibri"/>
+              </a:defRPr>
+            </a:lvl7pPr>
+            <a:lvl8pPr marL="3657600" marR="0" lvl="7" indent="-228600" algn="l" rtl="0">
+              <a:lnSpc>
+                <a:spcPct val="90000"/>
+              </a:lnSpc>
+              <a:spcBef>
+                <a:spcPts val="500"/>
+              </a:spcBef>
+              <a:spcAft>
+                <a:spcPts val="0"/>
+              </a:spcAft>
+              <a:buClr>
+                <a:schemeClr val="dk1"/>
+              </a:buClr>
+              <a:buSzPts val="1600"/>
+              <a:buFont typeface="Arial"/>
+              <a:buNone/>
+              <a:defRPr sz="1600" b="1" i="0" u="none" strike="noStrike" cap="none">
+                <a:solidFill>
+                  <a:schemeClr val="dk1"/>
+                </a:solidFill>
+                <a:latin typeface="Calibri"/>
+                <a:ea typeface="Calibri"/>
+                <a:cs typeface="Calibri"/>
+                <a:sym typeface="Calibri"/>
+              </a:defRPr>
+            </a:lvl8pPr>
+            <a:lvl9pPr marL="4114800" marR="0" lvl="8" indent="-228600" algn="l" rtl="0">
+              <a:lnSpc>
+                <a:spcPct val="90000"/>
+              </a:lnSpc>
+              <a:spcBef>
+                <a:spcPts val="500"/>
+              </a:spcBef>
+              <a:spcAft>
+                <a:spcPts val="0"/>
+              </a:spcAft>
+              <a:buClr>
+                <a:schemeClr val="dk1"/>
+              </a:buClr>
+              <a:buSzPts val="1600"/>
+              <a:buFont typeface="Arial"/>
+              <a:buNone/>
+              <a:defRPr sz="1600" b="1" i="0" u="none" strike="noStrike" cap="none">
+                <a:solidFill>
+                  <a:schemeClr val="dk1"/>
+                </a:solidFill>
+                <a:latin typeface="Calibri"/>
+                <a:ea typeface="Calibri"/>
+                <a:cs typeface="Calibri"/>
+                <a:sym typeface="Calibri"/>
+              </a:defRPr>
+            </a:lvl9pPr>
+          </a:lstStyle>
+          <a:p>
+            <a:pPr marL="457200" marR="0" lvl="0" indent="-228600" algn="l" defTabSz="914400" rtl="0" eaLnBrk="1" fontAlgn="auto" latinLnBrk="0" hangingPunct="1">
+              <a:lnSpc>
+                <a:spcPct val="90000"/>
+              </a:lnSpc>
+              <a:spcBef>
+                <a:spcPts val="1000"/>
+              </a:spcBef>
+              <a:spcAft>
+                <a:spcPts val="0"/>
+              </a:spcAft>
+              <a:buClr>
+                <a:srgbClr val="000000"/>
+              </a:buClr>
+              <a:buSzPts val="2400"/>
+              <a:buFont typeface="Arial"/>
+              <a:buNone/>
+              <a:tabLst/>
+              <a:defRPr/>
+            </a:pPr>
+            <a:r>
+              <a:rPr kumimoji="0" lang="en-GB" sz="3000" b="1" i="0" u="none" strike="noStrike" kern="0" cap="none" spc="0" normalizeH="0" baseline="0" noProof="0" dirty="0">
+                <a:ln>
+                  <a:noFill/>
+                </a:ln>
+                <a:solidFill>
+                  <a:srgbClr val="000000"/>
+                </a:solidFill>
+                <a:effectLst/>
+                <a:uLnTx/>
+                <a:uFillTx/>
+                <a:latin typeface="Calibri"/>
+                <a:ea typeface="Calibri"/>
+                <a:cs typeface="Calibri"/>
+                <a:sym typeface="Calibri"/>
+              </a:rPr>
+              <a:t>Presentation</a:t>
+            </a:r>
+            <a:endParaRPr kumimoji="0" lang="en-ZA" sz="3000" b="1" i="0" u="none" strike="noStrike" kern="0" cap="none" spc="0" normalizeH="0" baseline="0" noProof="0" dirty="0">
+              <a:ln>
+                <a:noFill/>
+              </a:ln>
+              <a:solidFill>
+                <a:srgbClr val="000000"/>
+              </a:solidFill>
+              <a:effectLst/>
+              <a:uLnTx/>
+              <a:uFillTx/>
+              <a:latin typeface="Calibri"/>
+              <a:ea typeface="Calibri"/>
+              <a:cs typeface="Calibri"/>
+              <a:sym typeface="Calibri"/>
+            </a:endParaRPr>
+          </a:p>
+        </p:txBody>
+      </p:sp>
+      <p:sp>
+        <p:nvSpPr>
+          <p:cNvPr id="11" name="Text Placeholder 3">
+            <a:extLst>
+              <a:ext uri="{FF2B5EF4-FFF2-40B4-BE49-F238E27FC236}">
+                <a16:creationId xmlns:a16="http://schemas.microsoft.com/office/drawing/2014/main" id="{12572AC9-E901-547B-E43C-2BA3D2D8E2E3}"/>
+              </a:ext>
+            </a:extLst>
+          </p:cNvPr>
+          <p:cNvSpPr txBox="1">
+            <a:spLocks/>
+          </p:cNvSpPr>
+          <p:nvPr/>
+        </p:nvSpPr>
+        <p:spPr>
+          <a:xfrm>
+            <a:off x="406651" y="2777790"/>
+            <a:ext cx="2577181" cy="3684588"/>
+          </a:xfrm>
+          <a:prstGeom prst="rect">
+            <a:avLst/>
+          </a:prstGeom>
+          <a:noFill/>
+          <a:ln>
+            <a:noFill/>
+          </a:ln>
+        </p:spPr>
+        <p:txBody>
+          <a:bodyPr spcFirstLastPara="1" wrap="square" lIns="91425" tIns="45700" rIns="91425" bIns="45700" anchor="t" anchorCtr="0">
             <a:normAutofit/>
           </a:bodyPr>
-          <a:lstStyle/>
+          <a:lstStyle>
+            <a:defPPr marR="0" lvl="0" algn="l" rtl="0">
+              <a:lnSpc>
+                <a:spcPct val="100000"/>
+              </a:lnSpc>
+              <a:spcBef>
+                <a:spcPts val="0"/>
+              </a:spcBef>
+              <a:spcAft>
+                <a:spcPts val="0"/>
+              </a:spcAft>
+            </a:defPPr>
+            <a:lvl1pPr marL="457200" marR="0" lvl="0" indent="-342900" algn="l" rtl="0">
+              <a:lnSpc>
+                <a:spcPct val="90000"/>
+              </a:lnSpc>
+              <a:spcBef>
+                <a:spcPts val="1000"/>
+              </a:spcBef>
+              <a:spcAft>
+                <a:spcPts val="0"/>
+              </a:spcAft>
+              <a:buClr>
+                <a:schemeClr val="dk1"/>
+              </a:buClr>
+              <a:buSzPts val="1800"/>
+              <a:buFont typeface="Arial"/>
+              <a:buChar char="•"/>
+              <a:defRPr sz="2800" b="0" i="0" u="none" strike="noStrike" cap="none">
+                <a:solidFill>
+                  <a:schemeClr val="dk1"/>
+                </a:solidFill>
+                <a:latin typeface="Calibri"/>
+                <a:ea typeface="Calibri"/>
+                <a:cs typeface="Calibri"/>
+                <a:sym typeface="Calibri"/>
+              </a:defRPr>
+            </a:lvl1pPr>
+            <a:lvl2pPr marL="914400" marR="0" lvl="1" indent="-342900" algn="l" rtl="0">
+              <a:lnSpc>
+                <a:spcPct val="90000"/>
+              </a:lnSpc>
+              <a:spcBef>
+                <a:spcPts val="500"/>
+              </a:spcBef>
+              <a:spcAft>
+                <a:spcPts val="0"/>
+              </a:spcAft>
+              <a:buClr>
+                <a:schemeClr val="dk1"/>
+              </a:buClr>
+              <a:buSzPts val="1800"/>
+              <a:buFont typeface="Arial"/>
+              <a:buChar char="•"/>
+              <a:defRPr sz="2400" b="0" i="0" u="none" strike="noStrike" cap="none">
+                <a:solidFill>
+                  <a:schemeClr val="dk1"/>
+                </a:solidFill>
+                <a:latin typeface="Calibri"/>
+                <a:ea typeface="Calibri"/>
+                <a:cs typeface="Calibri"/>
+                <a:sym typeface="Calibri"/>
+              </a:defRPr>
+            </a:lvl2pPr>
+            <a:lvl3pPr marL="1371600" marR="0" lvl="2" indent="-342900" algn="l" rtl="0">
+              <a:lnSpc>
+                <a:spcPct val="90000"/>
+              </a:lnSpc>
+              <a:spcBef>
+                <a:spcPts val="500"/>
+              </a:spcBef>
+              <a:spcAft>
+                <a:spcPts val="0"/>
+              </a:spcAft>
+              <a:buClr>
+                <a:schemeClr val="dk1"/>
+              </a:buClr>
+              <a:buSzPts val="1800"/>
+              <a:buFont typeface="Arial"/>
+              <a:buChar char="•"/>
+              <a:defRPr sz="2000" b="0" i="0" u="none" strike="noStrike" cap="none">
+                <a:solidFill>
+                  <a:schemeClr val="dk1"/>
+                </a:solidFill>
+                <a:latin typeface="Calibri"/>
+                <a:ea typeface="Calibri"/>
+                <a:cs typeface="Calibri"/>
+                <a:sym typeface="Calibri"/>
+              </a:defRPr>
+            </a:lvl3pPr>
+            <a:lvl4pPr marL="1828800" marR="0" lvl="3" indent="-342900" algn="l" rtl="0">
+              <a:lnSpc>
+                <a:spcPct val="90000"/>
+              </a:lnSpc>
+              <a:spcBef>
+                <a:spcPts val="500"/>
+              </a:spcBef>
+              <a:spcAft>
+                <a:spcPts val="0"/>
+              </a:spcAft>
+              <a:buClr>
+                <a:schemeClr val="dk1"/>
+              </a:buClr>
+              <a:buSzPts val="1800"/>
+              <a:buFont typeface="Arial"/>
+              <a:buChar char="•"/>
+              <a:defRPr sz="1800" b="0" i="0" u="none" strike="noStrike" cap="none">
+                <a:solidFill>
+                  <a:schemeClr val="dk1"/>
+                </a:solidFill>
+                <a:latin typeface="Calibri"/>
+                <a:ea typeface="Calibri"/>
+                <a:cs typeface="Calibri"/>
+                <a:sym typeface="Calibri"/>
+              </a:defRPr>
+            </a:lvl4pPr>
+            <a:lvl5pPr marL="2286000" marR="0" lvl="4" indent="-342900" algn="l" rtl="0">
+              <a:lnSpc>
+                <a:spcPct val="90000"/>
+              </a:lnSpc>
+              <a:spcBef>
+                <a:spcPts val="500"/>
+              </a:spcBef>
+              <a:spcAft>
+                <a:spcPts val="0"/>
+              </a:spcAft>
+              <a:buClr>
+                <a:schemeClr val="dk1"/>
+              </a:buClr>
+              <a:buSzPts val="1800"/>
+              <a:buFont typeface="Arial"/>
+              <a:buChar char="•"/>
+              <a:defRPr sz="1800" b="0" i="0" u="none" strike="noStrike" cap="none">
+                <a:solidFill>
+                  <a:schemeClr val="dk1"/>
+                </a:solidFill>
+                <a:latin typeface="Calibri"/>
+                <a:ea typeface="Calibri"/>
+                <a:cs typeface="Calibri"/>
+                <a:sym typeface="Calibri"/>
+              </a:defRPr>
+            </a:lvl5pPr>
+            <a:lvl6pPr marL="2743200" marR="0" lvl="5" indent="-342900" algn="l" rtl="0">
+              <a:lnSpc>
+                <a:spcPct val="90000"/>
+              </a:lnSpc>
+              <a:spcBef>
+                <a:spcPts val="500"/>
+              </a:spcBef>
+              <a:spcAft>
+                <a:spcPts val="0"/>
+              </a:spcAft>
+              <a:buClr>
+                <a:schemeClr val="dk1"/>
+              </a:buClr>
+              <a:buSzPts val="1800"/>
+              <a:buFont typeface="Arial"/>
+              <a:buChar char="•"/>
+              <a:defRPr sz="1800" b="0" i="0" u="none" strike="noStrike" cap="none">
+                <a:solidFill>
+                  <a:schemeClr val="dk1"/>
+                </a:solidFill>
+                <a:latin typeface="Calibri"/>
+                <a:ea typeface="Calibri"/>
+                <a:cs typeface="Calibri"/>
+                <a:sym typeface="Calibri"/>
+              </a:defRPr>
+            </a:lvl6pPr>
+            <a:lvl7pPr marL="3200400" marR="0" lvl="6" indent="-342900" algn="l" rtl="0">
+              <a:lnSpc>
+                <a:spcPct val="90000"/>
+              </a:lnSpc>
+              <a:spcBef>
+                <a:spcPts val="500"/>
+              </a:spcBef>
+              <a:spcAft>
+                <a:spcPts val="0"/>
+              </a:spcAft>
+              <a:buClr>
+                <a:schemeClr val="dk1"/>
+              </a:buClr>
+              <a:buSzPts val="1800"/>
+              <a:buFont typeface="Arial"/>
+              <a:buChar char="•"/>
+              <a:defRPr sz="1800" b="0" i="0" u="none" strike="noStrike" cap="none">
+                <a:solidFill>
+                  <a:schemeClr val="dk1"/>
+                </a:solidFill>
+                <a:latin typeface="Calibri"/>
+                <a:ea typeface="Calibri"/>
+                <a:cs typeface="Calibri"/>
+                <a:sym typeface="Calibri"/>
+              </a:defRPr>
+            </a:lvl7pPr>
+            <a:lvl8pPr marL="3657600" marR="0" lvl="7" indent="-342900" algn="l" rtl="0">
+              <a:lnSpc>
+                <a:spcPct val="90000"/>
+              </a:lnSpc>
+              <a:spcBef>
+                <a:spcPts val="500"/>
+              </a:spcBef>
+              <a:spcAft>
+                <a:spcPts val="0"/>
+              </a:spcAft>
+              <a:buClr>
+                <a:schemeClr val="dk1"/>
+              </a:buClr>
+              <a:buSzPts val="1800"/>
+              <a:buFont typeface="Arial"/>
+              <a:buChar char="•"/>
+              <a:defRPr sz="1800" b="0" i="0" u="none" strike="noStrike" cap="none">
+                <a:solidFill>
+                  <a:schemeClr val="dk1"/>
+                </a:solidFill>
+                <a:latin typeface="Calibri"/>
+                <a:ea typeface="Calibri"/>
+                <a:cs typeface="Calibri"/>
+                <a:sym typeface="Calibri"/>
+              </a:defRPr>
+            </a:lvl8pPr>
+            <a:lvl9pPr marL="4114800" marR="0" lvl="8" indent="-342900" algn="l" rtl="0">
+              <a:lnSpc>
+                <a:spcPct val="90000"/>
+              </a:lnSpc>
+              <a:spcBef>
+                <a:spcPts val="500"/>
+              </a:spcBef>
+              <a:spcAft>
+                <a:spcPts val="0"/>
+              </a:spcAft>
+              <a:buClr>
+                <a:schemeClr val="dk1"/>
+              </a:buClr>
+              <a:buSzPts val="1800"/>
+              <a:buFont typeface="Arial"/>
+              <a:buChar char="•"/>
+              <a:defRPr sz="1800" b="0" i="0" u="none" strike="noStrike" cap="none">
+                <a:solidFill>
+                  <a:schemeClr val="dk1"/>
+                </a:solidFill>
+                <a:latin typeface="Calibri"/>
+                <a:ea typeface="Calibri"/>
+                <a:cs typeface="Calibri"/>
+                <a:sym typeface="Calibri"/>
+              </a:defRPr>
+            </a:lvl9pPr>
+          </a:lstStyle>
           <a:p>
+            <a:pPr marR="0" lvl="0" algn="l" defTabSz="914400" rtl="0" eaLnBrk="1" fontAlgn="auto" latinLnBrk="0" hangingPunct="1">
+              <a:lnSpc>
+                <a:spcPct val="90000"/>
+              </a:lnSpc>
+              <a:spcBef>
+                <a:spcPts val="1000"/>
+              </a:spcBef>
+              <a:spcAft>
+                <a:spcPts val="0"/>
+              </a:spcAft>
+              <a:buClr>
+                <a:srgbClr val="000000"/>
+              </a:buClr>
+              <a:buSzPts val="1800"/>
+              <a:buFont typeface="Wingdings" panose="05000000000000000000" pitchFamily="2" charset="2"/>
+              <a:buChar char="q"/>
+              <a:tabLst/>
+              <a:defRPr/>
+            </a:pPr>
             <a:r>
-              <a:rPr lang="en-ZA" sz="1800" dirty="0"/>
-              <a:t>Hack To The Future</a:t>
+              <a:rPr kumimoji="0" lang="en-GB" sz="2800" b="0" i="0" u="none" strike="noStrike" kern="0" cap="none" spc="0" normalizeH="0" baseline="0" noProof="0" dirty="0" err="1">
+                <a:ln>
+                  <a:noFill/>
+                </a:ln>
+                <a:solidFill>
+                  <a:srgbClr val="000000"/>
+                </a:solidFill>
+                <a:effectLst/>
+                <a:uLnTx/>
+                <a:uFillTx/>
+                <a:latin typeface="Calibri"/>
+                <a:ea typeface="Calibri"/>
+                <a:cs typeface="Calibri"/>
+                <a:sym typeface="Calibri"/>
+              </a:rPr>
+              <a:t>Quicksight</a:t>
             </a:r>
+            <a:endParaRPr kumimoji="0" lang="en-GB" sz="2800" b="0" i="0" u="none" strike="noStrike" kern="0" cap="none" spc="0" normalizeH="0" baseline="0" noProof="0" dirty="0">
+              <a:ln>
+                <a:noFill/>
+              </a:ln>
+              <a:solidFill>
+                <a:srgbClr val="000000"/>
+              </a:solidFill>
+              <a:effectLst/>
+              <a:uLnTx/>
+              <a:uFillTx/>
+              <a:latin typeface="Calibri"/>
+              <a:ea typeface="Calibri"/>
+              <a:cs typeface="Calibri"/>
+              <a:sym typeface="Calibri"/>
+            </a:endParaRPr>
+          </a:p>
+          <a:p>
+            <a:pPr marR="0" lvl="0" algn="l" defTabSz="914400" rtl="0" eaLnBrk="1" fontAlgn="auto" latinLnBrk="0" hangingPunct="1">
+              <a:lnSpc>
+                <a:spcPct val="90000"/>
+              </a:lnSpc>
+              <a:spcBef>
+                <a:spcPts val="1000"/>
+              </a:spcBef>
+              <a:spcAft>
+                <a:spcPts val="0"/>
+              </a:spcAft>
+              <a:buClr>
+                <a:srgbClr val="000000"/>
+              </a:buClr>
+              <a:buSzPts val="1800"/>
+              <a:buFont typeface="Wingdings" panose="05000000000000000000" pitchFamily="2" charset="2"/>
+              <a:buChar char="q"/>
+              <a:tabLst/>
+              <a:defRPr/>
+            </a:pPr>
+            <a:endParaRPr kumimoji="0" lang="en-GB" sz="2800" b="0" i="0" u="none" strike="noStrike" kern="0" cap="none" spc="0" normalizeH="0" baseline="0" noProof="0" dirty="0">
+              <a:ln>
+                <a:noFill/>
+              </a:ln>
+              <a:solidFill>
+                <a:srgbClr val="000000"/>
+              </a:solidFill>
+              <a:effectLst/>
+              <a:uLnTx/>
+              <a:uFillTx/>
+              <a:latin typeface="Calibri"/>
+              <a:ea typeface="Calibri"/>
+              <a:cs typeface="Calibri"/>
+              <a:sym typeface="Calibri"/>
+            </a:endParaRPr>
+          </a:p>
+          <a:p>
+            <a:pPr marR="0" lvl="0" algn="l" defTabSz="914400" rtl="0" eaLnBrk="1" fontAlgn="auto" latinLnBrk="0" hangingPunct="1">
+              <a:lnSpc>
+                <a:spcPct val="90000"/>
+              </a:lnSpc>
+              <a:spcBef>
+                <a:spcPts val="1000"/>
+              </a:spcBef>
+              <a:spcAft>
+                <a:spcPts val="0"/>
+              </a:spcAft>
+              <a:buClr>
+                <a:srgbClr val="000000"/>
+              </a:buClr>
+              <a:buSzPts val="1800"/>
+              <a:buFont typeface="Wingdings" panose="05000000000000000000" pitchFamily="2" charset="2"/>
+              <a:buChar char="q"/>
+              <a:tabLst/>
+              <a:defRPr/>
+            </a:pPr>
+            <a:r>
+              <a:rPr lang="en-GB" dirty="0">
+                <a:solidFill>
+                  <a:srgbClr val="000000"/>
+                </a:solidFill>
+              </a:rPr>
+              <a:t>SES</a:t>
+            </a:r>
+            <a:endParaRPr kumimoji="0" lang="en-GB" sz="2800" b="0" i="0" u="none" strike="noStrike" kern="0" cap="none" spc="0" normalizeH="0" baseline="0" noProof="0" dirty="0">
+              <a:ln>
+                <a:noFill/>
+              </a:ln>
+              <a:solidFill>
+                <a:srgbClr val="000000"/>
+              </a:solidFill>
+              <a:effectLst/>
+              <a:uLnTx/>
+              <a:uFillTx/>
+              <a:latin typeface="Calibri"/>
+              <a:ea typeface="Calibri"/>
+              <a:cs typeface="Calibri"/>
+              <a:sym typeface="Calibri"/>
+            </a:endParaRPr>
+          </a:p>
+          <a:p>
+            <a:pPr marL="114300" marR="0" lvl="0" indent="0" algn="l" defTabSz="914400" rtl="0" eaLnBrk="1" fontAlgn="auto" latinLnBrk="0" hangingPunct="1">
+              <a:lnSpc>
+                <a:spcPct val="90000"/>
+              </a:lnSpc>
+              <a:spcBef>
+                <a:spcPts val="1000"/>
+              </a:spcBef>
+              <a:spcAft>
+                <a:spcPts val="0"/>
+              </a:spcAft>
+              <a:buClr>
+                <a:srgbClr val="000000"/>
+              </a:buClr>
+              <a:buSzPts val="1800"/>
+              <a:buNone/>
+              <a:tabLst/>
+              <a:defRPr/>
+            </a:pPr>
+            <a:endParaRPr kumimoji="0" lang="en-ZA" sz="2800" b="0" i="0" u="none" strike="noStrike" kern="0" cap="none" spc="0" normalizeH="0" baseline="0" noProof="0" dirty="0">
+              <a:ln>
+                <a:noFill/>
+              </a:ln>
+              <a:solidFill>
+                <a:srgbClr val="000000"/>
+              </a:solidFill>
+              <a:effectLst/>
+              <a:uLnTx/>
+              <a:uFillTx/>
+              <a:latin typeface="Calibri"/>
+              <a:ea typeface="Calibri"/>
+              <a:cs typeface="Calibri"/>
+              <a:sym typeface="Calibri"/>
+            </a:endParaRPr>
+          </a:p>
+        </p:txBody>
+      </p:sp>
+      <p:sp>
+        <p:nvSpPr>
+          <p:cNvPr id="12" name="Text Placeholder 4">
+            <a:extLst>
+              <a:ext uri="{FF2B5EF4-FFF2-40B4-BE49-F238E27FC236}">
+                <a16:creationId xmlns:a16="http://schemas.microsoft.com/office/drawing/2014/main" id="{2EBD062D-68CE-65B0-8A78-5653AFBA6379}"/>
+              </a:ext>
+            </a:extLst>
+          </p:cNvPr>
+          <p:cNvSpPr txBox="1">
+            <a:spLocks/>
+          </p:cNvSpPr>
+          <p:nvPr/>
+        </p:nvSpPr>
+        <p:spPr>
+          <a:xfrm>
+            <a:off x="3506127" y="1713247"/>
+            <a:ext cx="2589873" cy="823912"/>
+          </a:xfrm>
+          <a:prstGeom prst="rect">
+            <a:avLst/>
+          </a:prstGeom>
+          <a:noFill/>
+          <a:ln>
+            <a:noFill/>
+          </a:ln>
+        </p:spPr>
+        <p:txBody>
+          <a:bodyPr spcFirstLastPara="1" wrap="square" lIns="91425" tIns="45700" rIns="91425" bIns="45700" anchor="b" anchorCtr="0">
+            <a:normAutofit/>
+          </a:bodyPr>
+          <a:lstStyle>
+            <a:defPPr marR="0" lvl="0" algn="l" rtl="0">
+              <a:lnSpc>
+                <a:spcPct val="100000"/>
+              </a:lnSpc>
+              <a:spcBef>
+                <a:spcPts val="0"/>
+              </a:spcBef>
+              <a:spcAft>
+                <a:spcPts val="0"/>
+              </a:spcAft>
+            </a:defPPr>
+            <a:lvl1pPr marL="457200" marR="0" lvl="0" indent="-228600" algn="l" rtl="0">
+              <a:lnSpc>
+                <a:spcPct val="90000"/>
+              </a:lnSpc>
+              <a:spcBef>
+                <a:spcPts val="1000"/>
+              </a:spcBef>
+              <a:spcAft>
+                <a:spcPts val="0"/>
+              </a:spcAft>
+              <a:buClr>
+                <a:schemeClr val="dk1"/>
+              </a:buClr>
+              <a:buSzPts val="2400"/>
+              <a:buFont typeface="Arial"/>
+              <a:buNone/>
+              <a:defRPr sz="2400" b="1" i="0" u="none" strike="noStrike" cap="none">
+                <a:solidFill>
+                  <a:schemeClr val="dk1"/>
+                </a:solidFill>
+                <a:latin typeface="Calibri"/>
+                <a:ea typeface="Calibri"/>
+                <a:cs typeface="Calibri"/>
+                <a:sym typeface="Calibri"/>
+              </a:defRPr>
+            </a:lvl1pPr>
+            <a:lvl2pPr marL="914400" marR="0" lvl="1" indent="-228600" algn="l" rtl="0">
+              <a:lnSpc>
+                <a:spcPct val="90000"/>
+              </a:lnSpc>
+              <a:spcBef>
+                <a:spcPts val="500"/>
+              </a:spcBef>
+              <a:spcAft>
+                <a:spcPts val="0"/>
+              </a:spcAft>
+              <a:buClr>
+                <a:schemeClr val="dk1"/>
+              </a:buClr>
+              <a:buSzPts val="2000"/>
+              <a:buFont typeface="Arial"/>
+              <a:buNone/>
+              <a:defRPr sz="2000" b="1" i="0" u="none" strike="noStrike" cap="none">
+                <a:solidFill>
+                  <a:schemeClr val="dk1"/>
+                </a:solidFill>
+                <a:latin typeface="Calibri"/>
+                <a:ea typeface="Calibri"/>
+                <a:cs typeface="Calibri"/>
+                <a:sym typeface="Calibri"/>
+              </a:defRPr>
+            </a:lvl2pPr>
+            <a:lvl3pPr marL="1371600" marR="0" lvl="2" indent="-228600" algn="l" rtl="0">
+              <a:lnSpc>
+                <a:spcPct val="90000"/>
+              </a:lnSpc>
+              <a:spcBef>
+                <a:spcPts val="500"/>
+              </a:spcBef>
+              <a:spcAft>
+                <a:spcPts val="0"/>
+              </a:spcAft>
+              <a:buClr>
+                <a:schemeClr val="dk1"/>
+              </a:buClr>
+              <a:buSzPts val="1800"/>
+              <a:buFont typeface="Arial"/>
+              <a:buNone/>
+              <a:defRPr sz="1800" b="1" i="0" u="none" strike="noStrike" cap="none">
+                <a:solidFill>
+                  <a:schemeClr val="dk1"/>
+                </a:solidFill>
+                <a:latin typeface="Calibri"/>
+                <a:ea typeface="Calibri"/>
+                <a:cs typeface="Calibri"/>
+                <a:sym typeface="Calibri"/>
+              </a:defRPr>
+            </a:lvl3pPr>
+            <a:lvl4pPr marL="1828800" marR="0" lvl="3" indent="-228600" algn="l" rtl="0">
+              <a:lnSpc>
+                <a:spcPct val="90000"/>
+              </a:lnSpc>
+              <a:spcBef>
+                <a:spcPts val="500"/>
+              </a:spcBef>
+              <a:spcAft>
+                <a:spcPts val="0"/>
+              </a:spcAft>
+              <a:buClr>
+                <a:schemeClr val="dk1"/>
+              </a:buClr>
+              <a:buSzPts val="1600"/>
+              <a:buFont typeface="Arial"/>
+              <a:buNone/>
+              <a:defRPr sz="1600" b="1" i="0" u="none" strike="noStrike" cap="none">
+                <a:solidFill>
+                  <a:schemeClr val="dk1"/>
+                </a:solidFill>
+                <a:latin typeface="Calibri"/>
+                <a:ea typeface="Calibri"/>
+                <a:cs typeface="Calibri"/>
+                <a:sym typeface="Calibri"/>
+              </a:defRPr>
+            </a:lvl4pPr>
+            <a:lvl5pPr marL="2286000" marR="0" lvl="4" indent="-228600" algn="l" rtl="0">
+              <a:lnSpc>
+                <a:spcPct val="90000"/>
+              </a:lnSpc>
+              <a:spcBef>
+                <a:spcPts val="500"/>
+              </a:spcBef>
+              <a:spcAft>
+                <a:spcPts val="0"/>
+              </a:spcAft>
+              <a:buClr>
+                <a:schemeClr val="dk1"/>
+              </a:buClr>
+              <a:buSzPts val="1600"/>
+              <a:buFont typeface="Arial"/>
+              <a:buNone/>
+              <a:defRPr sz="1600" b="1" i="0" u="none" strike="noStrike" cap="none">
+                <a:solidFill>
+                  <a:schemeClr val="dk1"/>
+                </a:solidFill>
+                <a:latin typeface="Calibri"/>
+                <a:ea typeface="Calibri"/>
+                <a:cs typeface="Calibri"/>
+                <a:sym typeface="Calibri"/>
+              </a:defRPr>
+            </a:lvl5pPr>
+            <a:lvl6pPr marL="2743200" marR="0" lvl="5" indent="-228600" algn="l" rtl="0">
+              <a:lnSpc>
+                <a:spcPct val="90000"/>
+              </a:lnSpc>
+              <a:spcBef>
+                <a:spcPts val="500"/>
+              </a:spcBef>
+              <a:spcAft>
+                <a:spcPts val="0"/>
+              </a:spcAft>
+              <a:buClr>
+                <a:schemeClr val="dk1"/>
+              </a:buClr>
+              <a:buSzPts val="1600"/>
+              <a:buFont typeface="Arial"/>
+              <a:buNone/>
+              <a:defRPr sz="1600" b="1" i="0" u="none" strike="noStrike" cap="none">
+                <a:solidFill>
+                  <a:schemeClr val="dk1"/>
+                </a:solidFill>
+                <a:latin typeface="Calibri"/>
+                <a:ea typeface="Calibri"/>
+                <a:cs typeface="Calibri"/>
+                <a:sym typeface="Calibri"/>
+              </a:defRPr>
+            </a:lvl6pPr>
+            <a:lvl7pPr marL="3200400" marR="0" lvl="6" indent="-228600" algn="l" rtl="0">
+              <a:lnSpc>
+                <a:spcPct val="90000"/>
+              </a:lnSpc>
+              <a:spcBef>
+                <a:spcPts val="500"/>
+              </a:spcBef>
+              <a:spcAft>
+                <a:spcPts val="0"/>
+              </a:spcAft>
+              <a:buClr>
+                <a:schemeClr val="dk1"/>
+              </a:buClr>
+              <a:buSzPts val="1600"/>
+              <a:buFont typeface="Arial"/>
+              <a:buNone/>
+              <a:defRPr sz="1600" b="1" i="0" u="none" strike="noStrike" cap="none">
+                <a:solidFill>
+                  <a:schemeClr val="dk1"/>
+                </a:solidFill>
+                <a:latin typeface="Calibri"/>
+                <a:ea typeface="Calibri"/>
+                <a:cs typeface="Calibri"/>
+                <a:sym typeface="Calibri"/>
+              </a:defRPr>
+            </a:lvl7pPr>
+            <a:lvl8pPr marL="3657600" marR="0" lvl="7" indent="-228600" algn="l" rtl="0">
+              <a:lnSpc>
+                <a:spcPct val="90000"/>
+              </a:lnSpc>
+              <a:spcBef>
+                <a:spcPts val="500"/>
+              </a:spcBef>
+              <a:spcAft>
+                <a:spcPts val="0"/>
+              </a:spcAft>
+              <a:buClr>
+                <a:schemeClr val="dk1"/>
+              </a:buClr>
+              <a:buSzPts val="1600"/>
+              <a:buFont typeface="Arial"/>
+              <a:buNone/>
+              <a:defRPr sz="1600" b="1" i="0" u="none" strike="noStrike" cap="none">
+                <a:solidFill>
+                  <a:schemeClr val="dk1"/>
+                </a:solidFill>
+                <a:latin typeface="Calibri"/>
+                <a:ea typeface="Calibri"/>
+                <a:cs typeface="Calibri"/>
+                <a:sym typeface="Calibri"/>
+              </a:defRPr>
+            </a:lvl8pPr>
+            <a:lvl9pPr marL="4114800" marR="0" lvl="8" indent="-228600" algn="l" rtl="0">
+              <a:lnSpc>
+                <a:spcPct val="90000"/>
+              </a:lnSpc>
+              <a:spcBef>
+                <a:spcPts val="500"/>
+              </a:spcBef>
+              <a:spcAft>
+                <a:spcPts val="0"/>
+              </a:spcAft>
+              <a:buClr>
+                <a:schemeClr val="dk1"/>
+              </a:buClr>
+              <a:buSzPts val="1600"/>
+              <a:buFont typeface="Arial"/>
+              <a:buNone/>
+              <a:defRPr sz="1600" b="1" i="0" u="none" strike="noStrike" cap="none">
+                <a:solidFill>
+                  <a:schemeClr val="dk1"/>
+                </a:solidFill>
+                <a:latin typeface="Calibri"/>
+                <a:ea typeface="Calibri"/>
+                <a:cs typeface="Calibri"/>
+                <a:sym typeface="Calibri"/>
+              </a:defRPr>
+            </a:lvl9pPr>
+          </a:lstStyle>
+          <a:p>
+            <a:pPr marL="457200" marR="0" lvl="0" indent="-228600" algn="l" defTabSz="914400" rtl="0" eaLnBrk="1" fontAlgn="auto" latinLnBrk="0" hangingPunct="1">
+              <a:lnSpc>
+                <a:spcPct val="90000"/>
+              </a:lnSpc>
+              <a:spcBef>
+                <a:spcPts val="1000"/>
+              </a:spcBef>
+              <a:spcAft>
+                <a:spcPts val="0"/>
+              </a:spcAft>
+              <a:buClr>
+                <a:srgbClr val="000000"/>
+              </a:buClr>
+              <a:buSzPts val="2400"/>
+              <a:buFont typeface="Arial"/>
+              <a:buNone/>
+              <a:tabLst/>
+              <a:defRPr/>
+            </a:pPr>
+            <a:r>
+              <a:rPr kumimoji="0" lang="en-GB" sz="3000" b="1" i="0" u="none" strike="noStrike" kern="0" cap="none" spc="0" normalizeH="0" baseline="0" noProof="0" dirty="0">
+                <a:ln>
+                  <a:noFill/>
+                </a:ln>
+                <a:solidFill>
+                  <a:srgbClr val="000000"/>
+                </a:solidFill>
+                <a:effectLst/>
+                <a:uLnTx/>
+                <a:uFillTx/>
+                <a:latin typeface="Calibri"/>
+                <a:ea typeface="Calibri"/>
+                <a:cs typeface="Calibri"/>
+                <a:sym typeface="Calibri"/>
+              </a:rPr>
+              <a:t>Logic</a:t>
+            </a:r>
+            <a:endParaRPr kumimoji="0" lang="en-ZA" sz="3000" b="1" i="0" u="none" strike="noStrike" kern="0" cap="none" spc="0" normalizeH="0" baseline="0" noProof="0" dirty="0">
+              <a:ln>
+                <a:noFill/>
+              </a:ln>
+              <a:solidFill>
+                <a:srgbClr val="000000"/>
+              </a:solidFill>
+              <a:effectLst/>
+              <a:uLnTx/>
+              <a:uFillTx/>
+              <a:latin typeface="Calibri"/>
+              <a:ea typeface="Calibri"/>
+              <a:cs typeface="Calibri"/>
+              <a:sym typeface="Calibri"/>
+            </a:endParaRPr>
+          </a:p>
+        </p:txBody>
+      </p:sp>
+      <p:sp>
+        <p:nvSpPr>
+          <p:cNvPr id="13" name="Text Placeholder 5">
+            <a:extLst>
+              <a:ext uri="{FF2B5EF4-FFF2-40B4-BE49-F238E27FC236}">
+                <a16:creationId xmlns:a16="http://schemas.microsoft.com/office/drawing/2014/main" id="{33838FBB-CB03-C2C5-2F0A-7936F455387C}"/>
+              </a:ext>
+            </a:extLst>
+          </p:cNvPr>
+          <p:cNvSpPr txBox="1">
+            <a:spLocks/>
+          </p:cNvSpPr>
+          <p:nvPr/>
+        </p:nvSpPr>
+        <p:spPr>
+          <a:xfrm>
+            <a:off x="3506127" y="2777790"/>
+            <a:ext cx="2589873" cy="3684588"/>
+          </a:xfrm>
+          <a:prstGeom prst="rect">
+            <a:avLst/>
+          </a:prstGeom>
+          <a:noFill/>
+          <a:ln>
+            <a:noFill/>
+          </a:ln>
+        </p:spPr>
+        <p:txBody>
+          <a:bodyPr spcFirstLastPara="1" wrap="square" lIns="91425" tIns="45700" rIns="91425" bIns="45700" anchor="t" anchorCtr="0">
+            <a:normAutofit/>
+          </a:bodyPr>
+          <a:lstStyle>
+            <a:defPPr marR="0" lvl="0" algn="l" rtl="0">
+              <a:lnSpc>
+                <a:spcPct val="100000"/>
+              </a:lnSpc>
+              <a:spcBef>
+                <a:spcPts val="0"/>
+              </a:spcBef>
+              <a:spcAft>
+                <a:spcPts val="0"/>
+              </a:spcAft>
+            </a:defPPr>
+            <a:lvl1pPr marL="457200" marR="0" lvl="0" indent="-342900" algn="l" rtl="0">
+              <a:lnSpc>
+                <a:spcPct val="90000"/>
+              </a:lnSpc>
+              <a:spcBef>
+                <a:spcPts val="1000"/>
+              </a:spcBef>
+              <a:spcAft>
+                <a:spcPts val="0"/>
+              </a:spcAft>
+              <a:buClr>
+                <a:schemeClr val="dk1"/>
+              </a:buClr>
+              <a:buSzPts val="1800"/>
+              <a:buFont typeface="Arial"/>
+              <a:buChar char="•"/>
+              <a:defRPr sz="2800" b="0" i="0" u="none" strike="noStrike" cap="none">
+                <a:solidFill>
+                  <a:schemeClr val="dk1"/>
+                </a:solidFill>
+                <a:latin typeface="Calibri"/>
+                <a:ea typeface="Calibri"/>
+                <a:cs typeface="Calibri"/>
+                <a:sym typeface="Calibri"/>
+              </a:defRPr>
+            </a:lvl1pPr>
+            <a:lvl2pPr marL="914400" marR="0" lvl="1" indent="-342900" algn="l" rtl="0">
+              <a:lnSpc>
+                <a:spcPct val="90000"/>
+              </a:lnSpc>
+              <a:spcBef>
+                <a:spcPts val="500"/>
+              </a:spcBef>
+              <a:spcAft>
+                <a:spcPts val="0"/>
+              </a:spcAft>
+              <a:buClr>
+                <a:schemeClr val="dk1"/>
+              </a:buClr>
+              <a:buSzPts val="1800"/>
+              <a:buFont typeface="Arial"/>
+              <a:buChar char="•"/>
+              <a:defRPr sz="2400" b="0" i="0" u="none" strike="noStrike" cap="none">
+                <a:solidFill>
+                  <a:schemeClr val="dk1"/>
+                </a:solidFill>
+                <a:latin typeface="Calibri"/>
+                <a:ea typeface="Calibri"/>
+                <a:cs typeface="Calibri"/>
+                <a:sym typeface="Calibri"/>
+              </a:defRPr>
+            </a:lvl2pPr>
+            <a:lvl3pPr marL="1371600" marR="0" lvl="2" indent="-342900" algn="l" rtl="0">
+              <a:lnSpc>
+                <a:spcPct val="90000"/>
+              </a:lnSpc>
+              <a:spcBef>
+                <a:spcPts val="500"/>
+              </a:spcBef>
+              <a:spcAft>
+                <a:spcPts val="0"/>
+              </a:spcAft>
+              <a:buClr>
+                <a:schemeClr val="dk1"/>
+              </a:buClr>
+              <a:buSzPts val="1800"/>
+              <a:buFont typeface="Arial"/>
+              <a:buChar char="•"/>
+              <a:defRPr sz="2000" b="0" i="0" u="none" strike="noStrike" cap="none">
+                <a:solidFill>
+                  <a:schemeClr val="dk1"/>
+                </a:solidFill>
+                <a:latin typeface="Calibri"/>
+                <a:ea typeface="Calibri"/>
+                <a:cs typeface="Calibri"/>
+                <a:sym typeface="Calibri"/>
+              </a:defRPr>
+            </a:lvl3pPr>
+            <a:lvl4pPr marL="1828800" marR="0" lvl="3" indent="-342900" algn="l" rtl="0">
+              <a:lnSpc>
+                <a:spcPct val="90000"/>
+              </a:lnSpc>
+              <a:spcBef>
+                <a:spcPts val="500"/>
+              </a:spcBef>
+              <a:spcAft>
+                <a:spcPts val="0"/>
+              </a:spcAft>
+              <a:buClr>
+                <a:schemeClr val="dk1"/>
+              </a:buClr>
+              <a:buSzPts val="1800"/>
+              <a:buFont typeface="Arial"/>
+              <a:buChar char="•"/>
+              <a:defRPr sz="1800" b="0" i="0" u="none" strike="noStrike" cap="none">
+                <a:solidFill>
+                  <a:schemeClr val="dk1"/>
+                </a:solidFill>
+                <a:latin typeface="Calibri"/>
+                <a:ea typeface="Calibri"/>
+                <a:cs typeface="Calibri"/>
+                <a:sym typeface="Calibri"/>
+              </a:defRPr>
+            </a:lvl4pPr>
+            <a:lvl5pPr marL="2286000" marR="0" lvl="4" indent="-342900" algn="l" rtl="0">
+              <a:lnSpc>
+                <a:spcPct val="90000"/>
+              </a:lnSpc>
+              <a:spcBef>
+                <a:spcPts val="500"/>
+              </a:spcBef>
+              <a:spcAft>
+                <a:spcPts val="0"/>
+              </a:spcAft>
+              <a:buClr>
+                <a:schemeClr val="dk1"/>
+              </a:buClr>
+              <a:buSzPts val="1800"/>
+              <a:buFont typeface="Arial"/>
+              <a:buChar char="•"/>
+              <a:defRPr sz="1800" b="0" i="0" u="none" strike="noStrike" cap="none">
+                <a:solidFill>
+                  <a:schemeClr val="dk1"/>
+                </a:solidFill>
+                <a:latin typeface="Calibri"/>
+                <a:ea typeface="Calibri"/>
+                <a:cs typeface="Calibri"/>
+                <a:sym typeface="Calibri"/>
+              </a:defRPr>
+            </a:lvl5pPr>
+            <a:lvl6pPr marL="2743200" marR="0" lvl="5" indent="-342900" algn="l" rtl="0">
+              <a:lnSpc>
+                <a:spcPct val="90000"/>
+              </a:lnSpc>
+              <a:spcBef>
+                <a:spcPts val="500"/>
+              </a:spcBef>
+              <a:spcAft>
+                <a:spcPts val="0"/>
+              </a:spcAft>
+              <a:buClr>
+                <a:schemeClr val="dk1"/>
+              </a:buClr>
+              <a:buSzPts val="1800"/>
+              <a:buFont typeface="Arial"/>
+              <a:buChar char="•"/>
+              <a:defRPr sz="1800" b="0" i="0" u="none" strike="noStrike" cap="none">
+                <a:solidFill>
+                  <a:schemeClr val="dk1"/>
+                </a:solidFill>
+                <a:latin typeface="Calibri"/>
+                <a:ea typeface="Calibri"/>
+                <a:cs typeface="Calibri"/>
+                <a:sym typeface="Calibri"/>
+              </a:defRPr>
+            </a:lvl6pPr>
+            <a:lvl7pPr marL="3200400" marR="0" lvl="6" indent="-342900" algn="l" rtl="0">
+              <a:lnSpc>
+                <a:spcPct val="90000"/>
+              </a:lnSpc>
+              <a:spcBef>
+                <a:spcPts val="500"/>
+              </a:spcBef>
+              <a:spcAft>
+                <a:spcPts val="0"/>
+              </a:spcAft>
+              <a:buClr>
+                <a:schemeClr val="dk1"/>
+              </a:buClr>
+              <a:buSzPts val="1800"/>
+              <a:buFont typeface="Arial"/>
+              <a:buChar char="•"/>
+              <a:defRPr sz="1800" b="0" i="0" u="none" strike="noStrike" cap="none">
+                <a:solidFill>
+                  <a:schemeClr val="dk1"/>
+                </a:solidFill>
+                <a:latin typeface="Calibri"/>
+                <a:ea typeface="Calibri"/>
+                <a:cs typeface="Calibri"/>
+                <a:sym typeface="Calibri"/>
+              </a:defRPr>
+            </a:lvl7pPr>
+            <a:lvl8pPr marL="3657600" marR="0" lvl="7" indent="-342900" algn="l" rtl="0">
+              <a:lnSpc>
+                <a:spcPct val="90000"/>
+              </a:lnSpc>
+              <a:spcBef>
+                <a:spcPts val="500"/>
+              </a:spcBef>
+              <a:spcAft>
+                <a:spcPts val="0"/>
+              </a:spcAft>
+              <a:buClr>
+                <a:schemeClr val="dk1"/>
+              </a:buClr>
+              <a:buSzPts val="1800"/>
+              <a:buFont typeface="Arial"/>
+              <a:buChar char="•"/>
+              <a:defRPr sz="1800" b="0" i="0" u="none" strike="noStrike" cap="none">
+                <a:solidFill>
+                  <a:schemeClr val="dk1"/>
+                </a:solidFill>
+                <a:latin typeface="Calibri"/>
+                <a:ea typeface="Calibri"/>
+                <a:cs typeface="Calibri"/>
+                <a:sym typeface="Calibri"/>
+              </a:defRPr>
+            </a:lvl8pPr>
+            <a:lvl9pPr marL="4114800" marR="0" lvl="8" indent="-342900" algn="l" rtl="0">
+              <a:lnSpc>
+                <a:spcPct val="90000"/>
+              </a:lnSpc>
+              <a:spcBef>
+                <a:spcPts val="500"/>
+              </a:spcBef>
+              <a:spcAft>
+                <a:spcPts val="0"/>
+              </a:spcAft>
+              <a:buClr>
+                <a:schemeClr val="dk1"/>
+              </a:buClr>
+              <a:buSzPts val="1800"/>
+              <a:buFont typeface="Arial"/>
+              <a:buChar char="•"/>
+              <a:defRPr sz="1800" b="0" i="0" u="none" strike="noStrike" cap="none">
+                <a:solidFill>
+                  <a:schemeClr val="dk1"/>
+                </a:solidFill>
+                <a:latin typeface="Calibri"/>
+                <a:ea typeface="Calibri"/>
+                <a:cs typeface="Calibri"/>
+                <a:sym typeface="Calibri"/>
+              </a:defRPr>
+            </a:lvl9pPr>
+          </a:lstStyle>
+          <a:p>
+            <a:pPr marR="0" lvl="0" algn="l" defTabSz="914400" rtl="0" eaLnBrk="1" fontAlgn="auto" latinLnBrk="0" hangingPunct="1">
+              <a:lnSpc>
+                <a:spcPct val="90000"/>
+              </a:lnSpc>
+              <a:spcBef>
+                <a:spcPts val="1000"/>
+              </a:spcBef>
+              <a:spcAft>
+                <a:spcPts val="0"/>
+              </a:spcAft>
+              <a:buClr>
+                <a:srgbClr val="000000"/>
+              </a:buClr>
+              <a:buSzPts val="1800"/>
+              <a:buFont typeface="Wingdings" panose="05000000000000000000" pitchFamily="2" charset="2"/>
+              <a:buChar char="q"/>
+              <a:tabLst/>
+              <a:defRPr/>
+            </a:pPr>
+            <a:r>
+              <a:rPr kumimoji="0" lang="en-GB" sz="2800" b="0" i="0" u="none" strike="noStrike" kern="0" cap="none" spc="0" normalizeH="0" baseline="0" noProof="0" dirty="0">
+                <a:ln>
+                  <a:noFill/>
+                </a:ln>
+                <a:solidFill>
+                  <a:srgbClr val="000000"/>
+                </a:solidFill>
+                <a:effectLst/>
+                <a:uLnTx/>
+                <a:uFillTx/>
+                <a:latin typeface="Calibri"/>
+                <a:ea typeface="Calibri"/>
+                <a:cs typeface="Calibri"/>
+                <a:sym typeface="Calibri"/>
+              </a:rPr>
+              <a:t>Lambda</a:t>
+            </a:r>
+          </a:p>
+          <a:p>
+            <a:pPr marR="0" lvl="0" algn="l" defTabSz="914400" rtl="0" eaLnBrk="1" fontAlgn="auto" latinLnBrk="0" hangingPunct="1">
+              <a:lnSpc>
+                <a:spcPct val="90000"/>
+              </a:lnSpc>
+              <a:spcBef>
+                <a:spcPts val="1000"/>
+              </a:spcBef>
+              <a:spcAft>
+                <a:spcPts val="0"/>
+              </a:spcAft>
+              <a:buClr>
+                <a:srgbClr val="000000"/>
+              </a:buClr>
+              <a:buSzPts val="1800"/>
+              <a:buFont typeface="Wingdings" panose="05000000000000000000" pitchFamily="2" charset="2"/>
+              <a:buChar char="q"/>
+              <a:tabLst/>
+              <a:defRPr/>
+            </a:pPr>
+            <a:endParaRPr kumimoji="0" lang="en-GB" sz="2800" b="0" i="0" u="none" strike="noStrike" kern="0" cap="none" spc="0" normalizeH="0" baseline="0" noProof="0" dirty="0">
+              <a:ln>
+                <a:noFill/>
+              </a:ln>
+              <a:solidFill>
+                <a:srgbClr val="000000"/>
+              </a:solidFill>
+              <a:effectLst/>
+              <a:uLnTx/>
+              <a:uFillTx/>
+              <a:latin typeface="Calibri"/>
+              <a:ea typeface="Calibri"/>
+              <a:cs typeface="Calibri"/>
+              <a:sym typeface="Calibri"/>
+            </a:endParaRPr>
+          </a:p>
+          <a:p>
+            <a:pPr marR="0" lvl="0" algn="l" defTabSz="914400" rtl="0" eaLnBrk="1" fontAlgn="auto" latinLnBrk="0" hangingPunct="1">
+              <a:lnSpc>
+                <a:spcPct val="90000"/>
+              </a:lnSpc>
+              <a:spcBef>
+                <a:spcPts val="1000"/>
+              </a:spcBef>
+              <a:spcAft>
+                <a:spcPts val="0"/>
+              </a:spcAft>
+              <a:buClr>
+                <a:srgbClr val="000000"/>
+              </a:buClr>
+              <a:buSzPts val="1800"/>
+              <a:buFont typeface="Wingdings" panose="05000000000000000000" pitchFamily="2" charset="2"/>
+              <a:buChar char="q"/>
+              <a:tabLst/>
+              <a:defRPr/>
+            </a:pPr>
+            <a:r>
+              <a:rPr kumimoji="0" lang="en-GB" sz="2800" b="0" i="0" u="none" strike="noStrike" kern="0" cap="none" spc="0" normalizeH="0" baseline="0" noProof="0" dirty="0" err="1">
+                <a:ln>
+                  <a:noFill/>
+                </a:ln>
+                <a:solidFill>
+                  <a:srgbClr val="000000"/>
+                </a:solidFill>
+                <a:effectLst/>
+                <a:uLnTx/>
+                <a:uFillTx/>
+                <a:latin typeface="Calibri"/>
+                <a:ea typeface="Calibri"/>
+                <a:cs typeface="Calibri"/>
+                <a:sym typeface="Calibri"/>
+              </a:rPr>
+              <a:t>SageMaker</a:t>
+            </a:r>
+            <a:endParaRPr kumimoji="0" lang="en-ZA" sz="2800" b="0" i="0" u="none" strike="noStrike" kern="0" cap="none" spc="0" normalizeH="0" baseline="0" noProof="0" dirty="0">
+              <a:ln>
+                <a:noFill/>
+              </a:ln>
+              <a:solidFill>
+                <a:srgbClr val="000000"/>
+              </a:solidFill>
+              <a:effectLst/>
+              <a:uLnTx/>
+              <a:uFillTx/>
+              <a:latin typeface="Calibri"/>
+              <a:ea typeface="Calibri"/>
+              <a:cs typeface="Calibri"/>
+              <a:sym typeface="Calibri"/>
+            </a:endParaRPr>
+          </a:p>
+        </p:txBody>
+      </p:sp>
+      <p:sp>
+        <p:nvSpPr>
+          <p:cNvPr id="14" name="Text Placeholder 2">
+            <a:extLst>
+              <a:ext uri="{FF2B5EF4-FFF2-40B4-BE49-F238E27FC236}">
+                <a16:creationId xmlns:a16="http://schemas.microsoft.com/office/drawing/2014/main" id="{894DCB80-F172-947A-1145-C6813B349707}"/>
+              </a:ext>
+            </a:extLst>
+          </p:cNvPr>
+          <p:cNvSpPr txBox="1">
+            <a:spLocks/>
+          </p:cNvSpPr>
+          <p:nvPr/>
+        </p:nvSpPr>
+        <p:spPr>
+          <a:xfrm>
+            <a:off x="6096000" y="1713247"/>
+            <a:ext cx="2577181" cy="823912"/>
+          </a:xfrm>
+          <a:prstGeom prst="rect">
+            <a:avLst/>
+          </a:prstGeom>
+          <a:noFill/>
+          <a:ln>
+            <a:noFill/>
+          </a:ln>
+        </p:spPr>
+        <p:txBody>
+          <a:bodyPr spcFirstLastPara="1" wrap="square" lIns="91425" tIns="45700" rIns="91425" bIns="45700" anchor="b" anchorCtr="0">
+            <a:normAutofit/>
+          </a:bodyPr>
+          <a:lstStyle>
+            <a:defPPr marR="0" lvl="0" algn="l" rtl="0">
+              <a:lnSpc>
+                <a:spcPct val="100000"/>
+              </a:lnSpc>
+              <a:spcBef>
+                <a:spcPts val="0"/>
+              </a:spcBef>
+              <a:spcAft>
+                <a:spcPts val="0"/>
+              </a:spcAft>
+            </a:defPPr>
+            <a:lvl1pPr marL="457200" marR="0" lvl="0" indent="-228600" algn="l" rtl="0">
+              <a:lnSpc>
+                <a:spcPct val="90000"/>
+              </a:lnSpc>
+              <a:spcBef>
+                <a:spcPts val="1000"/>
+              </a:spcBef>
+              <a:spcAft>
+                <a:spcPts val="0"/>
+              </a:spcAft>
+              <a:buClr>
+                <a:schemeClr val="dk1"/>
+              </a:buClr>
+              <a:buSzPts val="2400"/>
+              <a:buFont typeface="Arial"/>
+              <a:buNone/>
+              <a:defRPr sz="2400" b="1" i="0" u="none" strike="noStrike" cap="none">
+                <a:solidFill>
+                  <a:schemeClr val="dk1"/>
+                </a:solidFill>
+                <a:latin typeface="Calibri"/>
+                <a:ea typeface="Calibri"/>
+                <a:cs typeface="Calibri"/>
+                <a:sym typeface="Calibri"/>
+              </a:defRPr>
+            </a:lvl1pPr>
+            <a:lvl2pPr marL="914400" marR="0" lvl="1" indent="-228600" algn="l" rtl="0">
+              <a:lnSpc>
+                <a:spcPct val="90000"/>
+              </a:lnSpc>
+              <a:spcBef>
+                <a:spcPts val="500"/>
+              </a:spcBef>
+              <a:spcAft>
+                <a:spcPts val="0"/>
+              </a:spcAft>
+              <a:buClr>
+                <a:schemeClr val="dk1"/>
+              </a:buClr>
+              <a:buSzPts val="2000"/>
+              <a:buFont typeface="Arial"/>
+              <a:buNone/>
+              <a:defRPr sz="2000" b="1" i="0" u="none" strike="noStrike" cap="none">
+                <a:solidFill>
+                  <a:schemeClr val="dk1"/>
+                </a:solidFill>
+                <a:latin typeface="Calibri"/>
+                <a:ea typeface="Calibri"/>
+                <a:cs typeface="Calibri"/>
+                <a:sym typeface="Calibri"/>
+              </a:defRPr>
+            </a:lvl2pPr>
+            <a:lvl3pPr marL="1371600" marR="0" lvl="2" indent="-228600" algn="l" rtl="0">
+              <a:lnSpc>
+                <a:spcPct val="90000"/>
+              </a:lnSpc>
+              <a:spcBef>
+                <a:spcPts val="500"/>
+              </a:spcBef>
+              <a:spcAft>
+                <a:spcPts val="0"/>
+              </a:spcAft>
+              <a:buClr>
+                <a:schemeClr val="dk1"/>
+              </a:buClr>
+              <a:buSzPts val="1800"/>
+              <a:buFont typeface="Arial"/>
+              <a:buNone/>
+              <a:defRPr sz="1800" b="1" i="0" u="none" strike="noStrike" cap="none">
+                <a:solidFill>
+                  <a:schemeClr val="dk1"/>
+                </a:solidFill>
+                <a:latin typeface="Calibri"/>
+                <a:ea typeface="Calibri"/>
+                <a:cs typeface="Calibri"/>
+                <a:sym typeface="Calibri"/>
+              </a:defRPr>
+            </a:lvl3pPr>
+            <a:lvl4pPr marL="1828800" marR="0" lvl="3" indent="-228600" algn="l" rtl="0">
+              <a:lnSpc>
+                <a:spcPct val="90000"/>
+              </a:lnSpc>
+              <a:spcBef>
+                <a:spcPts val="500"/>
+              </a:spcBef>
+              <a:spcAft>
+                <a:spcPts val="0"/>
+              </a:spcAft>
+              <a:buClr>
+                <a:schemeClr val="dk1"/>
+              </a:buClr>
+              <a:buSzPts val="1600"/>
+              <a:buFont typeface="Arial"/>
+              <a:buNone/>
+              <a:defRPr sz="1600" b="1" i="0" u="none" strike="noStrike" cap="none">
+                <a:solidFill>
+                  <a:schemeClr val="dk1"/>
+                </a:solidFill>
+                <a:latin typeface="Calibri"/>
+                <a:ea typeface="Calibri"/>
+                <a:cs typeface="Calibri"/>
+                <a:sym typeface="Calibri"/>
+              </a:defRPr>
+            </a:lvl4pPr>
+            <a:lvl5pPr marL="2286000" marR="0" lvl="4" indent="-228600" algn="l" rtl="0">
+              <a:lnSpc>
+                <a:spcPct val="90000"/>
+              </a:lnSpc>
+              <a:spcBef>
+                <a:spcPts val="500"/>
+              </a:spcBef>
+              <a:spcAft>
+                <a:spcPts val="0"/>
+              </a:spcAft>
+              <a:buClr>
+                <a:schemeClr val="dk1"/>
+              </a:buClr>
+              <a:buSzPts val="1600"/>
+              <a:buFont typeface="Arial"/>
+              <a:buNone/>
+              <a:defRPr sz="1600" b="1" i="0" u="none" strike="noStrike" cap="none">
+                <a:solidFill>
+                  <a:schemeClr val="dk1"/>
+                </a:solidFill>
+                <a:latin typeface="Calibri"/>
+                <a:ea typeface="Calibri"/>
+                <a:cs typeface="Calibri"/>
+                <a:sym typeface="Calibri"/>
+              </a:defRPr>
+            </a:lvl5pPr>
+            <a:lvl6pPr marL="2743200" marR="0" lvl="5" indent="-228600" algn="l" rtl="0">
+              <a:lnSpc>
+                <a:spcPct val="90000"/>
+              </a:lnSpc>
+              <a:spcBef>
+                <a:spcPts val="500"/>
+              </a:spcBef>
+              <a:spcAft>
+                <a:spcPts val="0"/>
+              </a:spcAft>
+              <a:buClr>
+                <a:schemeClr val="dk1"/>
+              </a:buClr>
+              <a:buSzPts val="1600"/>
+              <a:buFont typeface="Arial"/>
+              <a:buNone/>
+              <a:defRPr sz="1600" b="1" i="0" u="none" strike="noStrike" cap="none">
+                <a:solidFill>
+                  <a:schemeClr val="dk1"/>
+                </a:solidFill>
+                <a:latin typeface="Calibri"/>
+                <a:ea typeface="Calibri"/>
+                <a:cs typeface="Calibri"/>
+                <a:sym typeface="Calibri"/>
+              </a:defRPr>
+            </a:lvl6pPr>
+            <a:lvl7pPr marL="3200400" marR="0" lvl="6" indent="-228600" algn="l" rtl="0">
+              <a:lnSpc>
+                <a:spcPct val="90000"/>
+              </a:lnSpc>
+              <a:spcBef>
+                <a:spcPts val="500"/>
+              </a:spcBef>
+              <a:spcAft>
+                <a:spcPts val="0"/>
+              </a:spcAft>
+              <a:buClr>
+                <a:schemeClr val="dk1"/>
+              </a:buClr>
+              <a:buSzPts val="1600"/>
+              <a:buFont typeface="Arial"/>
+              <a:buNone/>
+              <a:defRPr sz="1600" b="1" i="0" u="none" strike="noStrike" cap="none">
+                <a:solidFill>
+                  <a:schemeClr val="dk1"/>
+                </a:solidFill>
+                <a:latin typeface="Calibri"/>
+                <a:ea typeface="Calibri"/>
+                <a:cs typeface="Calibri"/>
+                <a:sym typeface="Calibri"/>
+              </a:defRPr>
+            </a:lvl7pPr>
+            <a:lvl8pPr marL="3657600" marR="0" lvl="7" indent="-228600" algn="l" rtl="0">
+              <a:lnSpc>
+                <a:spcPct val="90000"/>
+              </a:lnSpc>
+              <a:spcBef>
+                <a:spcPts val="500"/>
+              </a:spcBef>
+              <a:spcAft>
+                <a:spcPts val="0"/>
+              </a:spcAft>
+              <a:buClr>
+                <a:schemeClr val="dk1"/>
+              </a:buClr>
+              <a:buSzPts val="1600"/>
+              <a:buFont typeface="Arial"/>
+              <a:buNone/>
+              <a:defRPr sz="1600" b="1" i="0" u="none" strike="noStrike" cap="none">
+                <a:solidFill>
+                  <a:schemeClr val="dk1"/>
+                </a:solidFill>
+                <a:latin typeface="Calibri"/>
+                <a:ea typeface="Calibri"/>
+                <a:cs typeface="Calibri"/>
+                <a:sym typeface="Calibri"/>
+              </a:defRPr>
+            </a:lvl8pPr>
+            <a:lvl9pPr marL="4114800" marR="0" lvl="8" indent="-228600" algn="l" rtl="0">
+              <a:lnSpc>
+                <a:spcPct val="90000"/>
+              </a:lnSpc>
+              <a:spcBef>
+                <a:spcPts val="500"/>
+              </a:spcBef>
+              <a:spcAft>
+                <a:spcPts val="0"/>
+              </a:spcAft>
+              <a:buClr>
+                <a:schemeClr val="dk1"/>
+              </a:buClr>
+              <a:buSzPts val="1600"/>
+              <a:buFont typeface="Arial"/>
+              <a:buNone/>
+              <a:defRPr sz="1600" b="1" i="0" u="none" strike="noStrike" cap="none">
+                <a:solidFill>
+                  <a:schemeClr val="dk1"/>
+                </a:solidFill>
+                <a:latin typeface="Calibri"/>
+                <a:ea typeface="Calibri"/>
+                <a:cs typeface="Calibri"/>
+                <a:sym typeface="Calibri"/>
+              </a:defRPr>
+            </a:lvl9pPr>
+          </a:lstStyle>
+          <a:p>
+            <a:pPr marL="457200" marR="0" lvl="0" indent="-228600" algn="l" defTabSz="914400" rtl="0" eaLnBrk="1" fontAlgn="auto" latinLnBrk="0" hangingPunct="1">
+              <a:lnSpc>
+                <a:spcPct val="90000"/>
+              </a:lnSpc>
+              <a:spcBef>
+                <a:spcPts val="1000"/>
+              </a:spcBef>
+              <a:spcAft>
+                <a:spcPts val="0"/>
+              </a:spcAft>
+              <a:buClr>
+                <a:srgbClr val="000000"/>
+              </a:buClr>
+              <a:buSzPts val="2400"/>
+              <a:buFont typeface="Arial"/>
+              <a:buNone/>
+              <a:tabLst/>
+              <a:defRPr/>
+            </a:pPr>
+            <a:r>
+              <a:rPr kumimoji="0" lang="en-GB" sz="3000" b="1" i="0" u="none" strike="noStrike" kern="0" cap="none" spc="0" normalizeH="0" baseline="0" noProof="0" dirty="0">
+                <a:ln>
+                  <a:noFill/>
+                </a:ln>
+                <a:solidFill>
+                  <a:srgbClr val="000000"/>
+                </a:solidFill>
+                <a:effectLst/>
+                <a:uLnTx/>
+                <a:uFillTx/>
+                <a:latin typeface="Calibri"/>
+                <a:ea typeface="Calibri"/>
+                <a:cs typeface="Calibri"/>
+                <a:sym typeface="Calibri"/>
+              </a:rPr>
+              <a:t>Transport</a:t>
+            </a:r>
+            <a:endParaRPr kumimoji="0" lang="en-ZA" sz="3000" b="1" i="0" u="none" strike="noStrike" kern="0" cap="none" spc="0" normalizeH="0" baseline="0" noProof="0" dirty="0">
+              <a:ln>
+                <a:noFill/>
+              </a:ln>
+              <a:solidFill>
+                <a:srgbClr val="000000"/>
+              </a:solidFill>
+              <a:effectLst/>
+              <a:uLnTx/>
+              <a:uFillTx/>
+              <a:latin typeface="Calibri"/>
+              <a:ea typeface="Calibri"/>
+              <a:cs typeface="Calibri"/>
+              <a:sym typeface="Calibri"/>
+            </a:endParaRPr>
+          </a:p>
+        </p:txBody>
+      </p:sp>
+      <p:sp>
+        <p:nvSpPr>
+          <p:cNvPr id="15" name="Text Placeholder 3">
+            <a:extLst>
+              <a:ext uri="{FF2B5EF4-FFF2-40B4-BE49-F238E27FC236}">
+                <a16:creationId xmlns:a16="http://schemas.microsoft.com/office/drawing/2014/main" id="{8B80030B-3491-DF0E-C724-FE046BA8617B}"/>
+              </a:ext>
+            </a:extLst>
+          </p:cNvPr>
+          <p:cNvSpPr txBox="1">
+            <a:spLocks/>
+          </p:cNvSpPr>
+          <p:nvPr/>
+        </p:nvSpPr>
+        <p:spPr>
+          <a:xfrm>
+            <a:off x="6096000" y="2777790"/>
+            <a:ext cx="2577181" cy="3684588"/>
+          </a:xfrm>
+          <a:prstGeom prst="rect">
+            <a:avLst/>
+          </a:prstGeom>
+          <a:noFill/>
+          <a:ln>
+            <a:noFill/>
+          </a:ln>
+        </p:spPr>
+        <p:txBody>
+          <a:bodyPr spcFirstLastPara="1" wrap="square" lIns="91425" tIns="45700" rIns="91425" bIns="45700" anchor="t" anchorCtr="0">
+            <a:normAutofit/>
+          </a:bodyPr>
+          <a:lstStyle>
+            <a:defPPr marR="0" lvl="0" algn="l" rtl="0">
+              <a:lnSpc>
+                <a:spcPct val="100000"/>
+              </a:lnSpc>
+              <a:spcBef>
+                <a:spcPts val="0"/>
+              </a:spcBef>
+              <a:spcAft>
+                <a:spcPts val="0"/>
+              </a:spcAft>
+            </a:defPPr>
+            <a:lvl1pPr marL="457200" marR="0" lvl="0" indent="-342900" algn="l" rtl="0">
+              <a:lnSpc>
+                <a:spcPct val="90000"/>
+              </a:lnSpc>
+              <a:spcBef>
+                <a:spcPts val="1000"/>
+              </a:spcBef>
+              <a:spcAft>
+                <a:spcPts val="0"/>
+              </a:spcAft>
+              <a:buClr>
+                <a:schemeClr val="dk1"/>
+              </a:buClr>
+              <a:buSzPts val="1800"/>
+              <a:buFont typeface="Arial"/>
+              <a:buChar char="•"/>
+              <a:defRPr sz="2800" b="0" i="0" u="none" strike="noStrike" cap="none">
+                <a:solidFill>
+                  <a:schemeClr val="dk1"/>
+                </a:solidFill>
+                <a:latin typeface="Calibri"/>
+                <a:ea typeface="Calibri"/>
+                <a:cs typeface="Calibri"/>
+                <a:sym typeface="Calibri"/>
+              </a:defRPr>
+            </a:lvl1pPr>
+            <a:lvl2pPr marL="914400" marR="0" lvl="1" indent="-342900" algn="l" rtl="0">
+              <a:lnSpc>
+                <a:spcPct val="90000"/>
+              </a:lnSpc>
+              <a:spcBef>
+                <a:spcPts val="500"/>
+              </a:spcBef>
+              <a:spcAft>
+                <a:spcPts val="0"/>
+              </a:spcAft>
+              <a:buClr>
+                <a:schemeClr val="dk1"/>
+              </a:buClr>
+              <a:buSzPts val="1800"/>
+              <a:buFont typeface="Arial"/>
+              <a:buChar char="•"/>
+              <a:defRPr sz="2400" b="0" i="0" u="none" strike="noStrike" cap="none">
+                <a:solidFill>
+                  <a:schemeClr val="dk1"/>
+                </a:solidFill>
+                <a:latin typeface="Calibri"/>
+                <a:ea typeface="Calibri"/>
+                <a:cs typeface="Calibri"/>
+                <a:sym typeface="Calibri"/>
+              </a:defRPr>
+            </a:lvl2pPr>
+            <a:lvl3pPr marL="1371600" marR="0" lvl="2" indent="-342900" algn="l" rtl="0">
+              <a:lnSpc>
+                <a:spcPct val="90000"/>
+              </a:lnSpc>
+              <a:spcBef>
+                <a:spcPts val="500"/>
+              </a:spcBef>
+              <a:spcAft>
+                <a:spcPts val="0"/>
+              </a:spcAft>
+              <a:buClr>
+                <a:schemeClr val="dk1"/>
+              </a:buClr>
+              <a:buSzPts val="1800"/>
+              <a:buFont typeface="Arial"/>
+              <a:buChar char="•"/>
+              <a:defRPr sz="2000" b="0" i="0" u="none" strike="noStrike" cap="none">
+                <a:solidFill>
+                  <a:schemeClr val="dk1"/>
+                </a:solidFill>
+                <a:latin typeface="Calibri"/>
+                <a:ea typeface="Calibri"/>
+                <a:cs typeface="Calibri"/>
+                <a:sym typeface="Calibri"/>
+              </a:defRPr>
+            </a:lvl3pPr>
+            <a:lvl4pPr marL="1828800" marR="0" lvl="3" indent="-342900" algn="l" rtl="0">
+              <a:lnSpc>
+                <a:spcPct val="90000"/>
+              </a:lnSpc>
+              <a:spcBef>
+                <a:spcPts val="500"/>
+              </a:spcBef>
+              <a:spcAft>
+                <a:spcPts val="0"/>
+              </a:spcAft>
+              <a:buClr>
+                <a:schemeClr val="dk1"/>
+              </a:buClr>
+              <a:buSzPts val="1800"/>
+              <a:buFont typeface="Arial"/>
+              <a:buChar char="•"/>
+              <a:defRPr sz="1800" b="0" i="0" u="none" strike="noStrike" cap="none">
+                <a:solidFill>
+                  <a:schemeClr val="dk1"/>
+                </a:solidFill>
+                <a:latin typeface="Calibri"/>
+                <a:ea typeface="Calibri"/>
+                <a:cs typeface="Calibri"/>
+                <a:sym typeface="Calibri"/>
+              </a:defRPr>
+            </a:lvl4pPr>
+            <a:lvl5pPr marL="2286000" marR="0" lvl="4" indent="-342900" algn="l" rtl="0">
+              <a:lnSpc>
+                <a:spcPct val="90000"/>
+              </a:lnSpc>
+              <a:spcBef>
+                <a:spcPts val="500"/>
+              </a:spcBef>
+              <a:spcAft>
+                <a:spcPts val="0"/>
+              </a:spcAft>
+              <a:buClr>
+                <a:schemeClr val="dk1"/>
+              </a:buClr>
+              <a:buSzPts val="1800"/>
+              <a:buFont typeface="Arial"/>
+              <a:buChar char="•"/>
+              <a:defRPr sz="1800" b="0" i="0" u="none" strike="noStrike" cap="none">
+                <a:solidFill>
+                  <a:schemeClr val="dk1"/>
+                </a:solidFill>
+                <a:latin typeface="Calibri"/>
+                <a:ea typeface="Calibri"/>
+                <a:cs typeface="Calibri"/>
+                <a:sym typeface="Calibri"/>
+              </a:defRPr>
+            </a:lvl5pPr>
+            <a:lvl6pPr marL="2743200" marR="0" lvl="5" indent="-342900" algn="l" rtl="0">
+              <a:lnSpc>
+                <a:spcPct val="90000"/>
+              </a:lnSpc>
+              <a:spcBef>
+                <a:spcPts val="500"/>
+              </a:spcBef>
+              <a:spcAft>
+                <a:spcPts val="0"/>
+              </a:spcAft>
+              <a:buClr>
+                <a:schemeClr val="dk1"/>
+              </a:buClr>
+              <a:buSzPts val="1800"/>
+              <a:buFont typeface="Arial"/>
+              <a:buChar char="•"/>
+              <a:defRPr sz="1800" b="0" i="0" u="none" strike="noStrike" cap="none">
+                <a:solidFill>
+                  <a:schemeClr val="dk1"/>
+                </a:solidFill>
+                <a:latin typeface="Calibri"/>
+                <a:ea typeface="Calibri"/>
+                <a:cs typeface="Calibri"/>
+                <a:sym typeface="Calibri"/>
+              </a:defRPr>
+            </a:lvl6pPr>
+            <a:lvl7pPr marL="3200400" marR="0" lvl="6" indent="-342900" algn="l" rtl="0">
+              <a:lnSpc>
+                <a:spcPct val="90000"/>
+              </a:lnSpc>
+              <a:spcBef>
+                <a:spcPts val="500"/>
+              </a:spcBef>
+              <a:spcAft>
+                <a:spcPts val="0"/>
+              </a:spcAft>
+              <a:buClr>
+                <a:schemeClr val="dk1"/>
+              </a:buClr>
+              <a:buSzPts val="1800"/>
+              <a:buFont typeface="Arial"/>
+              <a:buChar char="•"/>
+              <a:defRPr sz="1800" b="0" i="0" u="none" strike="noStrike" cap="none">
+                <a:solidFill>
+                  <a:schemeClr val="dk1"/>
+                </a:solidFill>
+                <a:latin typeface="Calibri"/>
+                <a:ea typeface="Calibri"/>
+                <a:cs typeface="Calibri"/>
+                <a:sym typeface="Calibri"/>
+              </a:defRPr>
+            </a:lvl7pPr>
+            <a:lvl8pPr marL="3657600" marR="0" lvl="7" indent="-342900" algn="l" rtl="0">
+              <a:lnSpc>
+                <a:spcPct val="90000"/>
+              </a:lnSpc>
+              <a:spcBef>
+                <a:spcPts val="500"/>
+              </a:spcBef>
+              <a:spcAft>
+                <a:spcPts val="0"/>
+              </a:spcAft>
+              <a:buClr>
+                <a:schemeClr val="dk1"/>
+              </a:buClr>
+              <a:buSzPts val="1800"/>
+              <a:buFont typeface="Arial"/>
+              <a:buChar char="•"/>
+              <a:defRPr sz="1800" b="0" i="0" u="none" strike="noStrike" cap="none">
+                <a:solidFill>
+                  <a:schemeClr val="dk1"/>
+                </a:solidFill>
+                <a:latin typeface="Calibri"/>
+                <a:ea typeface="Calibri"/>
+                <a:cs typeface="Calibri"/>
+                <a:sym typeface="Calibri"/>
+              </a:defRPr>
+            </a:lvl8pPr>
+            <a:lvl9pPr marL="4114800" marR="0" lvl="8" indent="-342900" algn="l" rtl="0">
+              <a:lnSpc>
+                <a:spcPct val="90000"/>
+              </a:lnSpc>
+              <a:spcBef>
+                <a:spcPts val="500"/>
+              </a:spcBef>
+              <a:spcAft>
+                <a:spcPts val="0"/>
+              </a:spcAft>
+              <a:buClr>
+                <a:schemeClr val="dk1"/>
+              </a:buClr>
+              <a:buSzPts val="1800"/>
+              <a:buFont typeface="Arial"/>
+              <a:buChar char="•"/>
+              <a:defRPr sz="1800" b="0" i="0" u="none" strike="noStrike" cap="none">
+                <a:solidFill>
+                  <a:schemeClr val="dk1"/>
+                </a:solidFill>
+                <a:latin typeface="Calibri"/>
+                <a:ea typeface="Calibri"/>
+                <a:cs typeface="Calibri"/>
+                <a:sym typeface="Calibri"/>
+              </a:defRPr>
+            </a:lvl9pPr>
+          </a:lstStyle>
+          <a:p>
+            <a:pPr marR="0" lvl="0" algn="l" defTabSz="914400" rtl="0" eaLnBrk="1" fontAlgn="auto" latinLnBrk="0" hangingPunct="1">
+              <a:lnSpc>
+                <a:spcPct val="90000"/>
+              </a:lnSpc>
+              <a:spcBef>
+                <a:spcPts val="1000"/>
+              </a:spcBef>
+              <a:spcAft>
+                <a:spcPts val="0"/>
+              </a:spcAft>
+              <a:buClr>
+                <a:srgbClr val="000000"/>
+              </a:buClr>
+              <a:buSzPts val="1800"/>
+              <a:buFont typeface="Wingdings" panose="05000000000000000000" pitchFamily="2" charset="2"/>
+              <a:buChar char="q"/>
+              <a:tabLst/>
+              <a:defRPr/>
+            </a:pPr>
+            <a:r>
+              <a:rPr lang="en-GB" dirty="0" err="1">
+                <a:solidFill>
+                  <a:srgbClr val="000000"/>
+                </a:solidFill>
+              </a:rPr>
+              <a:t>GatewayAPI</a:t>
+            </a:r>
+            <a:endParaRPr lang="en-GB" dirty="0">
+              <a:solidFill>
+                <a:srgbClr val="000000"/>
+              </a:solidFill>
+            </a:endParaRPr>
+          </a:p>
+          <a:p>
+            <a:pPr marR="0" lvl="0" algn="l" defTabSz="914400" rtl="0" eaLnBrk="1" fontAlgn="auto" latinLnBrk="0" hangingPunct="1">
+              <a:lnSpc>
+                <a:spcPct val="90000"/>
+              </a:lnSpc>
+              <a:spcBef>
+                <a:spcPts val="1000"/>
+              </a:spcBef>
+              <a:spcAft>
+                <a:spcPts val="0"/>
+              </a:spcAft>
+              <a:buClr>
+                <a:srgbClr val="000000"/>
+              </a:buClr>
+              <a:buSzPts val="1800"/>
+              <a:buFont typeface="Wingdings" panose="05000000000000000000" pitchFamily="2" charset="2"/>
+              <a:buChar char="q"/>
+              <a:tabLst/>
+              <a:defRPr/>
+            </a:pPr>
+            <a:endParaRPr kumimoji="0" lang="en-GB" sz="2800" b="0" i="0" u="none" strike="noStrike" kern="0" cap="none" spc="0" normalizeH="0" baseline="0" noProof="0" dirty="0">
+              <a:ln>
+                <a:noFill/>
+              </a:ln>
+              <a:solidFill>
+                <a:srgbClr val="000000"/>
+              </a:solidFill>
+              <a:effectLst/>
+              <a:uLnTx/>
+              <a:uFillTx/>
+              <a:latin typeface="Calibri"/>
+              <a:ea typeface="Calibri"/>
+              <a:cs typeface="Calibri"/>
+              <a:sym typeface="Calibri"/>
+            </a:endParaRPr>
+          </a:p>
+          <a:p>
+            <a:pPr marR="0" lvl="0" algn="l" defTabSz="914400" rtl="0" eaLnBrk="1" fontAlgn="auto" latinLnBrk="0" hangingPunct="1">
+              <a:lnSpc>
+                <a:spcPct val="90000"/>
+              </a:lnSpc>
+              <a:spcBef>
+                <a:spcPts val="1000"/>
+              </a:spcBef>
+              <a:spcAft>
+                <a:spcPts val="0"/>
+              </a:spcAft>
+              <a:buClr>
+                <a:srgbClr val="000000"/>
+              </a:buClr>
+              <a:buSzPts val="1800"/>
+              <a:buFont typeface="Wingdings" panose="05000000000000000000" pitchFamily="2" charset="2"/>
+              <a:buChar char="q"/>
+              <a:tabLst/>
+              <a:defRPr/>
+            </a:pPr>
+            <a:r>
+              <a:rPr lang="en-GB" dirty="0">
+                <a:solidFill>
+                  <a:srgbClr val="000000"/>
+                </a:solidFill>
+              </a:rPr>
+              <a:t>Kinesis Data Firehose</a:t>
+            </a:r>
+            <a:endParaRPr kumimoji="0" lang="en-GB" sz="2800" b="0" i="0" u="none" strike="noStrike" kern="0" cap="none" spc="0" normalizeH="0" baseline="0" noProof="0" dirty="0">
+              <a:ln>
+                <a:noFill/>
+              </a:ln>
+              <a:solidFill>
+                <a:srgbClr val="000000"/>
+              </a:solidFill>
+              <a:effectLst/>
+              <a:uLnTx/>
+              <a:uFillTx/>
+              <a:latin typeface="Calibri"/>
+              <a:ea typeface="Calibri"/>
+              <a:cs typeface="Calibri"/>
+              <a:sym typeface="Calibri"/>
+            </a:endParaRPr>
+          </a:p>
+          <a:p>
+            <a:pPr marL="114300" marR="0" lvl="0" indent="0" algn="l" defTabSz="914400" rtl="0" eaLnBrk="1" fontAlgn="auto" latinLnBrk="0" hangingPunct="1">
+              <a:lnSpc>
+                <a:spcPct val="90000"/>
+              </a:lnSpc>
+              <a:spcBef>
+                <a:spcPts val="1000"/>
+              </a:spcBef>
+              <a:spcAft>
+                <a:spcPts val="0"/>
+              </a:spcAft>
+              <a:buClr>
+                <a:srgbClr val="000000"/>
+              </a:buClr>
+              <a:buSzPts val="1800"/>
+              <a:buNone/>
+              <a:tabLst/>
+              <a:defRPr/>
+            </a:pPr>
+            <a:endParaRPr kumimoji="0" lang="en-ZA" sz="2800" b="0" i="0" u="none" strike="noStrike" kern="0" cap="none" spc="0" normalizeH="0" baseline="0" noProof="0" dirty="0">
+              <a:ln>
+                <a:noFill/>
+              </a:ln>
+              <a:solidFill>
+                <a:srgbClr val="000000"/>
+              </a:solidFill>
+              <a:effectLst/>
+              <a:uLnTx/>
+              <a:uFillTx/>
+              <a:latin typeface="Calibri"/>
+              <a:ea typeface="Calibri"/>
+              <a:cs typeface="Calibri"/>
+              <a:sym typeface="Calibri"/>
+            </a:endParaRPr>
+          </a:p>
+        </p:txBody>
+      </p:sp>
+      <p:sp>
+        <p:nvSpPr>
+          <p:cNvPr id="16" name="Text Placeholder 4">
+            <a:extLst>
+              <a:ext uri="{FF2B5EF4-FFF2-40B4-BE49-F238E27FC236}">
+                <a16:creationId xmlns:a16="http://schemas.microsoft.com/office/drawing/2014/main" id="{700EB759-C84B-1604-0274-3D385C055073}"/>
+              </a:ext>
+            </a:extLst>
+          </p:cNvPr>
+          <p:cNvSpPr txBox="1">
+            <a:spLocks/>
+          </p:cNvSpPr>
+          <p:nvPr/>
+        </p:nvSpPr>
+        <p:spPr>
+          <a:xfrm>
+            <a:off x="9195476" y="1713247"/>
+            <a:ext cx="2589873" cy="823912"/>
+          </a:xfrm>
+          <a:prstGeom prst="rect">
+            <a:avLst/>
+          </a:prstGeom>
+          <a:noFill/>
+          <a:ln>
+            <a:noFill/>
+          </a:ln>
+        </p:spPr>
+        <p:txBody>
+          <a:bodyPr spcFirstLastPara="1" wrap="square" lIns="91425" tIns="45700" rIns="91425" bIns="45700" anchor="b" anchorCtr="0">
+            <a:normAutofit/>
+          </a:bodyPr>
+          <a:lstStyle>
+            <a:defPPr marR="0" lvl="0" algn="l" rtl="0">
+              <a:lnSpc>
+                <a:spcPct val="100000"/>
+              </a:lnSpc>
+              <a:spcBef>
+                <a:spcPts val="0"/>
+              </a:spcBef>
+              <a:spcAft>
+                <a:spcPts val="0"/>
+              </a:spcAft>
+            </a:defPPr>
+            <a:lvl1pPr marL="457200" marR="0" lvl="0" indent="-228600" algn="l" rtl="0">
+              <a:lnSpc>
+                <a:spcPct val="90000"/>
+              </a:lnSpc>
+              <a:spcBef>
+                <a:spcPts val="1000"/>
+              </a:spcBef>
+              <a:spcAft>
+                <a:spcPts val="0"/>
+              </a:spcAft>
+              <a:buClr>
+                <a:schemeClr val="dk1"/>
+              </a:buClr>
+              <a:buSzPts val="2400"/>
+              <a:buFont typeface="Arial"/>
+              <a:buNone/>
+              <a:defRPr sz="2400" b="1" i="0" u="none" strike="noStrike" cap="none">
+                <a:solidFill>
+                  <a:schemeClr val="dk1"/>
+                </a:solidFill>
+                <a:latin typeface="Calibri"/>
+                <a:ea typeface="Calibri"/>
+                <a:cs typeface="Calibri"/>
+                <a:sym typeface="Calibri"/>
+              </a:defRPr>
+            </a:lvl1pPr>
+            <a:lvl2pPr marL="914400" marR="0" lvl="1" indent="-228600" algn="l" rtl="0">
+              <a:lnSpc>
+                <a:spcPct val="90000"/>
+              </a:lnSpc>
+              <a:spcBef>
+                <a:spcPts val="500"/>
+              </a:spcBef>
+              <a:spcAft>
+                <a:spcPts val="0"/>
+              </a:spcAft>
+              <a:buClr>
+                <a:schemeClr val="dk1"/>
+              </a:buClr>
+              <a:buSzPts val="2000"/>
+              <a:buFont typeface="Arial"/>
+              <a:buNone/>
+              <a:defRPr sz="2000" b="1" i="0" u="none" strike="noStrike" cap="none">
+                <a:solidFill>
+                  <a:schemeClr val="dk1"/>
+                </a:solidFill>
+                <a:latin typeface="Calibri"/>
+                <a:ea typeface="Calibri"/>
+                <a:cs typeface="Calibri"/>
+                <a:sym typeface="Calibri"/>
+              </a:defRPr>
+            </a:lvl2pPr>
+            <a:lvl3pPr marL="1371600" marR="0" lvl="2" indent="-228600" algn="l" rtl="0">
+              <a:lnSpc>
+                <a:spcPct val="90000"/>
+              </a:lnSpc>
+              <a:spcBef>
+                <a:spcPts val="500"/>
+              </a:spcBef>
+              <a:spcAft>
+                <a:spcPts val="0"/>
+              </a:spcAft>
+              <a:buClr>
+                <a:schemeClr val="dk1"/>
+              </a:buClr>
+              <a:buSzPts val="1800"/>
+              <a:buFont typeface="Arial"/>
+              <a:buNone/>
+              <a:defRPr sz="1800" b="1" i="0" u="none" strike="noStrike" cap="none">
+                <a:solidFill>
+                  <a:schemeClr val="dk1"/>
+                </a:solidFill>
+                <a:latin typeface="Calibri"/>
+                <a:ea typeface="Calibri"/>
+                <a:cs typeface="Calibri"/>
+                <a:sym typeface="Calibri"/>
+              </a:defRPr>
+            </a:lvl3pPr>
+            <a:lvl4pPr marL="1828800" marR="0" lvl="3" indent="-228600" algn="l" rtl="0">
+              <a:lnSpc>
+                <a:spcPct val="90000"/>
+              </a:lnSpc>
+              <a:spcBef>
+                <a:spcPts val="500"/>
+              </a:spcBef>
+              <a:spcAft>
+                <a:spcPts val="0"/>
+              </a:spcAft>
+              <a:buClr>
+                <a:schemeClr val="dk1"/>
+              </a:buClr>
+              <a:buSzPts val="1600"/>
+              <a:buFont typeface="Arial"/>
+              <a:buNone/>
+              <a:defRPr sz="1600" b="1" i="0" u="none" strike="noStrike" cap="none">
+                <a:solidFill>
+                  <a:schemeClr val="dk1"/>
+                </a:solidFill>
+                <a:latin typeface="Calibri"/>
+                <a:ea typeface="Calibri"/>
+                <a:cs typeface="Calibri"/>
+                <a:sym typeface="Calibri"/>
+              </a:defRPr>
+            </a:lvl4pPr>
+            <a:lvl5pPr marL="2286000" marR="0" lvl="4" indent="-228600" algn="l" rtl="0">
+              <a:lnSpc>
+                <a:spcPct val="90000"/>
+              </a:lnSpc>
+              <a:spcBef>
+                <a:spcPts val="500"/>
+              </a:spcBef>
+              <a:spcAft>
+                <a:spcPts val="0"/>
+              </a:spcAft>
+              <a:buClr>
+                <a:schemeClr val="dk1"/>
+              </a:buClr>
+              <a:buSzPts val="1600"/>
+              <a:buFont typeface="Arial"/>
+              <a:buNone/>
+              <a:defRPr sz="1600" b="1" i="0" u="none" strike="noStrike" cap="none">
+                <a:solidFill>
+                  <a:schemeClr val="dk1"/>
+                </a:solidFill>
+                <a:latin typeface="Calibri"/>
+                <a:ea typeface="Calibri"/>
+                <a:cs typeface="Calibri"/>
+                <a:sym typeface="Calibri"/>
+              </a:defRPr>
+            </a:lvl5pPr>
+            <a:lvl6pPr marL="2743200" marR="0" lvl="5" indent="-228600" algn="l" rtl="0">
+              <a:lnSpc>
+                <a:spcPct val="90000"/>
+              </a:lnSpc>
+              <a:spcBef>
+                <a:spcPts val="500"/>
+              </a:spcBef>
+              <a:spcAft>
+                <a:spcPts val="0"/>
+              </a:spcAft>
+              <a:buClr>
+                <a:schemeClr val="dk1"/>
+              </a:buClr>
+              <a:buSzPts val="1600"/>
+              <a:buFont typeface="Arial"/>
+              <a:buNone/>
+              <a:defRPr sz="1600" b="1" i="0" u="none" strike="noStrike" cap="none">
+                <a:solidFill>
+                  <a:schemeClr val="dk1"/>
+                </a:solidFill>
+                <a:latin typeface="Calibri"/>
+                <a:ea typeface="Calibri"/>
+                <a:cs typeface="Calibri"/>
+                <a:sym typeface="Calibri"/>
+              </a:defRPr>
+            </a:lvl6pPr>
+            <a:lvl7pPr marL="3200400" marR="0" lvl="6" indent="-228600" algn="l" rtl="0">
+              <a:lnSpc>
+                <a:spcPct val="90000"/>
+              </a:lnSpc>
+              <a:spcBef>
+                <a:spcPts val="500"/>
+              </a:spcBef>
+              <a:spcAft>
+                <a:spcPts val="0"/>
+              </a:spcAft>
+              <a:buClr>
+                <a:schemeClr val="dk1"/>
+              </a:buClr>
+              <a:buSzPts val="1600"/>
+              <a:buFont typeface="Arial"/>
+              <a:buNone/>
+              <a:defRPr sz="1600" b="1" i="0" u="none" strike="noStrike" cap="none">
+                <a:solidFill>
+                  <a:schemeClr val="dk1"/>
+                </a:solidFill>
+                <a:latin typeface="Calibri"/>
+                <a:ea typeface="Calibri"/>
+                <a:cs typeface="Calibri"/>
+                <a:sym typeface="Calibri"/>
+              </a:defRPr>
+            </a:lvl7pPr>
+            <a:lvl8pPr marL="3657600" marR="0" lvl="7" indent="-228600" algn="l" rtl="0">
+              <a:lnSpc>
+                <a:spcPct val="90000"/>
+              </a:lnSpc>
+              <a:spcBef>
+                <a:spcPts val="500"/>
+              </a:spcBef>
+              <a:spcAft>
+                <a:spcPts val="0"/>
+              </a:spcAft>
+              <a:buClr>
+                <a:schemeClr val="dk1"/>
+              </a:buClr>
+              <a:buSzPts val="1600"/>
+              <a:buFont typeface="Arial"/>
+              <a:buNone/>
+              <a:defRPr sz="1600" b="1" i="0" u="none" strike="noStrike" cap="none">
+                <a:solidFill>
+                  <a:schemeClr val="dk1"/>
+                </a:solidFill>
+                <a:latin typeface="Calibri"/>
+                <a:ea typeface="Calibri"/>
+                <a:cs typeface="Calibri"/>
+                <a:sym typeface="Calibri"/>
+              </a:defRPr>
+            </a:lvl8pPr>
+            <a:lvl9pPr marL="4114800" marR="0" lvl="8" indent="-228600" algn="l" rtl="0">
+              <a:lnSpc>
+                <a:spcPct val="90000"/>
+              </a:lnSpc>
+              <a:spcBef>
+                <a:spcPts val="500"/>
+              </a:spcBef>
+              <a:spcAft>
+                <a:spcPts val="0"/>
+              </a:spcAft>
+              <a:buClr>
+                <a:schemeClr val="dk1"/>
+              </a:buClr>
+              <a:buSzPts val="1600"/>
+              <a:buFont typeface="Arial"/>
+              <a:buNone/>
+              <a:defRPr sz="1600" b="1" i="0" u="none" strike="noStrike" cap="none">
+                <a:solidFill>
+                  <a:schemeClr val="dk1"/>
+                </a:solidFill>
+                <a:latin typeface="Calibri"/>
+                <a:ea typeface="Calibri"/>
+                <a:cs typeface="Calibri"/>
+                <a:sym typeface="Calibri"/>
+              </a:defRPr>
+            </a:lvl9pPr>
+          </a:lstStyle>
+          <a:p>
+            <a:pPr marL="457200" marR="0" lvl="0" indent="-228600" algn="l" defTabSz="914400" rtl="0" eaLnBrk="1" fontAlgn="auto" latinLnBrk="0" hangingPunct="1">
+              <a:lnSpc>
+                <a:spcPct val="90000"/>
+              </a:lnSpc>
+              <a:spcBef>
+                <a:spcPts val="1000"/>
+              </a:spcBef>
+              <a:spcAft>
+                <a:spcPts val="0"/>
+              </a:spcAft>
+              <a:buClr>
+                <a:srgbClr val="000000"/>
+              </a:buClr>
+              <a:buSzPts val="2400"/>
+              <a:buFont typeface="Arial"/>
+              <a:buNone/>
+              <a:tabLst/>
+              <a:defRPr/>
+            </a:pPr>
+            <a:r>
+              <a:rPr lang="en-GB" sz="3000" dirty="0">
+                <a:solidFill>
+                  <a:srgbClr val="000000"/>
+                </a:solidFill>
+              </a:rPr>
+              <a:t>Data</a:t>
+            </a:r>
+            <a:endParaRPr kumimoji="0" lang="en-ZA" sz="3000" b="1" i="0" u="none" strike="noStrike" kern="0" cap="none" spc="0" normalizeH="0" baseline="0" noProof="0" dirty="0">
+              <a:ln>
+                <a:noFill/>
+              </a:ln>
+              <a:solidFill>
+                <a:srgbClr val="000000"/>
+              </a:solidFill>
+              <a:effectLst/>
+              <a:uLnTx/>
+              <a:uFillTx/>
+              <a:latin typeface="Calibri"/>
+              <a:ea typeface="Calibri"/>
+              <a:cs typeface="Calibri"/>
+              <a:sym typeface="Calibri"/>
+            </a:endParaRPr>
+          </a:p>
+        </p:txBody>
+      </p:sp>
+      <p:sp>
+        <p:nvSpPr>
+          <p:cNvPr id="17" name="Text Placeholder 5">
+            <a:extLst>
+              <a:ext uri="{FF2B5EF4-FFF2-40B4-BE49-F238E27FC236}">
+                <a16:creationId xmlns:a16="http://schemas.microsoft.com/office/drawing/2014/main" id="{E016A9BF-0104-26A1-372F-6A84DF5DB2DA}"/>
+              </a:ext>
+            </a:extLst>
+          </p:cNvPr>
+          <p:cNvSpPr txBox="1">
+            <a:spLocks/>
+          </p:cNvSpPr>
+          <p:nvPr/>
+        </p:nvSpPr>
+        <p:spPr>
+          <a:xfrm>
+            <a:off x="9195476" y="2777790"/>
+            <a:ext cx="2589873" cy="3684588"/>
+          </a:xfrm>
+          <a:prstGeom prst="rect">
+            <a:avLst/>
+          </a:prstGeom>
+          <a:noFill/>
+          <a:ln>
+            <a:noFill/>
+          </a:ln>
+        </p:spPr>
+        <p:txBody>
+          <a:bodyPr spcFirstLastPara="1" wrap="square" lIns="91425" tIns="45700" rIns="91425" bIns="45700" anchor="t" anchorCtr="0">
+            <a:normAutofit/>
+          </a:bodyPr>
+          <a:lstStyle>
+            <a:defPPr marR="0" lvl="0" algn="l" rtl="0">
+              <a:lnSpc>
+                <a:spcPct val="100000"/>
+              </a:lnSpc>
+              <a:spcBef>
+                <a:spcPts val="0"/>
+              </a:spcBef>
+              <a:spcAft>
+                <a:spcPts val="0"/>
+              </a:spcAft>
+            </a:defPPr>
+            <a:lvl1pPr marL="457200" marR="0" lvl="0" indent="-342900" algn="l" rtl="0">
+              <a:lnSpc>
+                <a:spcPct val="90000"/>
+              </a:lnSpc>
+              <a:spcBef>
+                <a:spcPts val="1000"/>
+              </a:spcBef>
+              <a:spcAft>
+                <a:spcPts val="0"/>
+              </a:spcAft>
+              <a:buClr>
+                <a:schemeClr val="dk1"/>
+              </a:buClr>
+              <a:buSzPts val="1800"/>
+              <a:buFont typeface="Arial"/>
+              <a:buChar char="•"/>
+              <a:defRPr sz="2800" b="0" i="0" u="none" strike="noStrike" cap="none">
+                <a:solidFill>
+                  <a:schemeClr val="dk1"/>
+                </a:solidFill>
+                <a:latin typeface="Calibri"/>
+                <a:ea typeface="Calibri"/>
+                <a:cs typeface="Calibri"/>
+                <a:sym typeface="Calibri"/>
+              </a:defRPr>
+            </a:lvl1pPr>
+            <a:lvl2pPr marL="914400" marR="0" lvl="1" indent="-342900" algn="l" rtl="0">
+              <a:lnSpc>
+                <a:spcPct val="90000"/>
+              </a:lnSpc>
+              <a:spcBef>
+                <a:spcPts val="500"/>
+              </a:spcBef>
+              <a:spcAft>
+                <a:spcPts val="0"/>
+              </a:spcAft>
+              <a:buClr>
+                <a:schemeClr val="dk1"/>
+              </a:buClr>
+              <a:buSzPts val="1800"/>
+              <a:buFont typeface="Arial"/>
+              <a:buChar char="•"/>
+              <a:defRPr sz="2400" b="0" i="0" u="none" strike="noStrike" cap="none">
+                <a:solidFill>
+                  <a:schemeClr val="dk1"/>
+                </a:solidFill>
+                <a:latin typeface="Calibri"/>
+                <a:ea typeface="Calibri"/>
+                <a:cs typeface="Calibri"/>
+                <a:sym typeface="Calibri"/>
+              </a:defRPr>
+            </a:lvl2pPr>
+            <a:lvl3pPr marL="1371600" marR="0" lvl="2" indent="-342900" algn="l" rtl="0">
+              <a:lnSpc>
+                <a:spcPct val="90000"/>
+              </a:lnSpc>
+              <a:spcBef>
+                <a:spcPts val="500"/>
+              </a:spcBef>
+              <a:spcAft>
+                <a:spcPts val="0"/>
+              </a:spcAft>
+              <a:buClr>
+                <a:schemeClr val="dk1"/>
+              </a:buClr>
+              <a:buSzPts val="1800"/>
+              <a:buFont typeface="Arial"/>
+              <a:buChar char="•"/>
+              <a:defRPr sz="2000" b="0" i="0" u="none" strike="noStrike" cap="none">
+                <a:solidFill>
+                  <a:schemeClr val="dk1"/>
+                </a:solidFill>
+                <a:latin typeface="Calibri"/>
+                <a:ea typeface="Calibri"/>
+                <a:cs typeface="Calibri"/>
+                <a:sym typeface="Calibri"/>
+              </a:defRPr>
+            </a:lvl3pPr>
+            <a:lvl4pPr marL="1828800" marR="0" lvl="3" indent="-342900" algn="l" rtl="0">
+              <a:lnSpc>
+                <a:spcPct val="90000"/>
+              </a:lnSpc>
+              <a:spcBef>
+                <a:spcPts val="500"/>
+              </a:spcBef>
+              <a:spcAft>
+                <a:spcPts val="0"/>
+              </a:spcAft>
+              <a:buClr>
+                <a:schemeClr val="dk1"/>
+              </a:buClr>
+              <a:buSzPts val="1800"/>
+              <a:buFont typeface="Arial"/>
+              <a:buChar char="•"/>
+              <a:defRPr sz="1800" b="0" i="0" u="none" strike="noStrike" cap="none">
+                <a:solidFill>
+                  <a:schemeClr val="dk1"/>
+                </a:solidFill>
+                <a:latin typeface="Calibri"/>
+                <a:ea typeface="Calibri"/>
+                <a:cs typeface="Calibri"/>
+                <a:sym typeface="Calibri"/>
+              </a:defRPr>
+            </a:lvl4pPr>
+            <a:lvl5pPr marL="2286000" marR="0" lvl="4" indent="-342900" algn="l" rtl="0">
+              <a:lnSpc>
+                <a:spcPct val="90000"/>
+              </a:lnSpc>
+              <a:spcBef>
+                <a:spcPts val="500"/>
+              </a:spcBef>
+              <a:spcAft>
+                <a:spcPts val="0"/>
+              </a:spcAft>
+              <a:buClr>
+                <a:schemeClr val="dk1"/>
+              </a:buClr>
+              <a:buSzPts val="1800"/>
+              <a:buFont typeface="Arial"/>
+              <a:buChar char="•"/>
+              <a:defRPr sz="1800" b="0" i="0" u="none" strike="noStrike" cap="none">
+                <a:solidFill>
+                  <a:schemeClr val="dk1"/>
+                </a:solidFill>
+                <a:latin typeface="Calibri"/>
+                <a:ea typeface="Calibri"/>
+                <a:cs typeface="Calibri"/>
+                <a:sym typeface="Calibri"/>
+              </a:defRPr>
+            </a:lvl5pPr>
+            <a:lvl6pPr marL="2743200" marR="0" lvl="5" indent="-342900" algn="l" rtl="0">
+              <a:lnSpc>
+                <a:spcPct val="90000"/>
+              </a:lnSpc>
+              <a:spcBef>
+                <a:spcPts val="500"/>
+              </a:spcBef>
+              <a:spcAft>
+                <a:spcPts val="0"/>
+              </a:spcAft>
+              <a:buClr>
+                <a:schemeClr val="dk1"/>
+              </a:buClr>
+              <a:buSzPts val="1800"/>
+              <a:buFont typeface="Arial"/>
+              <a:buChar char="•"/>
+              <a:defRPr sz="1800" b="0" i="0" u="none" strike="noStrike" cap="none">
+                <a:solidFill>
+                  <a:schemeClr val="dk1"/>
+                </a:solidFill>
+                <a:latin typeface="Calibri"/>
+                <a:ea typeface="Calibri"/>
+                <a:cs typeface="Calibri"/>
+                <a:sym typeface="Calibri"/>
+              </a:defRPr>
+            </a:lvl6pPr>
+            <a:lvl7pPr marL="3200400" marR="0" lvl="6" indent="-342900" algn="l" rtl="0">
+              <a:lnSpc>
+                <a:spcPct val="90000"/>
+              </a:lnSpc>
+              <a:spcBef>
+                <a:spcPts val="500"/>
+              </a:spcBef>
+              <a:spcAft>
+                <a:spcPts val="0"/>
+              </a:spcAft>
+              <a:buClr>
+                <a:schemeClr val="dk1"/>
+              </a:buClr>
+              <a:buSzPts val="1800"/>
+              <a:buFont typeface="Arial"/>
+              <a:buChar char="•"/>
+              <a:defRPr sz="1800" b="0" i="0" u="none" strike="noStrike" cap="none">
+                <a:solidFill>
+                  <a:schemeClr val="dk1"/>
+                </a:solidFill>
+                <a:latin typeface="Calibri"/>
+                <a:ea typeface="Calibri"/>
+                <a:cs typeface="Calibri"/>
+                <a:sym typeface="Calibri"/>
+              </a:defRPr>
+            </a:lvl7pPr>
+            <a:lvl8pPr marL="3657600" marR="0" lvl="7" indent="-342900" algn="l" rtl="0">
+              <a:lnSpc>
+                <a:spcPct val="90000"/>
+              </a:lnSpc>
+              <a:spcBef>
+                <a:spcPts val="500"/>
+              </a:spcBef>
+              <a:spcAft>
+                <a:spcPts val="0"/>
+              </a:spcAft>
+              <a:buClr>
+                <a:schemeClr val="dk1"/>
+              </a:buClr>
+              <a:buSzPts val="1800"/>
+              <a:buFont typeface="Arial"/>
+              <a:buChar char="•"/>
+              <a:defRPr sz="1800" b="0" i="0" u="none" strike="noStrike" cap="none">
+                <a:solidFill>
+                  <a:schemeClr val="dk1"/>
+                </a:solidFill>
+                <a:latin typeface="Calibri"/>
+                <a:ea typeface="Calibri"/>
+                <a:cs typeface="Calibri"/>
+                <a:sym typeface="Calibri"/>
+              </a:defRPr>
+            </a:lvl8pPr>
+            <a:lvl9pPr marL="4114800" marR="0" lvl="8" indent="-342900" algn="l" rtl="0">
+              <a:lnSpc>
+                <a:spcPct val="90000"/>
+              </a:lnSpc>
+              <a:spcBef>
+                <a:spcPts val="500"/>
+              </a:spcBef>
+              <a:spcAft>
+                <a:spcPts val="0"/>
+              </a:spcAft>
+              <a:buClr>
+                <a:schemeClr val="dk1"/>
+              </a:buClr>
+              <a:buSzPts val="1800"/>
+              <a:buFont typeface="Arial"/>
+              <a:buChar char="•"/>
+              <a:defRPr sz="1800" b="0" i="0" u="none" strike="noStrike" cap="none">
+                <a:solidFill>
+                  <a:schemeClr val="dk1"/>
+                </a:solidFill>
+                <a:latin typeface="Calibri"/>
+                <a:ea typeface="Calibri"/>
+                <a:cs typeface="Calibri"/>
+                <a:sym typeface="Calibri"/>
+              </a:defRPr>
+            </a:lvl9pPr>
+          </a:lstStyle>
+          <a:p>
+            <a:pPr marR="0" lvl="0" algn="l" defTabSz="914400" rtl="0" eaLnBrk="1" fontAlgn="auto" latinLnBrk="0" hangingPunct="1">
+              <a:lnSpc>
+                <a:spcPct val="90000"/>
+              </a:lnSpc>
+              <a:spcBef>
+                <a:spcPts val="1000"/>
+              </a:spcBef>
+              <a:spcAft>
+                <a:spcPts val="0"/>
+              </a:spcAft>
+              <a:buClr>
+                <a:srgbClr val="000000"/>
+              </a:buClr>
+              <a:buSzPts val="1800"/>
+              <a:buFont typeface="Wingdings" panose="05000000000000000000" pitchFamily="2" charset="2"/>
+              <a:buChar char="q"/>
+              <a:tabLst/>
+              <a:defRPr/>
+            </a:pPr>
+            <a:r>
+              <a:rPr kumimoji="0" lang="en-GB" sz="2800" b="0" i="0" u="none" strike="noStrike" kern="0" cap="none" spc="0" normalizeH="0" baseline="0" noProof="0" dirty="0">
+                <a:ln>
+                  <a:noFill/>
+                </a:ln>
+                <a:solidFill>
+                  <a:srgbClr val="000000"/>
+                </a:solidFill>
+                <a:effectLst/>
+                <a:uLnTx/>
+                <a:uFillTx/>
+                <a:latin typeface="Calibri"/>
+                <a:ea typeface="Calibri"/>
+                <a:cs typeface="Calibri"/>
+                <a:sym typeface="Calibri"/>
+              </a:rPr>
+              <a:t>S3 Bucket</a:t>
+            </a:r>
+          </a:p>
+          <a:p>
+            <a:pPr marR="0" lvl="0" algn="l" defTabSz="914400" rtl="0" eaLnBrk="1" fontAlgn="auto" latinLnBrk="0" hangingPunct="1">
+              <a:lnSpc>
+                <a:spcPct val="90000"/>
+              </a:lnSpc>
+              <a:spcBef>
+                <a:spcPts val="1000"/>
+              </a:spcBef>
+              <a:spcAft>
+                <a:spcPts val="0"/>
+              </a:spcAft>
+              <a:buClr>
+                <a:srgbClr val="000000"/>
+              </a:buClr>
+              <a:buSzPts val="1800"/>
+              <a:buFont typeface="Wingdings" panose="05000000000000000000" pitchFamily="2" charset="2"/>
+              <a:buChar char="q"/>
+              <a:tabLst/>
+              <a:defRPr/>
+            </a:pPr>
+            <a:endParaRPr kumimoji="0" lang="en-GB" sz="2800" b="0" i="0" u="none" strike="noStrike" kern="0" cap="none" spc="0" normalizeH="0" baseline="0" noProof="0" dirty="0">
+              <a:ln>
+                <a:noFill/>
+              </a:ln>
+              <a:solidFill>
+                <a:srgbClr val="000000"/>
+              </a:solidFill>
+              <a:effectLst/>
+              <a:uLnTx/>
+              <a:uFillTx/>
+              <a:latin typeface="Calibri"/>
+              <a:ea typeface="Calibri"/>
+              <a:cs typeface="Calibri"/>
+              <a:sym typeface="Calibri"/>
+            </a:endParaRPr>
+          </a:p>
+          <a:p>
+            <a:pPr marR="0" lvl="0" algn="l" defTabSz="914400" rtl="0" eaLnBrk="1" fontAlgn="auto" latinLnBrk="0" hangingPunct="1">
+              <a:lnSpc>
+                <a:spcPct val="90000"/>
+              </a:lnSpc>
+              <a:spcBef>
+                <a:spcPts val="1000"/>
+              </a:spcBef>
+              <a:spcAft>
+                <a:spcPts val="0"/>
+              </a:spcAft>
+              <a:buClr>
+                <a:srgbClr val="000000"/>
+              </a:buClr>
+              <a:buSzPts val="1800"/>
+              <a:buFont typeface="Wingdings" panose="05000000000000000000" pitchFamily="2" charset="2"/>
+              <a:buChar char="q"/>
+              <a:tabLst/>
+              <a:defRPr/>
+            </a:pPr>
+            <a:r>
+              <a:rPr kumimoji="0" lang="en-GB" sz="2800" b="0" i="0" u="none" strike="noStrike" kern="0" cap="none" spc="0" normalizeH="0" baseline="0" noProof="0" dirty="0" err="1">
+                <a:ln>
+                  <a:noFill/>
+                </a:ln>
+                <a:solidFill>
+                  <a:srgbClr val="000000"/>
+                </a:solidFill>
+                <a:effectLst/>
+                <a:uLnTx/>
+                <a:uFillTx/>
+                <a:latin typeface="Calibri"/>
+                <a:ea typeface="Calibri"/>
+                <a:cs typeface="Calibri"/>
+                <a:sym typeface="Calibri"/>
+              </a:rPr>
+              <a:t>SageMaker</a:t>
+            </a:r>
+            <a:endParaRPr kumimoji="0" lang="en-ZA" sz="2800" b="0" i="0" u="none" strike="noStrike" kern="0" cap="none" spc="0" normalizeH="0" baseline="0" noProof="0" dirty="0">
+              <a:ln>
+                <a:noFill/>
+              </a:ln>
+              <a:solidFill>
+                <a:srgbClr val="000000"/>
+              </a:solidFill>
+              <a:effectLst/>
+              <a:uLnTx/>
+              <a:uFillTx/>
+              <a:latin typeface="Calibri"/>
+              <a:ea typeface="Calibri"/>
+              <a:cs typeface="Calibri"/>
+              <a:sym typeface="Calibri"/>
+            </a:endParaRPr>
           </a:p>
         </p:txBody>
       </p:sp>
     </p:spTree>
     <p:extLst>
       <p:ext uri="{BB962C8B-B14F-4D97-AF65-F5344CB8AC3E}">
-        <p14:creationId xmlns:p14="http://schemas.microsoft.com/office/powerpoint/2010/main" val="2095586800"/>
+        <p14:creationId xmlns:p14="http://schemas.microsoft.com/office/powerpoint/2010/main" val="1968394407"/>
       </p:ext>
     </p:extLst>
   </p:cSld>
@@ -23426,7 +24444,7 @@
           <p:cNvPr id="2" name="Title 1">
             <a:extLst>
               <a:ext uri="{FF2B5EF4-FFF2-40B4-BE49-F238E27FC236}">
-                <a16:creationId xmlns:a16="http://schemas.microsoft.com/office/drawing/2014/main" id="{92FE1D40-AC70-C85D-E0BE-0DC5974F23B3}"/>
+                <a16:creationId xmlns:a16="http://schemas.microsoft.com/office/drawing/2014/main" id="{2FAB0AF9-C44B-E0BD-0F46-17099D6ED24D}"/>
               </a:ext>
             </a:extLst>
           </p:cNvPr>
@@ -23434,71 +24452,70 @@
             <a:spLocks noGrp="1"/>
           </p:cNvSpPr>
           <p:nvPr>
-            <p:ph type="ctrTitle"/>
+            <p:ph type="title"/>
           </p:nvPr>
         </p:nvSpPr>
         <p:spPr>
           <a:xfrm>
-            <a:off x="471159" y="4665942"/>
-            <a:ext cx="10363201" cy="540047"/>
+            <a:off x="1404747" y="251150"/>
+            <a:ext cx="11040992" cy="509457"/>
           </a:xfrm>
         </p:spPr>
         <p:txBody>
-          <a:bodyPr>
-            <a:noAutofit/>
-          </a:bodyPr>
+          <a:bodyPr/>
           <a:lstStyle/>
           <a:p>
             <a:r>
-              <a:rPr lang="en-ZA" sz="3800" dirty="0">
-                <a:latin typeface="Segoe UI" panose="020B0502040204020203" pitchFamily="34" charset="0"/>
-                <a:cs typeface="Segoe UI" panose="020B0502040204020203" pitchFamily="34" charset="0"/>
-              </a:rPr>
-              <a:t>Benefits</a:t>
+              <a:rPr lang="en-ZA" sz="3600" dirty="0"/>
+              <a:t>Approach - Architectural</a:t>
             </a:r>
-            <a:endParaRPr lang="en-ZA" sz="3800" dirty="0"/>
-          </a:p>
-        </p:txBody>
-      </p:sp>
-      <p:sp>
-        <p:nvSpPr>
-          <p:cNvPr id="3" name="Subtitle 2">
-            <a:extLst>
-              <a:ext uri="{FF2B5EF4-FFF2-40B4-BE49-F238E27FC236}">
-                <a16:creationId xmlns:a16="http://schemas.microsoft.com/office/drawing/2014/main" id="{80C619DE-94E7-6EDF-03E6-9637C3CE5914}"/>
-              </a:ext>
-            </a:extLst>
-          </p:cNvPr>
-          <p:cNvSpPr>
-            <a:spLocks noGrp="1"/>
-          </p:cNvSpPr>
-          <p:nvPr>
-            <p:ph type="subTitle" idx="1"/>
-          </p:nvPr>
-        </p:nvSpPr>
-        <p:spPr>
-          <a:xfrm>
-            <a:off x="471159" y="5426353"/>
-            <a:ext cx="8534400" cy="447669"/>
-          </a:xfrm>
-        </p:spPr>
-        <p:txBody>
-          <a:bodyPr>
-            <a:normAutofit/>
-          </a:bodyPr>
-          <a:lstStyle/>
-          <a:p>
             <a:r>
-              <a:rPr lang="en-ZA" sz="1800" dirty="0"/>
-              <a:t>Hack To The Future</a:t>
+              <a:rPr lang="en-ZA" dirty="0"/>
+              <a:t> Design</a:t>
             </a:r>
           </a:p>
         </p:txBody>
       </p:sp>
+      <p:pic>
+        <p:nvPicPr>
+          <p:cNvPr id="3" name="Picture 2">
+            <a:extLst>
+              <a:ext uri="{FF2B5EF4-FFF2-40B4-BE49-F238E27FC236}">
+                <a16:creationId xmlns:a16="http://schemas.microsoft.com/office/drawing/2014/main" id="{B7A24C26-25AA-249D-E019-E17386C2B940}"/>
+              </a:ext>
+            </a:extLst>
+          </p:cNvPr>
+          <p:cNvPicPr>
+            <a:picLocks noChangeAspect="1"/>
+          </p:cNvPicPr>
+          <p:nvPr/>
+        </p:nvPicPr>
+        <p:blipFill>
+          <a:blip r:embed="rId2">
+            <a:extLst>
+              <a:ext uri="{28A0092B-C50C-407E-A947-70E740481C1C}">
+                <a14:useLocalDpi xmlns:a14="http://schemas.microsoft.com/office/drawing/2010/main" val="0"/>
+              </a:ext>
+            </a:extLst>
+          </a:blip>
+          <a:stretch>
+            <a:fillRect/>
+          </a:stretch>
+        </p:blipFill>
+        <p:spPr>
+          <a:xfrm>
+            <a:off x="1185103" y="1198533"/>
+            <a:ext cx="9514068" cy="5023885"/>
+          </a:xfrm>
+          <a:prstGeom prst="rect">
+            <a:avLst/>
+          </a:prstGeom>
+        </p:spPr>
+      </p:pic>
     </p:spTree>
     <p:extLst>
       <p:ext uri="{BB962C8B-B14F-4D97-AF65-F5344CB8AC3E}">
-        <p14:creationId xmlns:p14="http://schemas.microsoft.com/office/powerpoint/2010/main" val="1726036631"/>
+        <p14:creationId xmlns:p14="http://schemas.microsoft.com/office/powerpoint/2010/main" val="2189997507"/>
       </p:ext>
     </p:extLst>
   </p:cSld>
@@ -24352,20 +25369,20 @@
 </file>
 
 <file path=customXml/item1.xml><?xml version="1.0" encoding="utf-8"?>
+<p:properties xmlns:p="http://schemas.microsoft.com/office/2006/metadata/properties" xmlns:xsi="http://www.w3.org/2001/XMLSchema-instance" xmlns:pc="http://schemas.microsoft.com/office/infopath/2007/PartnerControls">
+  <documentManagement>
+    <_activity xmlns="0f1c73ad-c9d0-4c13-b993-1a6ef90fe6f4" xsi:nil="true"/>
+  </documentManagement>
+</p:properties>
+</file>
+
+<file path=customXml/item2.xml><?xml version="1.0" encoding="utf-8"?>
 <?mso-contentType ?>
 <FormTemplates xmlns="http://schemas.microsoft.com/sharepoint/v3/contenttype/forms">
   <Display>DocumentLibraryForm</Display>
   <Edit>DocumentLibraryForm</Edit>
   <New>DocumentLibraryForm</New>
 </FormTemplates>
-</file>
-
-<file path=customXml/item2.xml><?xml version="1.0" encoding="utf-8"?>
-<p:properties xmlns:p="http://schemas.microsoft.com/office/2006/metadata/properties" xmlns:xsi="http://www.w3.org/2001/XMLSchema-instance" xmlns:pc="http://schemas.microsoft.com/office/infopath/2007/PartnerControls">
-  <documentManagement>
-    <_activity xmlns="0f1c73ad-c9d0-4c13-b993-1a6ef90fe6f4" xsi:nil="true"/>
-  </documentManagement>
-</p:properties>
 </file>
 
 <file path=customXml/item3.xml><?xml version="1.0" encoding="utf-8"?>
@@ -24557,14 +25574,6 @@
 </file>
 
 <file path=customXml/itemProps1.xml><?xml version="1.0" encoding="utf-8"?>
-<ds:datastoreItem xmlns:ds="http://schemas.openxmlformats.org/officeDocument/2006/customXml" ds:itemID="{5254DD79-B24F-4F76-B47B-185B82FBFC38}">
-  <ds:schemaRefs>
-    <ds:schemaRef ds:uri="http://schemas.microsoft.com/sharepoint/v3/contenttype/forms"/>
-  </ds:schemaRefs>
-</ds:datastoreItem>
-</file>
-
-<file path=customXml/itemProps2.xml><?xml version="1.0" encoding="utf-8"?>
 <ds:datastoreItem xmlns:ds="http://schemas.openxmlformats.org/officeDocument/2006/customXml" ds:itemID="{51B349A3-F1F8-4563-82AB-7E39E1F4178C}">
   <ds:schemaRefs>
     <ds:schemaRef ds:uri="http://schemas.microsoft.com/office/2006/documentManagement/types"/>
@@ -24576,6 +25585,14 @@
     <ds:schemaRef ds:uri="0f1c73ad-c9d0-4c13-b993-1a6ef90fe6f4"/>
     <ds:schemaRef ds:uri="http://schemas.microsoft.com/office/2006/metadata/properties"/>
     <ds:schemaRef ds:uri="http://www.w3.org/XML/1998/namespace"/>
+  </ds:schemaRefs>
+</ds:datastoreItem>
+</file>
+
+<file path=customXml/itemProps2.xml><?xml version="1.0" encoding="utf-8"?>
+<ds:datastoreItem xmlns:ds="http://schemas.openxmlformats.org/officeDocument/2006/customXml" ds:itemID="{5254DD79-B24F-4F76-B47B-185B82FBFC38}">
+  <ds:schemaRefs>
+    <ds:schemaRef ds:uri="http://schemas.microsoft.com/sharepoint/v3/contenttype/forms"/>
   </ds:schemaRefs>
 </ds:datastoreItem>
 </file>
